--- a/Presentation.pptx
+++ b/Presentation.pptx
@@ -5,10 +5,10 @@
     <p:sldMasterId id="2147483672" r:id="rId4"/>
   </p:sldMasterIdLst>
   <p:notesMasterIdLst>
-    <p:notesMasterId r:id="rId17"/>
+    <p:notesMasterId r:id="rId20"/>
   </p:notesMasterIdLst>
   <p:handoutMasterIdLst>
-    <p:handoutMasterId r:id="rId18"/>
+    <p:handoutMasterId r:id="rId21"/>
   </p:handoutMasterIdLst>
   <p:sldIdLst>
     <p:sldId id="257" r:id="rId5"/>
@@ -18,11 +18,14 @@
     <p:sldId id="276" r:id="rId9"/>
     <p:sldId id="284" r:id="rId10"/>
     <p:sldId id="278" r:id="rId11"/>
-    <p:sldId id="281" r:id="rId12"/>
-    <p:sldId id="282" r:id="rId13"/>
+    <p:sldId id="282" r:id="rId12"/>
+    <p:sldId id="281" r:id="rId13"/>
     <p:sldId id="277" r:id="rId14"/>
     <p:sldId id="270" r:id="rId15"/>
-    <p:sldId id="283" r:id="rId16"/>
+    <p:sldId id="285" r:id="rId16"/>
+    <p:sldId id="286" r:id="rId17"/>
+    <p:sldId id="287" r:id="rId18"/>
+    <p:sldId id="283" r:id="rId19"/>
   </p:sldIdLst>
   <p:sldSz cx="12188825" cy="6858000"/>
   <p:notesSz cx="6858000" cy="9144000"/>
@@ -255,7 +258,7 @@
                 <a:cs typeface="Tahoma" panose="020B0604030504040204" pitchFamily="34" charset="0"/>
               </a:rPr>
               <a:pPr algn="l" rtl="1"/>
-              <a:t>09 ינואר 23</a:t>
+              <a:t>13 ינואר 23</a:t>
             </a:fld>
             <a:endParaRPr lang="he-IL" dirty="0">
               <a:latin typeface="Tahoma" panose="020B0604030504040204" pitchFamily="34" charset="0"/>
@@ -453,7 +456,7 @@
             <a:fld id="{D36D18A6-F058-41A1-B5F6-5F38D058AE5A}" type="datetime8">
               <a:rPr lang="he-IL" smtClean="0"/>
               <a:pPr/>
-              <a:t>09 ינואר 23</a:t>
+              <a:t>13 ינואר 23</a:t>
             </a:fld>
             <a:endParaRPr lang="he-IL" dirty="0"/>
           </a:p>
@@ -1439,7 +1442,7 @@
           <a:noFill/>
           <a:extLst>
             <a:ext uri="{909E8E84-426E-40dd-AFC4-6F175D3DCCD1}">
-              <a14:hiddenFill xmlns="" xmlns:a14="http://schemas.microsoft.com/office/drawing/2010/main">
+              <a14:hiddenFill xmlns:a14="http://schemas.microsoft.com/office/drawing/2010/main" xmlns="">
                 <a:solidFill>
                   <a:srgbClr val="FFFFFF"/>
                 </a:solidFill>
@@ -1499,7 +1502,7 @@
             </a:ln>
             <a:extLst>
               <a:ext uri="{91240B29-F687-4f45-9708-019B960494DF}">
-                <a14:hiddenLine xmlns="" xmlns:a14="http://schemas.microsoft.com/office/drawing/2010/main" w="9525">
+                <a14:hiddenLine xmlns:a14="http://schemas.microsoft.com/office/drawing/2010/main" xmlns="" w="9525">
                   <a:solidFill>
                     <a:srgbClr val="000000"/>
                   </a:solidFill>
@@ -1589,7 +1592,7 @@
             </a:ln>
             <a:extLst>
               <a:ext uri="{91240B29-F687-4f45-9708-019B960494DF}">
-                <a14:hiddenLine xmlns="" xmlns:a14="http://schemas.microsoft.com/office/drawing/2010/main" w="9525">
+                <a14:hiddenLine xmlns:a14="http://schemas.microsoft.com/office/drawing/2010/main" xmlns="" w="9525">
                   <a:solidFill>
                     <a:srgbClr val="000000"/>
                   </a:solidFill>
@@ -1679,7 +1682,7 @@
             </a:ln>
             <a:extLst>
               <a:ext uri="{91240B29-F687-4f45-9708-019B960494DF}">
-                <a14:hiddenLine xmlns="" xmlns:a14="http://schemas.microsoft.com/office/drawing/2010/main" w="9525">
+                <a14:hiddenLine xmlns:a14="http://schemas.microsoft.com/office/drawing/2010/main" xmlns="" w="9525">
                   <a:solidFill>
                     <a:srgbClr val="000000"/>
                   </a:solidFill>
@@ -1713,7 +1716,7 @@
             </a:ln>
             <a:extLst>
               <a:ext uri="{91240B29-F687-4f45-9708-019B960494DF}">
-                <a14:hiddenLine xmlns="" xmlns:a14="http://schemas.microsoft.com/office/drawing/2010/main" w="9525">
+                <a14:hiddenLine xmlns:a14="http://schemas.microsoft.com/office/drawing/2010/main" xmlns="" w="9525">
                   <a:solidFill>
                     <a:srgbClr val="000000"/>
                   </a:solidFill>
@@ -1803,7 +1806,7 @@
             </a:ln>
             <a:extLst>
               <a:ext uri="{91240B29-F687-4f45-9708-019B960494DF}">
-                <a14:hiddenLine xmlns="" xmlns:a14="http://schemas.microsoft.com/office/drawing/2010/main" w="9525">
+                <a14:hiddenLine xmlns:a14="http://schemas.microsoft.com/office/drawing/2010/main" xmlns="" w="9525">
                   <a:solidFill>
                     <a:srgbClr val="000000"/>
                   </a:solidFill>
@@ -1865,7 +1868,7 @@
             </a:ln>
             <a:extLst>
               <a:ext uri="{91240B29-F687-4f45-9708-019B960494DF}">
-                <a14:hiddenLine xmlns="" xmlns:a14="http://schemas.microsoft.com/office/drawing/2010/main" w="9525">
+                <a14:hiddenLine xmlns:a14="http://schemas.microsoft.com/office/drawing/2010/main" xmlns="" w="9525">
                   <a:solidFill>
                     <a:srgbClr val="000000"/>
                   </a:solidFill>
@@ -1927,7 +1930,7 @@
             </a:ln>
             <a:extLst>
               <a:ext uri="{91240B29-F687-4f45-9708-019B960494DF}">
-                <a14:hiddenLine xmlns="" xmlns:a14="http://schemas.microsoft.com/office/drawing/2010/main" w="9525">
+                <a14:hiddenLine xmlns:a14="http://schemas.microsoft.com/office/drawing/2010/main" xmlns="" w="9525">
                   <a:solidFill>
                     <a:srgbClr val="000000"/>
                   </a:solidFill>
@@ -2017,7 +2020,7 @@
             </a:ln>
             <a:extLst>
               <a:ext uri="{91240B29-F687-4f45-9708-019B960494DF}">
-                <a14:hiddenLine xmlns="" xmlns:a14="http://schemas.microsoft.com/office/drawing/2010/main" w="9525">
+                <a14:hiddenLine xmlns:a14="http://schemas.microsoft.com/office/drawing/2010/main" xmlns="" w="9525">
                   <a:solidFill>
                     <a:srgbClr val="000000"/>
                   </a:solidFill>
@@ -2079,7 +2082,7 @@
             </a:ln>
             <a:extLst>
               <a:ext uri="{91240B29-F687-4f45-9708-019B960494DF}">
-                <a14:hiddenLine xmlns="" xmlns:a14="http://schemas.microsoft.com/office/drawing/2010/main" w="9525">
+                <a14:hiddenLine xmlns:a14="http://schemas.microsoft.com/office/drawing/2010/main" xmlns="" w="9525">
                   <a:solidFill>
                     <a:srgbClr val="000000"/>
                   </a:solidFill>
@@ -2141,7 +2144,7 @@
             </a:ln>
             <a:extLst>
               <a:ext uri="{91240B29-F687-4f45-9708-019B960494DF}">
-                <a14:hiddenLine xmlns="" xmlns:a14="http://schemas.microsoft.com/office/drawing/2010/main" w="9525">
+                <a14:hiddenLine xmlns:a14="http://schemas.microsoft.com/office/drawing/2010/main" xmlns="" w="9525">
                   <a:solidFill>
                     <a:srgbClr val="000000"/>
                   </a:solidFill>
@@ -2231,7 +2234,7 @@
             </a:ln>
             <a:extLst>
               <a:ext uri="{91240B29-F687-4f45-9708-019B960494DF}">
-                <a14:hiddenLine xmlns="" xmlns:a14="http://schemas.microsoft.com/office/drawing/2010/main" w="9525">
+                <a14:hiddenLine xmlns:a14="http://schemas.microsoft.com/office/drawing/2010/main" xmlns="" w="9525">
                   <a:solidFill>
                     <a:srgbClr val="000000"/>
                   </a:solidFill>
@@ -2321,7 +2324,7 @@
             </a:ln>
             <a:extLst>
               <a:ext uri="{91240B29-F687-4f45-9708-019B960494DF}">
-                <a14:hiddenLine xmlns="" xmlns:a14="http://schemas.microsoft.com/office/drawing/2010/main" w="9525">
+                <a14:hiddenLine xmlns:a14="http://schemas.microsoft.com/office/drawing/2010/main" xmlns="" w="9525">
                   <a:solidFill>
                     <a:srgbClr val="000000"/>
                   </a:solidFill>
@@ -2383,7 +2386,7 @@
             </a:ln>
             <a:extLst>
               <a:ext uri="{91240B29-F687-4f45-9708-019B960494DF}">
-                <a14:hiddenLine xmlns="" xmlns:a14="http://schemas.microsoft.com/office/drawing/2010/main" w="9525">
+                <a14:hiddenLine xmlns:a14="http://schemas.microsoft.com/office/drawing/2010/main" xmlns="" w="9525">
                   <a:solidFill>
                     <a:srgbClr val="000000"/>
                   </a:solidFill>
@@ -2493,7 +2496,7 @@
             </a:ln>
             <a:extLst>
               <a:ext uri="{91240B29-F687-4f45-9708-019B960494DF}">
-                <a14:hiddenLine xmlns="" xmlns:a14="http://schemas.microsoft.com/office/drawing/2010/main" w="9525">
+                <a14:hiddenLine xmlns:a14="http://schemas.microsoft.com/office/drawing/2010/main" xmlns="" w="9525">
                   <a:solidFill>
                     <a:srgbClr val="000000"/>
                   </a:solidFill>
@@ -2555,7 +2558,7 @@
             </a:ln>
             <a:extLst>
               <a:ext uri="{91240B29-F687-4f45-9708-019B960494DF}">
-                <a14:hiddenLine xmlns="" xmlns:a14="http://schemas.microsoft.com/office/drawing/2010/main" w="9525">
+                <a14:hiddenLine xmlns:a14="http://schemas.microsoft.com/office/drawing/2010/main" xmlns="" w="9525">
                   <a:solidFill>
                     <a:srgbClr val="000000"/>
                   </a:solidFill>
@@ -2645,7 +2648,7 @@
             </a:ln>
             <a:extLst>
               <a:ext uri="{91240B29-F687-4f45-9708-019B960494DF}">
-                <a14:hiddenLine xmlns="" xmlns:a14="http://schemas.microsoft.com/office/drawing/2010/main" w="9525">
+                <a14:hiddenLine xmlns:a14="http://schemas.microsoft.com/office/drawing/2010/main" xmlns="" w="9525">
                   <a:solidFill>
                     <a:srgbClr val="000000"/>
                   </a:solidFill>
@@ -2735,7 +2738,7 @@
             </a:ln>
             <a:extLst>
               <a:ext uri="{91240B29-F687-4f45-9708-019B960494DF}">
-                <a14:hiddenLine xmlns="" xmlns:a14="http://schemas.microsoft.com/office/drawing/2010/main" w="9525">
+                <a14:hiddenLine xmlns:a14="http://schemas.microsoft.com/office/drawing/2010/main" xmlns="" w="9525">
                   <a:solidFill>
                     <a:srgbClr val="000000"/>
                   </a:solidFill>
@@ -2797,7 +2800,7 @@
             </a:ln>
             <a:extLst>
               <a:ext uri="{91240B29-F687-4f45-9708-019B960494DF}">
-                <a14:hiddenLine xmlns="" xmlns:a14="http://schemas.microsoft.com/office/drawing/2010/main" w="9525">
+                <a14:hiddenLine xmlns:a14="http://schemas.microsoft.com/office/drawing/2010/main" xmlns="" w="9525">
                   <a:solidFill>
                     <a:srgbClr val="000000"/>
                   </a:solidFill>
@@ -2887,7 +2890,7 @@
             </a:ln>
             <a:extLst>
               <a:ext uri="{91240B29-F687-4f45-9708-019B960494DF}">
-                <a14:hiddenLine xmlns="" xmlns:a14="http://schemas.microsoft.com/office/drawing/2010/main" w="9525">
+                <a14:hiddenLine xmlns:a14="http://schemas.microsoft.com/office/drawing/2010/main" xmlns="" w="9525">
                   <a:solidFill>
                     <a:srgbClr val="000000"/>
                   </a:solidFill>
@@ -2977,7 +2980,7 @@
             </a:ln>
             <a:extLst>
               <a:ext uri="{91240B29-F687-4f45-9708-019B960494DF}">
-                <a14:hiddenLine xmlns="" xmlns:a14="http://schemas.microsoft.com/office/drawing/2010/main" w="9525">
+                <a14:hiddenLine xmlns:a14="http://schemas.microsoft.com/office/drawing/2010/main" xmlns="" w="9525">
                   <a:solidFill>
                     <a:srgbClr val="000000"/>
                   </a:solidFill>
@@ -3033,7 +3036,7 @@
             </a:ln>
             <a:extLst>
               <a:ext uri="{91240B29-F687-4f45-9708-019B960494DF}">
-                <a14:hiddenLine xmlns="" xmlns:a14="http://schemas.microsoft.com/office/drawing/2010/main" w="9525">
+                <a14:hiddenLine xmlns:a14="http://schemas.microsoft.com/office/drawing/2010/main" xmlns="" w="9525">
                   <a:solidFill>
                     <a:srgbClr val="000000"/>
                   </a:solidFill>
@@ -3123,7 +3126,7 @@
             </a:ln>
             <a:extLst>
               <a:ext uri="{91240B29-F687-4f45-9708-019B960494DF}">
-                <a14:hiddenLine xmlns="" xmlns:a14="http://schemas.microsoft.com/office/drawing/2010/main" w="9525">
+                <a14:hiddenLine xmlns:a14="http://schemas.microsoft.com/office/drawing/2010/main" xmlns="" w="9525">
                   <a:solidFill>
                     <a:srgbClr val="000000"/>
                   </a:solidFill>
@@ -3179,7 +3182,7 @@
             </a:ln>
             <a:extLst>
               <a:ext uri="{91240B29-F687-4f45-9708-019B960494DF}">
-                <a14:hiddenLine xmlns="" xmlns:a14="http://schemas.microsoft.com/office/drawing/2010/main" w="9525">
+                <a14:hiddenLine xmlns:a14="http://schemas.microsoft.com/office/drawing/2010/main" xmlns="" w="9525">
                   <a:solidFill>
                     <a:srgbClr val="000000"/>
                   </a:solidFill>
@@ -3269,7 +3272,7 @@
             </a:ln>
             <a:extLst>
               <a:ext uri="{91240B29-F687-4f45-9708-019B960494DF}">
-                <a14:hiddenLine xmlns="" xmlns:a14="http://schemas.microsoft.com/office/drawing/2010/main" w="9525">
+                <a14:hiddenLine xmlns:a14="http://schemas.microsoft.com/office/drawing/2010/main" xmlns="" w="9525">
                   <a:solidFill>
                     <a:srgbClr val="000000"/>
                   </a:solidFill>
@@ -3337,7 +3340,7 @@
             </a:ln>
             <a:extLst>
               <a:ext uri="{91240B29-F687-4f45-9708-019B960494DF}">
-                <a14:hiddenLine xmlns="" xmlns:a14="http://schemas.microsoft.com/office/drawing/2010/main" w="9525">
+                <a14:hiddenLine xmlns:a14="http://schemas.microsoft.com/office/drawing/2010/main" xmlns="" w="9525">
                   <a:solidFill>
                     <a:srgbClr val="000000"/>
                   </a:solidFill>
@@ -3427,7 +3430,7 @@
             </a:ln>
             <a:extLst>
               <a:ext uri="{91240B29-F687-4f45-9708-019B960494DF}">
-                <a14:hiddenLine xmlns="" xmlns:a14="http://schemas.microsoft.com/office/drawing/2010/main" w="9525">
+                <a14:hiddenLine xmlns:a14="http://schemas.microsoft.com/office/drawing/2010/main" xmlns="" w="9525">
                   <a:solidFill>
                     <a:srgbClr val="000000"/>
                   </a:solidFill>
@@ -3495,7 +3498,7 @@
             </a:ln>
             <a:extLst>
               <a:ext uri="{91240B29-F687-4f45-9708-019B960494DF}">
-                <a14:hiddenLine xmlns="" xmlns:a14="http://schemas.microsoft.com/office/drawing/2010/main" w="9525">
+                <a14:hiddenLine xmlns:a14="http://schemas.microsoft.com/office/drawing/2010/main" xmlns="" w="9525">
                   <a:solidFill>
                     <a:srgbClr val="000000"/>
                   </a:solidFill>
@@ -3585,7 +3588,7 @@
             </a:ln>
             <a:extLst>
               <a:ext uri="{91240B29-F687-4f45-9708-019B960494DF}">
-                <a14:hiddenLine xmlns="" xmlns:a14="http://schemas.microsoft.com/office/drawing/2010/main" w="9525">
+                <a14:hiddenLine xmlns:a14="http://schemas.microsoft.com/office/drawing/2010/main" xmlns="" w="9525">
                   <a:solidFill>
                     <a:srgbClr val="000000"/>
                   </a:solidFill>
@@ -3619,7 +3622,7 @@
             </a:ln>
             <a:extLst>
               <a:ext uri="{91240B29-F687-4f45-9708-019B960494DF}">
-                <a14:hiddenLine xmlns="" xmlns:a14="http://schemas.microsoft.com/office/drawing/2010/main" w="9525">
+                <a14:hiddenLine xmlns:a14="http://schemas.microsoft.com/office/drawing/2010/main" xmlns="" w="9525">
                   <a:solidFill>
                     <a:srgbClr val="000000"/>
                   </a:solidFill>
@@ -3709,7 +3712,7 @@
             </a:ln>
             <a:extLst>
               <a:ext uri="{91240B29-F687-4f45-9708-019B960494DF}">
-                <a14:hiddenLine xmlns="" xmlns:a14="http://schemas.microsoft.com/office/drawing/2010/main" w="9525">
+                <a14:hiddenLine xmlns:a14="http://schemas.microsoft.com/office/drawing/2010/main" xmlns="" w="9525">
                   <a:solidFill>
                     <a:srgbClr val="000000"/>
                   </a:solidFill>
@@ -3771,7 +3774,7 @@
             </a:ln>
             <a:extLst>
               <a:ext uri="{91240B29-F687-4f45-9708-019B960494DF}">
-                <a14:hiddenLine xmlns="" xmlns:a14="http://schemas.microsoft.com/office/drawing/2010/main" w="9525">
+                <a14:hiddenLine xmlns:a14="http://schemas.microsoft.com/office/drawing/2010/main" xmlns="" w="9525">
                   <a:solidFill>
                     <a:srgbClr val="000000"/>
                   </a:solidFill>
@@ -3833,7 +3836,7 @@
             </a:ln>
             <a:extLst>
               <a:ext uri="{91240B29-F687-4f45-9708-019B960494DF}">
-                <a14:hiddenLine xmlns="" xmlns:a14="http://schemas.microsoft.com/office/drawing/2010/main" w="9525">
+                <a14:hiddenLine xmlns:a14="http://schemas.microsoft.com/office/drawing/2010/main" xmlns="" w="9525">
                   <a:solidFill>
                     <a:srgbClr val="000000"/>
                   </a:solidFill>
@@ -3923,7 +3926,7 @@
             </a:ln>
             <a:extLst>
               <a:ext uri="{91240B29-F687-4f45-9708-019B960494DF}">
-                <a14:hiddenLine xmlns="" xmlns:a14="http://schemas.microsoft.com/office/drawing/2010/main" w="9525">
+                <a14:hiddenLine xmlns:a14="http://schemas.microsoft.com/office/drawing/2010/main" xmlns="" w="9525">
                   <a:solidFill>
                     <a:srgbClr val="000000"/>
                   </a:solidFill>
@@ -3991,7 +3994,7 @@
             </a:ln>
             <a:extLst>
               <a:ext uri="{91240B29-F687-4f45-9708-019B960494DF}">
-                <a14:hiddenLine xmlns="" xmlns:a14="http://schemas.microsoft.com/office/drawing/2010/main" w="9525">
+                <a14:hiddenLine xmlns:a14="http://schemas.microsoft.com/office/drawing/2010/main" xmlns="" w="9525">
                   <a:solidFill>
                     <a:srgbClr val="000000"/>
                   </a:solidFill>
@@ -4053,7 +4056,7 @@
             </a:ln>
             <a:extLst>
               <a:ext uri="{91240B29-F687-4f45-9708-019B960494DF}">
-                <a14:hiddenLine xmlns="" xmlns:a14="http://schemas.microsoft.com/office/drawing/2010/main" w="9525">
+                <a14:hiddenLine xmlns:a14="http://schemas.microsoft.com/office/drawing/2010/main" xmlns="" w="9525">
                   <a:solidFill>
                     <a:srgbClr val="000000"/>
                   </a:solidFill>
@@ -4143,7 +4146,7 @@
             </a:ln>
             <a:extLst>
               <a:ext uri="{91240B29-F687-4f45-9708-019B960494DF}">
-                <a14:hiddenLine xmlns="" xmlns:a14="http://schemas.microsoft.com/office/drawing/2010/main" w="9525">
+                <a14:hiddenLine xmlns:a14="http://schemas.microsoft.com/office/drawing/2010/main" xmlns="" w="9525">
                   <a:solidFill>
                     <a:srgbClr val="000000"/>
                   </a:solidFill>
@@ -4205,7 +4208,7 @@
             </a:ln>
             <a:extLst>
               <a:ext uri="{91240B29-F687-4f45-9708-019B960494DF}">
-                <a14:hiddenLine xmlns="" xmlns:a14="http://schemas.microsoft.com/office/drawing/2010/main" w="9525">
+                <a14:hiddenLine xmlns:a14="http://schemas.microsoft.com/office/drawing/2010/main" xmlns="" w="9525">
                   <a:solidFill>
                     <a:srgbClr val="000000"/>
                   </a:solidFill>
@@ -4295,7 +4298,7 @@
             </a:ln>
             <a:extLst>
               <a:ext uri="{91240B29-F687-4f45-9708-019B960494DF}">
-                <a14:hiddenLine xmlns="" xmlns:a14="http://schemas.microsoft.com/office/drawing/2010/main" w="9525">
+                <a14:hiddenLine xmlns:a14="http://schemas.microsoft.com/office/drawing/2010/main" xmlns="" w="9525">
                   <a:solidFill>
                     <a:srgbClr val="000000"/>
                   </a:solidFill>
@@ -4357,7 +4360,7 @@
             </a:ln>
             <a:extLst>
               <a:ext uri="{91240B29-F687-4f45-9708-019B960494DF}">
-                <a14:hiddenLine xmlns="" xmlns:a14="http://schemas.microsoft.com/office/drawing/2010/main" w="9525">
+                <a14:hiddenLine xmlns:a14="http://schemas.microsoft.com/office/drawing/2010/main" xmlns="" w="9525">
                   <a:solidFill>
                     <a:srgbClr val="000000"/>
                   </a:solidFill>
@@ -4447,7 +4450,7 @@
             </a:ln>
             <a:extLst>
               <a:ext uri="{91240B29-F687-4f45-9708-019B960494DF}">
-                <a14:hiddenLine xmlns="" xmlns:a14="http://schemas.microsoft.com/office/drawing/2010/main" w="9525">
+                <a14:hiddenLine xmlns:a14="http://schemas.microsoft.com/office/drawing/2010/main" xmlns="" w="9525">
                   <a:solidFill>
                     <a:srgbClr val="000000"/>
                   </a:solidFill>
@@ -4481,7 +4484,7 @@
             </a:ln>
             <a:extLst>
               <a:ext uri="{91240B29-F687-4f45-9708-019B960494DF}">
-                <a14:hiddenLine xmlns="" xmlns:a14="http://schemas.microsoft.com/office/drawing/2010/main" w="9525">
+                <a14:hiddenLine xmlns:a14="http://schemas.microsoft.com/office/drawing/2010/main" xmlns="" w="9525">
                   <a:solidFill>
                     <a:srgbClr val="000000"/>
                   </a:solidFill>
@@ -4546,7 +4549,7 @@
             </a:ln>
             <a:extLst>
               <a:ext uri="{91240B29-F687-4f45-9708-019B960494DF}">
-                <a14:hiddenLine xmlns="" xmlns:a14="http://schemas.microsoft.com/office/drawing/2010/main" w="9525">
+                <a14:hiddenLine xmlns:a14="http://schemas.microsoft.com/office/drawing/2010/main" xmlns="" w="9525">
                   <a:solidFill>
                     <a:srgbClr val="000000"/>
                   </a:solidFill>
@@ -4636,7 +4639,7 @@
             </a:ln>
             <a:extLst>
               <a:ext uri="{91240B29-F687-4f45-9708-019B960494DF}">
-                <a14:hiddenLine xmlns="" xmlns:a14="http://schemas.microsoft.com/office/drawing/2010/main" w="9525">
+                <a14:hiddenLine xmlns:a14="http://schemas.microsoft.com/office/drawing/2010/main" xmlns="" w="9525">
                   <a:solidFill>
                     <a:srgbClr val="000000"/>
                   </a:solidFill>
@@ -4698,7 +4701,7 @@
             </a:ln>
             <a:extLst>
               <a:ext uri="{91240B29-F687-4f45-9708-019B960494DF}">
-                <a14:hiddenLine xmlns="" xmlns:a14="http://schemas.microsoft.com/office/drawing/2010/main" w="9525">
+                <a14:hiddenLine xmlns:a14="http://schemas.microsoft.com/office/drawing/2010/main" xmlns="" w="9525">
                   <a:solidFill>
                     <a:srgbClr val="000000"/>
                   </a:solidFill>
@@ -4788,7 +4791,7 @@
             </a:ln>
             <a:extLst>
               <a:ext uri="{91240B29-F687-4f45-9708-019B960494DF}">
-                <a14:hiddenLine xmlns="" xmlns:a14="http://schemas.microsoft.com/office/drawing/2010/main" w="9525">
+                <a14:hiddenLine xmlns:a14="http://schemas.microsoft.com/office/drawing/2010/main" xmlns="" w="9525">
                   <a:solidFill>
                     <a:srgbClr val="000000"/>
                   </a:solidFill>
@@ -4878,7 +4881,7 @@
             </a:ln>
             <a:extLst>
               <a:ext uri="{91240B29-F687-4f45-9708-019B960494DF}">
-                <a14:hiddenLine xmlns="" xmlns:a14="http://schemas.microsoft.com/office/drawing/2010/main" w="9525">
+                <a14:hiddenLine xmlns:a14="http://schemas.microsoft.com/office/drawing/2010/main" xmlns="" w="9525">
                   <a:solidFill>
                     <a:srgbClr val="000000"/>
                   </a:solidFill>
@@ -4943,7 +4946,7 @@
             </a:ln>
             <a:extLst>
               <a:ext uri="{91240B29-F687-4f45-9708-019B960494DF}">
-                <a14:hiddenLine xmlns="" xmlns:a14="http://schemas.microsoft.com/office/drawing/2010/main" w="9525">
+                <a14:hiddenLine xmlns:a14="http://schemas.microsoft.com/office/drawing/2010/main" xmlns="" w="9525">
                   <a:solidFill>
                     <a:srgbClr val="000000"/>
                   </a:solidFill>
@@ -5005,7 +5008,7 @@
             </a:ln>
             <a:extLst>
               <a:ext uri="{91240B29-F687-4f45-9708-019B960494DF}">
-                <a14:hiddenLine xmlns="" xmlns:a14="http://schemas.microsoft.com/office/drawing/2010/main" w="9525">
+                <a14:hiddenLine xmlns:a14="http://schemas.microsoft.com/office/drawing/2010/main" xmlns="" w="9525">
                   <a:solidFill>
                     <a:srgbClr val="000000"/>
                   </a:solidFill>
@@ -5095,7 +5098,7 @@
             </a:ln>
             <a:extLst>
               <a:ext uri="{91240B29-F687-4f45-9708-019B960494DF}">
-                <a14:hiddenLine xmlns="" xmlns:a14="http://schemas.microsoft.com/office/drawing/2010/main" w="9525">
+                <a14:hiddenLine xmlns:a14="http://schemas.microsoft.com/office/drawing/2010/main" xmlns="" w="9525">
                   <a:solidFill>
                     <a:srgbClr val="000000"/>
                   </a:solidFill>
@@ -5185,7 +5188,7 @@
             </a:ln>
             <a:extLst>
               <a:ext uri="{91240B29-F687-4f45-9708-019B960494DF}">
-                <a14:hiddenLine xmlns="" xmlns:a14="http://schemas.microsoft.com/office/drawing/2010/main" w="9525">
+                <a14:hiddenLine xmlns:a14="http://schemas.microsoft.com/office/drawing/2010/main" xmlns="" w="9525">
                   <a:solidFill>
                     <a:srgbClr val="000000"/>
                   </a:solidFill>
@@ -5247,7 +5250,7 @@
             </a:ln>
             <a:extLst>
               <a:ext uri="{91240B29-F687-4f45-9708-019B960494DF}">
-                <a14:hiddenLine xmlns="" xmlns:a14="http://schemas.microsoft.com/office/drawing/2010/main" w="9525">
+                <a14:hiddenLine xmlns:a14="http://schemas.microsoft.com/office/drawing/2010/main" xmlns="" w="9525">
                   <a:solidFill>
                     <a:srgbClr val="000000"/>
                   </a:solidFill>
@@ -5367,7 +5370,7 @@
             </a:ln>
             <a:extLst>
               <a:ext uri="{91240B29-F687-4f45-9708-019B960494DF}">
-                <a14:hiddenLine xmlns="" xmlns:a14="http://schemas.microsoft.com/office/drawing/2010/main" w="9525">
+                <a14:hiddenLine xmlns:a14="http://schemas.microsoft.com/office/drawing/2010/main" xmlns="" w="9525">
                   <a:solidFill>
                     <a:srgbClr val="000000"/>
                   </a:solidFill>
@@ -5435,7 +5438,7 @@
             </a:ln>
             <a:extLst>
               <a:ext uri="{91240B29-F687-4f45-9708-019B960494DF}">
-                <a14:hiddenLine xmlns="" xmlns:a14="http://schemas.microsoft.com/office/drawing/2010/main" w="9525">
+                <a14:hiddenLine xmlns:a14="http://schemas.microsoft.com/office/drawing/2010/main" xmlns="" w="9525">
                   <a:solidFill>
                     <a:srgbClr val="000000"/>
                   </a:solidFill>
@@ -5525,7 +5528,7 @@
             </a:ln>
             <a:extLst>
               <a:ext uri="{91240B29-F687-4f45-9708-019B960494DF}">
-                <a14:hiddenLine xmlns="" xmlns:a14="http://schemas.microsoft.com/office/drawing/2010/main" w="9525">
+                <a14:hiddenLine xmlns:a14="http://schemas.microsoft.com/office/drawing/2010/main" xmlns="" w="9525">
                   <a:solidFill>
                     <a:srgbClr val="000000"/>
                   </a:solidFill>
@@ -5665,7 +5668,7 @@
           <a:p>
             <a:fld id="{1651A07E-D02A-4CEE-9532-E711536F61CB}" type="datetime8">
               <a:rPr lang="he-IL" smtClean="0"/>
-              <a:t>09 ינואר 23</a:t>
+              <a:t>13 ינואר 23</a:t>
             </a:fld>
             <a:endParaRPr lang="he-IL" dirty="0"/>
           </a:p>
@@ -5945,7 +5948,7 @@
           <a:p>
             <a:fld id="{990DDFCC-B47F-4614-BB29-CDBA498A9527}" type="datetime8">
               <a:rPr lang="he-IL" smtClean="0"/>
-              <a:t>09 ינואר 23</a:t>
+              <a:t>13 ינואר 23</a:t>
             </a:fld>
             <a:endParaRPr lang="he-IL" dirty="0"/>
           </a:p>
@@ -6143,7 +6146,7 @@
           <a:p>
             <a:fld id="{990DDFCC-B47F-4614-BB29-CDBA498A9527}" type="datetime8">
               <a:rPr lang="he-IL" smtClean="0"/>
-              <a:t>09 ינואר 23</a:t>
+              <a:t>13 ינואר 23</a:t>
             </a:fld>
             <a:endParaRPr lang="he-IL" dirty="0"/>
           </a:p>
@@ -6408,7 +6411,7 @@
           <a:p>
             <a:fld id="{990DDFCC-B47F-4614-BB29-CDBA498A9527}" type="datetime8">
               <a:rPr lang="he-IL" smtClean="0"/>
-              <a:t>09 ינואר 23</a:t>
+              <a:t>13 ינואר 23</a:t>
             </a:fld>
             <a:endParaRPr lang="he-IL" dirty="0"/>
           </a:p>
@@ -6844,7 +6847,7 @@
           <a:p>
             <a:fld id="{990DDFCC-B47F-4614-BB29-CDBA498A9527}" type="datetime8">
               <a:rPr lang="he-IL" smtClean="0"/>
-              <a:t>09 ינואר 23</a:t>
+              <a:t>13 ינואר 23</a:t>
             </a:fld>
             <a:endParaRPr lang="he-IL" dirty="0"/>
           </a:p>
@@ -7392,7 +7395,7 @@
           <a:p>
             <a:fld id="{990DDFCC-B47F-4614-BB29-CDBA498A9527}" type="datetime8">
               <a:rPr lang="he-IL" smtClean="0"/>
-              <a:t>09 ינואר 23</a:t>
+              <a:t>13 ינואר 23</a:t>
             </a:fld>
             <a:endParaRPr lang="he-IL" dirty="0"/>
           </a:p>
@@ -8114,7 +8117,7 @@
           <a:p>
             <a:fld id="{990DDFCC-B47F-4614-BB29-CDBA498A9527}" type="datetime8">
               <a:rPr lang="he-IL" smtClean="0"/>
-              <a:t>09 ינואר 23</a:t>
+              <a:t>13 ינואר 23</a:t>
             </a:fld>
             <a:endParaRPr lang="he-IL" dirty="0"/>
           </a:p>
@@ -8286,7 +8289,7 @@
           <a:p>
             <a:fld id="{EB5C003A-6A04-43AB-99F9-415D41B3F8BA}" type="datetime8">
               <a:rPr lang="he-IL" smtClean="0"/>
-              <a:t>09 ינואר 23</a:t>
+              <a:t>13 ינואר 23</a:t>
             </a:fld>
             <a:endParaRPr lang="he-IL" dirty="0"/>
           </a:p>
@@ -8480,7 +8483,7 @@
           <a:p>
             <a:fld id="{8B553946-3152-4989-AEFA-F404A93770FF}" type="datetime8">
               <a:rPr lang="he-IL" smtClean="0"/>
-              <a:t>09 ינואר 23</a:t>
+              <a:t>13 ינואר 23</a:t>
             </a:fld>
             <a:endParaRPr lang="he-IL" dirty="0"/>
           </a:p>
@@ -8664,7 +8667,7 @@
           <a:p>
             <a:fld id="{E72EFC9C-9B47-4856-90DC-1DF004C1F98F}" type="datetime8">
               <a:rPr lang="he-IL" smtClean="0"/>
-              <a:t>09 ינואר 23</a:t>
+              <a:t>13 ינואר 23</a:t>
             </a:fld>
             <a:endParaRPr lang="he-IL" dirty="0"/>
           </a:p>
@@ -8928,7 +8931,7 @@
           <a:p>
             <a:fld id="{0D037EC3-2BB0-46A8-8E93-635E16922CAB}" type="datetime8">
               <a:rPr lang="he-IL" smtClean="0"/>
-              <a:t>09 ינואר 23</a:t>
+              <a:t>13 ינואר 23</a:t>
             </a:fld>
             <a:endParaRPr lang="he-IL" dirty="0"/>
           </a:p>
@@ -9174,7 +9177,7 @@
           <a:p>
             <a:fld id="{2DC81EBC-E5FE-4D00-8EFE-4A80A5B58C99}" type="datetime8">
               <a:rPr lang="he-IL" smtClean="0"/>
-              <a:t>09 ינואר 23</a:t>
+              <a:t>13 ינואר 23</a:t>
             </a:fld>
             <a:endParaRPr lang="he-IL" dirty="0"/>
           </a:p>
@@ -9569,7 +9572,7 @@
           <a:p>
             <a:fld id="{8A1B7269-7912-4CFB-9591-9F582F395F70}" type="datetime8">
               <a:rPr lang="he-IL" smtClean="0"/>
-              <a:t>09 ינואר 23</a:t>
+              <a:t>13 ינואר 23</a:t>
             </a:fld>
             <a:endParaRPr lang="he-IL" dirty="0"/>
           </a:p>
@@ -9701,7 +9704,7 @@
           <a:p>
             <a:fld id="{DF7B79A7-C9CE-472D-8FDB-1980D196E6E4}" type="datetime8">
               <a:rPr lang="he-IL" smtClean="0"/>
-              <a:t>09 ינואר 23</a:t>
+              <a:t>13 ינואר 23</a:t>
             </a:fld>
             <a:endParaRPr lang="he-IL" dirty="0"/>
           </a:p>
@@ -9810,7 +9813,7 @@
           <a:p>
             <a:fld id="{2E120E0D-47A9-47D3-BFFA-C9A1E7D3C39E}" type="datetime8">
               <a:rPr lang="he-IL" smtClean="0"/>
-              <a:t>09 ינואר 23</a:t>
+              <a:t>13 ינואר 23</a:t>
             </a:fld>
             <a:endParaRPr lang="he-IL" dirty="0"/>
           </a:p>
@@ -10073,7 +10076,7 @@
           <a:p>
             <a:fld id="{B595DCCB-1074-43D6-8522-D145596F0536}" type="datetime8">
               <a:rPr lang="he-IL" smtClean="0"/>
-              <a:t>09 ינואר 23</a:t>
+              <a:t>13 ינואר 23</a:t>
             </a:fld>
             <a:endParaRPr lang="he-IL" dirty="0"/>
           </a:p>
@@ -10367,7 +10370,7 @@
           <a:p>
             <a:fld id="{D51FE1A8-ABC6-4137-86D5-F6CE66EBEE63}" type="datetime8">
               <a:rPr lang="he-IL" smtClean="0"/>
-              <a:t>09 ינואר 23</a:t>
+              <a:t>13 ינואר 23</a:t>
             </a:fld>
             <a:endParaRPr lang="he-IL" dirty="0"/>
           </a:p>
@@ -10497,7 +10500,7 @@
           <a:noFill/>
           <a:extLst>
             <a:ext uri="{909E8E84-426E-40dd-AFC4-6F175D3DCCD1}">
-              <a14:hiddenFill xmlns="" xmlns:a14="http://schemas.microsoft.com/office/drawing/2010/main">
+              <a14:hiddenFill xmlns:a14="http://schemas.microsoft.com/office/drawing/2010/main" xmlns="">
                 <a:solidFill>
                   <a:srgbClr val="FFFFFF"/>
                 </a:solidFill>
@@ -10571,7 +10574,7 @@
               </a:ln>
               <a:extLst>
                 <a:ext uri="{91240B29-F687-4f45-9708-019B960494DF}">
-                  <a14:hiddenLine xmlns="" xmlns:a14="http://schemas.microsoft.com/office/drawing/2010/main" w="9525">
+                  <a14:hiddenLine xmlns:a14="http://schemas.microsoft.com/office/drawing/2010/main" xmlns="" w="9525">
                     <a:solidFill>
                       <a:srgbClr val="000000"/>
                     </a:solidFill>
@@ -10661,7 +10664,7 @@
               </a:ln>
               <a:extLst>
                 <a:ext uri="{91240B29-F687-4f45-9708-019B960494DF}">
-                  <a14:hiddenLine xmlns="" xmlns:a14="http://schemas.microsoft.com/office/drawing/2010/main" w="9525">
+                  <a14:hiddenLine xmlns:a14="http://schemas.microsoft.com/office/drawing/2010/main" xmlns="" w="9525">
                     <a:solidFill>
                       <a:srgbClr val="000000"/>
                     </a:solidFill>
@@ -10751,7 +10754,7 @@
               </a:ln>
               <a:extLst>
                 <a:ext uri="{91240B29-F687-4f45-9708-019B960494DF}">
-                  <a14:hiddenLine xmlns="" xmlns:a14="http://schemas.microsoft.com/office/drawing/2010/main" w="9525">
+                  <a14:hiddenLine xmlns:a14="http://schemas.microsoft.com/office/drawing/2010/main" xmlns="" w="9525">
                     <a:solidFill>
                       <a:srgbClr val="000000"/>
                     </a:solidFill>
@@ -10813,7 +10816,7 @@
               </a:ln>
               <a:extLst>
                 <a:ext uri="{91240B29-F687-4f45-9708-019B960494DF}">
-                  <a14:hiddenLine xmlns="" xmlns:a14="http://schemas.microsoft.com/office/drawing/2010/main" w="9525">
+                  <a14:hiddenLine xmlns:a14="http://schemas.microsoft.com/office/drawing/2010/main" xmlns="" w="9525">
                     <a:solidFill>
                       <a:srgbClr val="000000"/>
                     </a:solidFill>
@@ -10903,7 +10906,7 @@
               </a:ln>
               <a:extLst>
                 <a:ext uri="{91240B29-F687-4f45-9708-019B960494DF}">
-                  <a14:hiddenLine xmlns="" xmlns:a14="http://schemas.microsoft.com/office/drawing/2010/main" w="9525">
+                  <a14:hiddenLine xmlns:a14="http://schemas.microsoft.com/office/drawing/2010/main" xmlns="" w="9525">
                     <a:solidFill>
                       <a:srgbClr val="000000"/>
                     </a:solidFill>
@@ -10965,7 +10968,7 @@
               </a:ln>
               <a:extLst>
                 <a:ext uri="{91240B29-F687-4f45-9708-019B960494DF}">
-                  <a14:hiddenLine xmlns="" xmlns:a14="http://schemas.microsoft.com/office/drawing/2010/main" w="9525">
+                  <a14:hiddenLine xmlns:a14="http://schemas.microsoft.com/office/drawing/2010/main" xmlns="" w="9525">
                     <a:solidFill>
                       <a:srgbClr val="000000"/>
                     </a:solidFill>
@@ -11027,7 +11030,7 @@
               </a:ln>
               <a:extLst>
                 <a:ext uri="{91240B29-F687-4f45-9708-019B960494DF}">
-                  <a14:hiddenLine xmlns="" xmlns:a14="http://schemas.microsoft.com/office/drawing/2010/main" w="9525">
+                  <a14:hiddenLine xmlns:a14="http://schemas.microsoft.com/office/drawing/2010/main" xmlns="" w="9525">
                     <a:solidFill>
                       <a:srgbClr val="000000"/>
                     </a:solidFill>
@@ -11117,7 +11120,7 @@
               </a:ln>
               <a:extLst>
                 <a:ext uri="{91240B29-F687-4f45-9708-019B960494DF}">
-                  <a14:hiddenLine xmlns="" xmlns:a14="http://schemas.microsoft.com/office/drawing/2010/main" w="9525">
+                  <a14:hiddenLine xmlns:a14="http://schemas.microsoft.com/office/drawing/2010/main" xmlns="" w="9525">
                     <a:solidFill>
                       <a:srgbClr val="000000"/>
                     </a:solidFill>
@@ -11207,7 +11210,7 @@
               </a:ln>
               <a:extLst>
                 <a:ext uri="{91240B29-F687-4f45-9708-019B960494DF}">
-                  <a14:hiddenLine xmlns="" xmlns:a14="http://schemas.microsoft.com/office/drawing/2010/main" w="9525">
+                  <a14:hiddenLine xmlns:a14="http://schemas.microsoft.com/office/drawing/2010/main" xmlns="" w="9525">
                     <a:solidFill>
                       <a:srgbClr val="000000"/>
                     </a:solidFill>
@@ -11269,7 +11272,7 @@
               </a:ln>
               <a:extLst>
                 <a:ext uri="{91240B29-F687-4f45-9708-019B960494DF}">
-                  <a14:hiddenLine xmlns="" xmlns:a14="http://schemas.microsoft.com/office/drawing/2010/main" w="9525">
+                  <a14:hiddenLine xmlns:a14="http://schemas.microsoft.com/office/drawing/2010/main" xmlns="" w="9525">
                     <a:solidFill>
                       <a:srgbClr val="000000"/>
                     </a:solidFill>
@@ -11379,7 +11382,7 @@
               </a:ln>
               <a:extLst>
                 <a:ext uri="{91240B29-F687-4f45-9708-019B960494DF}">
-                  <a14:hiddenLine xmlns="" xmlns:a14="http://schemas.microsoft.com/office/drawing/2010/main" w="9525">
+                  <a14:hiddenLine xmlns:a14="http://schemas.microsoft.com/office/drawing/2010/main" xmlns="" w="9525">
                     <a:solidFill>
                       <a:srgbClr val="000000"/>
                     </a:solidFill>
@@ -11463,7 +11466,7 @@
               </a:ln>
               <a:extLst>
                 <a:ext uri="{91240B29-F687-4f45-9708-019B960494DF}">
-                  <a14:hiddenLine xmlns="" xmlns:a14="http://schemas.microsoft.com/office/drawing/2010/main" w="9525">
+                  <a14:hiddenLine xmlns:a14="http://schemas.microsoft.com/office/drawing/2010/main" xmlns="" w="9525">
                     <a:solidFill>
                       <a:srgbClr val="000000"/>
                     </a:solidFill>
@@ -11525,7 +11528,7 @@
               </a:ln>
               <a:extLst>
                 <a:ext uri="{91240B29-F687-4f45-9708-019B960494DF}">
-                  <a14:hiddenLine xmlns="" xmlns:a14="http://schemas.microsoft.com/office/drawing/2010/main" w="9525">
+                  <a14:hiddenLine xmlns:a14="http://schemas.microsoft.com/office/drawing/2010/main" xmlns="" w="9525">
                     <a:solidFill>
                       <a:srgbClr val="000000"/>
                     </a:solidFill>
@@ -11587,7 +11590,7 @@
               </a:ln>
               <a:extLst>
                 <a:ext uri="{91240B29-F687-4f45-9708-019B960494DF}">
-                  <a14:hiddenLine xmlns="" xmlns:a14="http://schemas.microsoft.com/office/drawing/2010/main" w="9525">
+                  <a14:hiddenLine xmlns:a14="http://schemas.microsoft.com/office/drawing/2010/main" xmlns="" w="9525">
                     <a:solidFill>
                       <a:srgbClr val="000000"/>
                     </a:solidFill>
@@ -11677,7 +11680,7 @@
               </a:ln>
               <a:extLst>
                 <a:ext uri="{91240B29-F687-4f45-9708-019B960494DF}">
-                  <a14:hiddenLine xmlns="" xmlns:a14="http://schemas.microsoft.com/office/drawing/2010/main" w="9525">
+                  <a14:hiddenLine xmlns:a14="http://schemas.microsoft.com/office/drawing/2010/main" xmlns="" w="9525">
                     <a:solidFill>
                       <a:srgbClr val="000000"/>
                     </a:solidFill>
@@ -11711,7 +11714,7 @@
               </a:ln>
               <a:extLst>
                 <a:ext uri="{91240B29-F687-4f45-9708-019B960494DF}">
-                  <a14:hiddenLine xmlns="" xmlns:a14="http://schemas.microsoft.com/office/drawing/2010/main" w="9525">
+                  <a14:hiddenLine xmlns:a14="http://schemas.microsoft.com/office/drawing/2010/main" xmlns="" w="9525">
                     <a:solidFill>
                       <a:srgbClr val="000000"/>
                     </a:solidFill>
@@ -11776,7 +11779,7 @@
               </a:ln>
               <a:extLst>
                 <a:ext uri="{91240B29-F687-4f45-9708-019B960494DF}">
-                  <a14:hiddenLine xmlns="" xmlns:a14="http://schemas.microsoft.com/office/drawing/2010/main" w="9525">
+                  <a14:hiddenLine xmlns:a14="http://schemas.microsoft.com/office/drawing/2010/main" xmlns="" w="9525">
                     <a:solidFill>
                       <a:srgbClr val="000000"/>
                     </a:solidFill>
@@ -11866,7 +11869,7 @@
               </a:ln>
               <a:extLst>
                 <a:ext uri="{91240B29-F687-4f45-9708-019B960494DF}">
-                  <a14:hiddenLine xmlns="" xmlns:a14="http://schemas.microsoft.com/office/drawing/2010/main" w="9525">
+                  <a14:hiddenLine xmlns:a14="http://schemas.microsoft.com/office/drawing/2010/main" xmlns="" w="9525">
                     <a:solidFill>
                       <a:srgbClr val="000000"/>
                     </a:solidFill>
@@ -11928,7 +11931,7 @@
               </a:ln>
               <a:extLst>
                 <a:ext uri="{91240B29-F687-4f45-9708-019B960494DF}">
-                  <a14:hiddenLine xmlns="" xmlns:a14="http://schemas.microsoft.com/office/drawing/2010/main" w="9525">
+                  <a14:hiddenLine xmlns:a14="http://schemas.microsoft.com/office/drawing/2010/main" xmlns="" w="9525">
                     <a:solidFill>
                       <a:srgbClr val="000000"/>
                     </a:solidFill>
@@ -12018,7 +12021,7 @@
               </a:ln>
               <a:extLst>
                 <a:ext uri="{91240B29-F687-4f45-9708-019B960494DF}">
-                  <a14:hiddenLine xmlns="" xmlns:a14="http://schemas.microsoft.com/office/drawing/2010/main" w="9525">
+                  <a14:hiddenLine xmlns:a14="http://schemas.microsoft.com/office/drawing/2010/main" xmlns="" w="9525">
                     <a:solidFill>
                       <a:srgbClr val="000000"/>
                     </a:solidFill>
@@ -12083,7 +12086,7 @@
               </a:ln>
               <a:extLst>
                 <a:ext uri="{91240B29-F687-4f45-9708-019B960494DF}">
-                  <a14:hiddenLine xmlns="" xmlns:a14="http://schemas.microsoft.com/office/drawing/2010/main" w="9525">
+                  <a14:hiddenLine xmlns:a14="http://schemas.microsoft.com/office/drawing/2010/main" xmlns="" w="9525">
                     <a:solidFill>
                       <a:srgbClr val="000000"/>
                     </a:solidFill>
@@ -12145,7 +12148,7 @@
               </a:ln>
               <a:extLst>
                 <a:ext uri="{91240B29-F687-4f45-9708-019B960494DF}">
-                  <a14:hiddenLine xmlns="" xmlns:a14="http://schemas.microsoft.com/office/drawing/2010/main" w="9525">
+                  <a14:hiddenLine xmlns:a14="http://schemas.microsoft.com/office/drawing/2010/main" xmlns="" w="9525">
                     <a:solidFill>
                       <a:srgbClr val="000000"/>
                     </a:solidFill>
@@ -12235,7 +12238,7 @@
               </a:ln>
               <a:extLst>
                 <a:ext uri="{91240B29-F687-4f45-9708-019B960494DF}">
-                  <a14:hiddenLine xmlns="" xmlns:a14="http://schemas.microsoft.com/office/drawing/2010/main" w="9525">
+                  <a14:hiddenLine xmlns:a14="http://schemas.microsoft.com/office/drawing/2010/main" xmlns="" w="9525">
                     <a:solidFill>
                       <a:srgbClr val="000000"/>
                     </a:solidFill>
@@ -12325,7 +12328,7 @@
               </a:ln>
               <a:extLst>
                 <a:ext uri="{91240B29-F687-4f45-9708-019B960494DF}">
-                  <a14:hiddenLine xmlns="" xmlns:a14="http://schemas.microsoft.com/office/drawing/2010/main" w="9525">
+                  <a14:hiddenLine xmlns:a14="http://schemas.microsoft.com/office/drawing/2010/main" xmlns="" w="9525">
                     <a:solidFill>
                       <a:srgbClr val="000000"/>
                     </a:solidFill>
@@ -12390,7 +12393,7 @@
               </a:ln>
               <a:extLst>
                 <a:ext uri="{91240B29-F687-4f45-9708-019B960494DF}">
-                  <a14:hiddenLine xmlns="" xmlns:a14="http://schemas.microsoft.com/office/drawing/2010/main" w="9525">
+                  <a14:hiddenLine xmlns:a14="http://schemas.microsoft.com/office/drawing/2010/main" xmlns="" w="9525">
                     <a:solidFill>
                       <a:srgbClr val="000000"/>
                     </a:solidFill>
@@ -12510,7 +12513,7 @@
               </a:ln>
               <a:extLst>
                 <a:ext uri="{91240B29-F687-4f45-9708-019B960494DF}">
-                  <a14:hiddenLine xmlns="" xmlns:a14="http://schemas.microsoft.com/office/drawing/2010/main" w="9525">
+                  <a14:hiddenLine xmlns:a14="http://schemas.microsoft.com/office/drawing/2010/main" xmlns="" w="9525">
                     <a:solidFill>
                       <a:srgbClr val="000000"/>
                     </a:solidFill>
@@ -12608,7 +12611,7 @@
               </a:ln>
               <a:extLst>
                 <a:ext uri="{91240B29-F687-4f45-9708-019B960494DF}">
-                  <a14:hiddenLine xmlns="" xmlns:a14="http://schemas.microsoft.com/office/drawing/2010/main" w="9525">
+                  <a14:hiddenLine xmlns:a14="http://schemas.microsoft.com/office/drawing/2010/main" xmlns="" w="9525">
                     <a:solidFill>
                       <a:srgbClr val="000000"/>
                     </a:solidFill>
@@ -12723,7 +12726,7 @@
               </a:ln>
               <a:extLst>
                 <a:ext uri="{91240B29-F687-4f45-9708-019B960494DF}">
-                  <a14:hiddenLine xmlns="" xmlns:a14="http://schemas.microsoft.com/office/drawing/2010/main" w="9525">
+                  <a14:hiddenLine xmlns:a14="http://schemas.microsoft.com/office/drawing/2010/main" xmlns="" w="9525">
                     <a:solidFill>
                       <a:srgbClr val="000000"/>
                     </a:solidFill>
@@ -12813,7 +12816,7 @@
               </a:ln>
               <a:extLst>
                 <a:ext uri="{91240B29-F687-4f45-9708-019B960494DF}">
-                  <a14:hiddenLine xmlns="" xmlns:a14="http://schemas.microsoft.com/office/drawing/2010/main" w="9525">
+                  <a14:hiddenLine xmlns:a14="http://schemas.microsoft.com/office/drawing/2010/main" xmlns="" w="9525">
                     <a:solidFill>
                       <a:srgbClr val="000000"/>
                     </a:solidFill>
@@ -12878,7 +12881,7 @@
               </a:ln>
               <a:extLst>
                 <a:ext uri="{91240B29-F687-4f45-9708-019B960494DF}">
-                  <a14:hiddenLine xmlns="" xmlns:a14="http://schemas.microsoft.com/office/drawing/2010/main" w="9525">
+                  <a14:hiddenLine xmlns:a14="http://schemas.microsoft.com/office/drawing/2010/main" xmlns="" w="9525">
                     <a:solidFill>
                       <a:srgbClr val="000000"/>
                     </a:solidFill>
@@ -12968,7 +12971,7 @@
               </a:ln>
               <a:extLst>
                 <a:ext uri="{91240B29-F687-4f45-9708-019B960494DF}">
-                  <a14:hiddenLine xmlns="" xmlns:a14="http://schemas.microsoft.com/office/drawing/2010/main" w="9525">
+                  <a14:hiddenLine xmlns:a14="http://schemas.microsoft.com/office/drawing/2010/main" xmlns="" w="9525">
                     <a:solidFill>
                       <a:srgbClr val="000000"/>
                     </a:solidFill>
@@ -13036,7 +13039,7 @@
               </a:ln>
               <a:extLst>
                 <a:ext uri="{91240B29-F687-4f45-9708-019B960494DF}">
-                  <a14:hiddenLine xmlns="" xmlns:a14="http://schemas.microsoft.com/office/drawing/2010/main" w="9525">
+                  <a14:hiddenLine xmlns:a14="http://schemas.microsoft.com/office/drawing/2010/main" xmlns="" w="9525">
                     <a:solidFill>
                       <a:srgbClr val="000000"/>
                     </a:solidFill>
@@ -13126,7 +13129,7 @@
               </a:ln>
               <a:extLst>
                 <a:ext uri="{91240B29-F687-4f45-9708-019B960494DF}">
-                  <a14:hiddenLine xmlns="" xmlns:a14="http://schemas.microsoft.com/office/drawing/2010/main" w="9525">
+                  <a14:hiddenLine xmlns:a14="http://schemas.microsoft.com/office/drawing/2010/main" xmlns="" w="9525">
                     <a:solidFill>
                       <a:srgbClr val="000000"/>
                     </a:solidFill>
@@ -13194,7 +13197,7 @@
               </a:ln>
               <a:extLst>
                 <a:ext uri="{91240B29-F687-4f45-9708-019B960494DF}">
-                  <a14:hiddenLine xmlns="" xmlns:a14="http://schemas.microsoft.com/office/drawing/2010/main" w="9525">
+                  <a14:hiddenLine xmlns:a14="http://schemas.microsoft.com/office/drawing/2010/main" xmlns="" w="9525">
                     <a:solidFill>
                       <a:srgbClr val="000000"/>
                     </a:solidFill>
@@ -13284,7 +13287,7 @@
               </a:ln>
               <a:extLst>
                 <a:ext uri="{91240B29-F687-4f45-9708-019B960494DF}">
-                  <a14:hiddenLine xmlns="" xmlns:a14="http://schemas.microsoft.com/office/drawing/2010/main" w="9525">
+                  <a14:hiddenLine xmlns:a14="http://schemas.microsoft.com/office/drawing/2010/main" xmlns="" w="9525">
                     <a:solidFill>
                       <a:srgbClr val="000000"/>
                     </a:solidFill>
@@ -13318,7 +13321,7 @@
               </a:ln>
               <a:extLst>
                 <a:ext uri="{91240B29-F687-4f45-9708-019B960494DF}">
-                  <a14:hiddenLine xmlns="" xmlns:a14="http://schemas.microsoft.com/office/drawing/2010/main" w="9525">
+                  <a14:hiddenLine xmlns:a14="http://schemas.microsoft.com/office/drawing/2010/main" xmlns="" w="9525">
                     <a:solidFill>
                       <a:srgbClr val="000000"/>
                     </a:solidFill>
@@ -13458,7 +13461,7 @@
           <a:p>
             <a:fld id="{990DDFCC-B47F-4614-BB29-CDBA498A9527}" type="datetime8">
               <a:rPr lang="he-IL" smtClean="0"/>
-              <a:t>09 ינואר 23</a:t>
+              <a:t>13 ינואר 23</a:t>
             </a:fld>
             <a:endParaRPr lang="he-IL" dirty="0"/>
           </a:p>
@@ -14430,15 +14433,6 @@
               <a:srgbClr val="C0C0C0"/>
             </a:contourClr>
           </a:sp3d>
-          <a:extLst>
-            <a:ext uri="{909E8E84-426E-40DD-AFC4-6F175D3DCCD1}">
-              <a14:hiddenFill xmlns:a14="http://schemas.microsoft.com/office/drawing/2010/main">
-                <a:solidFill>
-                  <a:srgbClr val="FFFFFF"/>
-                </a:solidFill>
-              </a14:hiddenFill>
-            </a:ext>
-          </a:extLst>
         </p:spPr>
       </p:pic>
       <p:pic>
@@ -15970,13 +15964,13 @@
   <p:clrMapOvr>
     <a:masterClrMapping/>
   </p:clrMapOvr>
-  <mc:AlternateContent xmlns:mc="http://schemas.openxmlformats.org/markup-compatibility/2006">
-    <mc:Choice xmlns:p14="http://schemas.microsoft.com/office/powerpoint/2010/main" Requires="p14">
+  <mc:AlternateContent xmlns:mc="http://schemas.openxmlformats.org/markup-compatibility/2006" xmlns:p14="http://schemas.microsoft.com/office/powerpoint/2010/main">
+    <mc:Choice Requires="p14">
       <p:transition spd="med" p14:dur="700">
         <p:fade/>
       </p:transition>
     </mc:Choice>
-    <mc:Fallback>
+    <mc:Fallback xmlns="">
       <p:transition spd="med">
         <p:fade/>
       </p:transition>
@@ -16081,8 +16075,35 @@
             </a:pPr>
             <a:r>
               <a:rPr lang="he-IL" dirty="0"/>
-              <a:t>תמונות</a:t>
+              <a:t>משתמש – פתיחת קבוצה תבור</a:t>
             </a:r>
+          </a:p>
+          <a:p>
+            <a:pPr marL="0" indent="0" algn="ctr">
+              <a:lnSpc>
+                <a:spcPct val="110000"/>
+              </a:lnSpc>
+              <a:buNone/>
+            </a:pPr>
+            <a:endParaRPr lang="he-IL" dirty="0"/>
+          </a:p>
+          <a:p>
+            <a:pPr marL="0" indent="0" algn="ctr">
+              <a:lnSpc>
+                <a:spcPct val="110000"/>
+              </a:lnSpc>
+              <a:buNone/>
+            </a:pPr>
+            <a:endParaRPr lang="he-IL" dirty="0"/>
+          </a:p>
+          <a:p>
+            <a:pPr marL="0" indent="0" algn="ctr">
+              <a:lnSpc>
+                <a:spcPct val="110000"/>
+              </a:lnSpc>
+              <a:buNone/>
+            </a:pPr>
+            <a:endParaRPr lang="he-IL" dirty="0"/>
           </a:p>
         </p:txBody>
       </p:sp>
@@ -16181,7 +16202,597 @@
         </p:nvSpPr>
         <p:spPr>
           <a:xfrm>
-            <a:off x="1142703" y="2420888"/>
+            <a:off x="1053852" y="606852"/>
+            <a:ext cx="9903418" cy="1144737"/>
+          </a:xfrm>
+        </p:spPr>
+        <p:txBody>
+          <a:bodyPr/>
+          <a:lstStyle/>
+          <a:p>
+            <a:pPr algn="ctr"/>
+            <a:r>
+              <a:rPr lang="he-IL" b="1" dirty="0">
+                <a:latin typeface="Arial Rounded MT Bold" panose="020F0704030504030204" pitchFamily="34" charset="0"/>
+                <a:ea typeface="Tahoma" panose="020B0604030504040204" pitchFamily="34" charset="0"/>
+                <a:cs typeface="Tahoma" panose="020B0604030504040204" pitchFamily="34" charset="0"/>
+              </a:rPr>
+              <a:t>תיאור המערכת</a:t>
+            </a:r>
+            <a:endParaRPr lang="he-IL" b="1" dirty="0">
+              <a:latin typeface="Tahoma" panose="020B0604030504040204" pitchFamily="34" charset="0"/>
+              <a:ea typeface="Tahoma" panose="020B0604030504040204" pitchFamily="34" charset="0"/>
+              <a:cs typeface="Tahoma" panose="020B0604030504040204" pitchFamily="34" charset="0"/>
+            </a:endParaRPr>
+          </a:p>
+        </p:txBody>
+      </p:sp>
+      <p:sp>
+        <p:nvSpPr>
+          <p:cNvPr id="3" name="מציין מיקום תוכן 2">
+            <a:extLst>
+              <a:ext uri="{FF2B5EF4-FFF2-40B4-BE49-F238E27FC236}">
+                <a16:creationId xmlns:a16="http://schemas.microsoft.com/office/drawing/2014/main" id="{7C6467A5-8000-F6F7-F33E-6584AD0A14E4}"/>
+              </a:ext>
+            </a:extLst>
+          </p:cNvPr>
+          <p:cNvSpPr>
+            <a:spLocks noGrp="1"/>
+          </p:cNvSpPr>
+          <p:nvPr>
+            <p:ph idx="1"/>
+          </p:nvPr>
+        </p:nvSpPr>
+        <p:spPr>
+          <a:xfrm>
+            <a:off x="451697" y="1751589"/>
+            <a:ext cx="10854778" cy="4837379"/>
+          </a:xfrm>
+        </p:spPr>
+        <p:txBody>
+          <a:bodyPr>
+            <a:normAutofit/>
+          </a:bodyPr>
+          <a:lstStyle/>
+          <a:p>
+            <a:pPr marL="0" indent="0" algn="ctr">
+              <a:lnSpc>
+                <a:spcPct val="110000"/>
+              </a:lnSpc>
+              <a:buNone/>
+            </a:pPr>
+            <a:r>
+              <a:rPr lang="he-IL" dirty="0"/>
+              <a:t>משתמש-הצטרפות רז</a:t>
+            </a:r>
+          </a:p>
+          <a:p>
+            <a:pPr marL="0" indent="0" algn="ctr">
+              <a:lnSpc>
+                <a:spcPct val="110000"/>
+              </a:lnSpc>
+              <a:buNone/>
+            </a:pPr>
+            <a:endParaRPr lang="he-IL" dirty="0"/>
+          </a:p>
+          <a:p>
+            <a:pPr marL="0" indent="0" algn="ctr">
+              <a:lnSpc>
+                <a:spcPct val="110000"/>
+              </a:lnSpc>
+              <a:buNone/>
+            </a:pPr>
+            <a:endParaRPr lang="he-IL" dirty="0"/>
+          </a:p>
+          <a:p>
+            <a:pPr marL="0" indent="0" algn="ctr">
+              <a:lnSpc>
+                <a:spcPct val="110000"/>
+              </a:lnSpc>
+              <a:buNone/>
+            </a:pPr>
+            <a:endParaRPr lang="he-IL" dirty="0"/>
+          </a:p>
+        </p:txBody>
+      </p:sp>
+      <p:sp>
+        <p:nvSpPr>
+          <p:cNvPr id="4" name="תיבת טקסט 3">
+            <a:extLst>
+              <a:ext uri="{FF2B5EF4-FFF2-40B4-BE49-F238E27FC236}">
+                <a16:creationId xmlns:a16="http://schemas.microsoft.com/office/drawing/2014/main" id="{960FC4E4-700B-4935-E19C-0FB7963D7A35}"/>
+              </a:ext>
+            </a:extLst>
+          </p:cNvPr>
+          <p:cNvSpPr txBox="1"/>
+          <p:nvPr/>
+        </p:nvSpPr>
+        <p:spPr>
+          <a:xfrm>
+            <a:off x="11193839" y="269032"/>
+            <a:ext cx="517198" cy="253916"/>
+          </a:xfrm>
+          <a:prstGeom prst="rect">
+            <a:avLst/>
+          </a:prstGeom>
+          <a:noFill/>
+        </p:spPr>
+        <p:txBody>
+          <a:bodyPr wrap="square" rtlCol="1">
+            <a:spAutoFit/>
+          </a:bodyPr>
+          <a:lstStyle/>
+          <a:p>
+            <a:r>
+              <a:rPr lang="he-IL" sz="1050" dirty="0"/>
+              <a:t>בס"ד</a:t>
+            </a:r>
+          </a:p>
+        </p:txBody>
+      </p:sp>
+    </p:spTree>
+    <p:extLst>
+      <p:ext uri="{BB962C8B-B14F-4D97-AF65-F5344CB8AC3E}">
+        <p14:creationId xmlns:p14="http://schemas.microsoft.com/office/powerpoint/2010/main" val="3452039394"/>
+      </p:ext>
+    </p:extLst>
+  </p:cSld>
+  <p:clrMapOvr>
+    <a:masterClrMapping/>
+  </p:clrMapOvr>
+  <mc:AlternateContent xmlns:mc="http://schemas.openxmlformats.org/markup-compatibility/2006">
+    <mc:Choice xmlns:p14="http://schemas.microsoft.com/office/powerpoint/2010/main" Requires="p14">
+      <p:transition spd="med" p14:dur="700">
+        <p:fade/>
+      </p:transition>
+    </mc:Choice>
+    <mc:Fallback>
+      <p:transition spd="med">
+        <p:fade/>
+      </p:transition>
+    </mc:Fallback>
+  </mc:AlternateContent>
+</p:sld>
+</file>
+
+<file path=ppt/slides/slide13.xml><?xml version="1.0" encoding="utf-8"?>
+<p:sld xmlns:a="http://schemas.openxmlformats.org/drawingml/2006/main" xmlns:r="http://schemas.openxmlformats.org/officeDocument/2006/relationships" xmlns:p="http://schemas.openxmlformats.org/presentationml/2006/main">
+  <p:cSld>
+    <p:spTree>
+      <p:nvGrpSpPr>
+        <p:cNvPr id="1" name=""/>
+        <p:cNvGrpSpPr/>
+        <p:nvPr/>
+      </p:nvGrpSpPr>
+      <p:grpSpPr>
+        <a:xfrm>
+          <a:off x="0" y="0"/>
+          <a:ext cx="0" cy="0"/>
+          <a:chOff x="0" y="0"/>
+          <a:chExt cx="0" cy="0"/>
+        </a:xfrm>
+      </p:grpSpPr>
+      <p:sp>
+        <p:nvSpPr>
+          <p:cNvPr id="2" name="כותרת 1">
+            <a:extLst>
+              <a:ext uri="{FF2B5EF4-FFF2-40B4-BE49-F238E27FC236}">
+                <a16:creationId xmlns:a16="http://schemas.microsoft.com/office/drawing/2014/main" id="{462D341B-CEF2-8339-455E-7EE653E5B0ED}"/>
+              </a:ext>
+            </a:extLst>
+          </p:cNvPr>
+          <p:cNvSpPr>
+            <a:spLocks noGrp="1"/>
+          </p:cNvSpPr>
+          <p:nvPr>
+            <p:ph type="title"/>
+          </p:nvPr>
+        </p:nvSpPr>
+        <p:spPr>
+          <a:xfrm>
+            <a:off x="1053852" y="606852"/>
+            <a:ext cx="9903418" cy="1144737"/>
+          </a:xfrm>
+        </p:spPr>
+        <p:txBody>
+          <a:bodyPr/>
+          <a:lstStyle/>
+          <a:p>
+            <a:pPr algn="ctr"/>
+            <a:r>
+              <a:rPr lang="he-IL" b="1" dirty="0">
+                <a:latin typeface="Arial Rounded MT Bold" panose="020F0704030504030204" pitchFamily="34" charset="0"/>
+                <a:ea typeface="Tahoma" panose="020B0604030504040204" pitchFamily="34" charset="0"/>
+                <a:cs typeface="Tahoma" panose="020B0604030504040204" pitchFamily="34" charset="0"/>
+              </a:rPr>
+              <a:t>תיאור המערכת</a:t>
+            </a:r>
+            <a:endParaRPr lang="he-IL" b="1" dirty="0">
+              <a:latin typeface="Tahoma" panose="020B0604030504040204" pitchFamily="34" charset="0"/>
+              <a:ea typeface="Tahoma" panose="020B0604030504040204" pitchFamily="34" charset="0"/>
+              <a:cs typeface="Tahoma" panose="020B0604030504040204" pitchFamily="34" charset="0"/>
+            </a:endParaRPr>
+          </a:p>
+        </p:txBody>
+      </p:sp>
+      <p:sp>
+        <p:nvSpPr>
+          <p:cNvPr id="3" name="מציין מיקום תוכן 2">
+            <a:extLst>
+              <a:ext uri="{FF2B5EF4-FFF2-40B4-BE49-F238E27FC236}">
+                <a16:creationId xmlns:a16="http://schemas.microsoft.com/office/drawing/2014/main" id="{7C6467A5-8000-F6F7-F33E-6584AD0A14E4}"/>
+              </a:ext>
+            </a:extLst>
+          </p:cNvPr>
+          <p:cNvSpPr>
+            <a:spLocks noGrp="1"/>
+          </p:cNvSpPr>
+          <p:nvPr>
+            <p:ph idx="1"/>
+          </p:nvPr>
+        </p:nvSpPr>
+        <p:spPr>
+          <a:xfrm>
+            <a:off x="451697" y="1751589"/>
+            <a:ext cx="10854778" cy="4837379"/>
+          </a:xfrm>
+        </p:spPr>
+        <p:txBody>
+          <a:bodyPr>
+            <a:normAutofit/>
+          </a:bodyPr>
+          <a:lstStyle/>
+          <a:p>
+            <a:pPr marL="0" indent="0" algn="ctr">
+              <a:lnSpc>
+                <a:spcPct val="110000"/>
+              </a:lnSpc>
+              <a:buNone/>
+            </a:pPr>
+            <a:r>
+              <a:rPr lang="he-IL" dirty="0"/>
+              <a:t>מנהל-</a:t>
+            </a:r>
+            <a:r>
+              <a:rPr lang="he-IL" dirty="0" err="1"/>
+              <a:t>סטטיסטקות</a:t>
+            </a:r>
+            <a:r>
+              <a:rPr lang="he-IL" dirty="0"/>
+              <a:t> שחר</a:t>
+            </a:r>
+          </a:p>
+          <a:p>
+            <a:pPr marL="0" indent="0" algn="ctr">
+              <a:lnSpc>
+                <a:spcPct val="110000"/>
+              </a:lnSpc>
+              <a:buNone/>
+            </a:pPr>
+            <a:endParaRPr lang="he-IL" dirty="0"/>
+          </a:p>
+          <a:p>
+            <a:pPr marL="0" indent="0" algn="ctr">
+              <a:lnSpc>
+                <a:spcPct val="110000"/>
+              </a:lnSpc>
+              <a:buNone/>
+            </a:pPr>
+            <a:endParaRPr lang="he-IL" dirty="0"/>
+          </a:p>
+          <a:p>
+            <a:pPr marL="0" indent="0" algn="ctr">
+              <a:lnSpc>
+                <a:spcPct val="110000"/>
+              </a:lnSpc>
+              <a:buNone/>
+            </a:pPr>
+            <a:endParaRPr lang="he-IL" dirty="0"/>
+          </a:p>
+          <a:p>
+            <a:pPr marL="0" indent="0" algn="ctr">
+              <a:lnSpc>
+                <a:spcPct val="110000"/>
+              </a:lnSpc>
+              <a:buNone/>
+            </a:pPr>
+            <a:endParaRPr lang="he-IL" dirty="0"/>
+          </a:p>
+        </p:txBody>
+      </p:sp>
+      <p:sp>
+        <p:nvSpPr>
+          <p:cNvPr id="4" name="תיבת טקסט 3">
+            <a:extLst>
+              <a:ext uri="{FF2B5EF4-FFF2-40B4-BE49-F238E27FC236}">
+                <a16:creationId xmlns:a16="http://schemas.microsoft.com/office/drawing/2014/main" id="{960FC4E4-700B-4935-E19C-0FB7963D7A35}"/>
+              </a:ext>
+            </a:extLst>
+          </p:cNvPr>
+          <p:cNvSpPr txBox="1"/>
+          <p:nvPr/>
+        </p:nvSpPr>
+        <p:spPr>
+          <a:xfrm>
+            <a:off x="11193839" y="269032"/>
+            <a:ext cx="517198" cy="253916"/>
+          </a:xfrm>
+          <a:prstGeom prst="rect">
+            <a:avLst/>
+          </a:prstGeom>
+          <a:noFill/>
+        </p:spPr>
+        <p:txBody>
+          <a:bodyPr wrap="square" rtlCol="1">
+            <a:spAutoFit/>
+          </a:bodyPr>
+          <a:lstStyle/>
+          <a:p>
+            <a:r>
+              <a:rPr lang="he-IL" sz="1050" dirty="0"/>
+              <a:t>בס"ד</a:t>
+            </a:r>
+          </a:p>
+        </p:txBody>
+      </p:sp>
+    </p:spTree>
+    <p:extLst>
+      <p:ext uri="{BB962C8B-B14F-4D97-AF65-F5344CB8AC3E}">
+        <p14:creationId xmlns:p14="http://schemas.microsoft.com/office/powerpoint/2010/main" val="3629405774"/>
+      </p:ext>
+    </p:extLst>
+  </p:cSld>
+  <p:clrMapOvr>
+    <a:masterClrMapping/>
+  </p:clrMapOvr>
+  <mc:AlternateContent xmlns:mc="http://schemas.openxmlformats.org/markup-compatibility/2006">
+    <mc:Choice xmlns:p14="http://schemas.microsoft.com/office/powerpoint/2010/main" Requires="p14">
+      <p:transition spd="med" p14:dur="700">
+        <p:fade/>
+      </p:transition>
+    </mc:Choice>
+    <mc:Fallback>
+      <p:transition spd="med">
+        <p:fade/>
+      </p:transition>
+    </mc:Fallback>
+  </mc:AlternateContent>
+</p:sld>
+</file>
+
+<file path=ppt/slides/slide14.xml><?xml version="1.0" encoding="utf-8"?>
+<p:sld xmlns:a="http://schemas.openxmlformats.org/drawingml/2006/main" xmlns:r="http://schemas.openxmlformats.org/officeDocument/2006/relationships" xmlns:p="http://schemas.openxmlformats.org/presentationml/2006/main">
+  <p:cSld>
+    <p:spTree>
+      <p:nvGrpSpPr>
+        <p:cNvPr id="1" name=""/>
+        <p:cNvGrpSpPr/>
+        <p:nvPr/>
+      </p:nvGrpSpPr>
+      <p:grpSpPr>
+        <a:xfrm>
+          <a:off x="0" y="0"/>
+          <a:ext cx="0" cy="0"/>
+          <a:chOff x="0" y="0"/>
+          <a:chExt cx="0" cy="0"/>
+        </a:xfrm>
+      </p:grpSpPr>
+      <p:sp>
+        <p:nvSpPr>
+          <p:cNvPr id="2" name="כותרת 1">
+            <a:extLst>
+              <a:ext uri="{FF2B5EF4-FFF2-40B4-BE49-F238E27FC236}">
+                <a16:creationId xmlns:a16="http://schemas.microsoft.com/office/drawing/2014/main" id="{462D341B-CEF2-8339-455E-7EE653E5B0ED}"/>
+              </a:ext>
+            </a:extLst>
+          </p:cNvPr>
+          <p:cNvSpPr>
+            <a:spLocks noGrp="1"/>
+          </p:cNvSpPr>
+          <p:nvPr>
+            <p:ph type="title"/>
+          </p:nvPr>
+        </p:nvSpPr>
+        <p:spPr>
+          <a:xfrm>
+            <a:off x="1053852" y="606852"/>
+            <a:ext cx="9903418" cy="1144737"/>
+          </a:xfrm>
+        </p:spPr>
+        <p:txBody>
+          <a:bodyPr/>
+          <a:lstStyle/>
+          <a:p>
+            <a:pPr algn="ctr"/>
+            <a:r>
+              <a:rPr lang="he-IL" b="1" dirty="0">
+                <a:latin typeface="Arial Rounded MT Bold" panose="020F0704030504030204" pitchFamily="34" charset="0"/>
+                <a:ea typeface="Tahoma" panose="020B0604030504040204" pitchFamily="34" charset="0"/>
+                <a:cs typeface="Tahoma" panose="020B0604030504040204" pitchFamily="34" charset="0"/>
+              </a:rPr>
+              <a:t>תיאור המערכת</a:t>
+            </a:r>
+            <a:endParaRPr lang="he-IL" b="1" dirty="0">
+              <a:latin typeface="Tahoma" panose="020B0604030504040204" pitchFamily="34" charset="0"/>
+              <a:ea typeface="Tahoma" panose="020B0604030504040204" pitchFamily="34" charset="0"/>
+              <a:cs typeface="Tahoma" panose="020B0604030504040204" pitchFamily="34" charset="0"/>
+            </a:endParaRPr>
+          </a:p>
+        </p:txBody>
+      </p:sp>
+      <p:sp>
+        <p:nvSpPr>
+          <p:cNvPr id="3" name="מציין מיקום תוכן 2">
+            <a:extLst>
+              <a:ext uri="{FF2B5EF4-FFF2-40B4-BE49-F238E27FC236}">
+                <a16:creationId xmlns:a16="http://schemas.microsoft.com/office/drawing/2014/main" id="{7C6467A5-8000-F6F7-F33E-6584AD0A14E4}"/>
+              </a:ext>
+            </a:extLst>
+          </p:cNvPr>
+          <p:cNvSpPr>
+            <a:spLocks noGrp="1"/>
+          </p:cNvSpPr>
+          <p:nvPr>
+            <p:ph idx="1"/>
+          </p:nvPr>
+        </p:nvSpPr>
+        <p:spPr>
+          <a:xfrm>
+            <a:off x="451697" y="1751589"/>
+            <a:ext cx="10854778" cy="4837379"/>
+          </a:xfrm>
+        </p:spPr>
+        <p:txBody>
+          <a:bodyPr>
+            <a:normAutofit/>
+          </a:bodyPr>
+          <a:lstStyle/>
+          <a:p>
+            <a:pPr marL="0" indent="0" algn="ctr">
+              <a:lnSpc>
+                <a:spcPct val="110000"/>
+              </a:lnSpc>
+              <a:buNone/>
+            </a:pPr>
+            <a:r>
+              <a:rPr lang="he-IL" dirty="0"/>
+              <a:t>מנהל-מחיקת משתמש חן </a:t>
+            </a:r>
+          </a:p>
+          <a:p>
+            <a:pPr marL="0" indent="0" algn="ctr">
+              <a:lnSpc>
+                <a:spcPct val="110000"/>
+              </a:lnSpc>
+              <a:buNone/>
+            </a:pPr>
+            <a:endParaRPr lang="he-IL" dirty="0"/>
+          </a:p>
+          <a:p>
+            <a:pPr marL="0" indent="0" algn="ctr">
+              <a:lnSpc>
+                <a:spcPct val="110000"/>
+              </a:lnSpc>
+              <a:buNone/>
+            </a:pPr>
+            <a:endParaRPr lang="he-IL" dirty="0"/>
+          </a:p>
+          <a:p>
+            <a:pPr marL="0" indent="0" algn="ctr">
+              <a:lnSpc>
+                <a:spcPct val="110000"/>
+              </a:lnSpc>
+              <a:buNone/>
+            </a:pPr>
+            <a:endParaRPr lang="he-IL" dirty="0"/>
+          </a:p>
+          <a:p>
+            <a:pPr marL="0" indent="0" algn="ctr">
+              <a:lnSpc>
+                <a:spcPct val="110000"/>
+              </a:lnSpc>
+              <a:buNone/>
+            </a:pPr>
+            <a:endParaRPr lang="he-IL" dirty="0"/>
+          </a:p>
+        </p:txBody>
+      </p:sp>
+      <p:sp>
+        <p:nvSpPr>
+          <p:cNvPr id="4" name="תיבת טקסט 3">
+            <a:extLst>
+              <a:ext uri="{FF2B5EF4-FFF2-40B4-BE49-F238E27FC236}">
+                <a16:creationId xmlns:a16="http://schemas.microsoft.com/office/drawing/2014/main" id="{960FC4E4-700B-4935-E19C-0FB7963D7A35}"/>
+              </a:ext>
+            </a:extLst>
+          </p:cNvPr>
+          <p:cNvSpPr txBox="1"/>
+          <p:nvPr/>
+        </p:nvSpPr>
+        <p:spPr>
+          <a:xfrm>
+            <a:off x="11193839" y="269032"/>
+            <a:ext cx="517198" cy="253916"/>
+          </a:xfrm>
+          <a:prstGeom prst="rect">
+            <a:avLst/>
+          </a:prstGeom>
+          <a:noFill/>
+        </p:spPr>
+        <p:txBody>
+          <a:bodyPr wrap="square" rtlCol="1">
+            <a:spAutoFit/>
+          </a:bodyPr>
+          <a:lstStyle/>
+          <a:p>
+            <a:r>
+              <a:rPr lang="he-IL" sz="1050" dirty="0"/>
+              <a:t>בס"ד</a:t>
+            </a:r>
+          </a:p>
+        </p:txBody>
+      </p:sp>
+    </p:spTree>
+    <p:extLst>
+      <p:ext uri="{BB962C8B-B14F-4D97-AF65-F5344CB8AC3E}">
+        <p14:creationId xmlns:p14="http://schemas.microsoft.com/office/powerpoint/2010/main" val="797013780"/>
+      </p:ext>
+    </p:extLst>
+  </p:cSld>
+  <p:clrMapOvr>
+    <a:masterClrMapping/>
+  </p:clrMapOvr>
+  <mc:AlternateContent xmlns:mc="http://schemas.openxmlformats.org/markup-compatibility/2006">
+    <mc:Choice xmlns:p14="http://schemas.microsoft.com/office/powerpoint/2010/main" Requires="p14">
+      <p:transition spd="med" p14:dur="700">
+        <p:fade/>
+      </p:transition>
+    </mc:Choice>
+    <mc:Fallback>
+      <p:transition spd="med">
+        <p:fade/>
+      </p:transition>
+    </mc:Fallback>
+  </mc:AlternateContent>
+</p:sld>
+</file>
+
+<file path=ppt/slides/slide15.xml><?xml version="1.0" encoding="utf-8"?>
+<p:sld xmlns:a="http://schemas.openxmlformats.org/drawingml/2006/main" xmlns:r="http://schemas.openxmlformats.org/officeDocument/2006/relationships" xmlns:p="http://schemas.openxmlformats.org/presentationml/2006/main">
+  <p:cSld>
+    <p:spTree>
+      <p:nvGrpSpPr>
+        <p:cNvPr id="1" name=""/>
+        <p:cNvGrpSpPr/>
+        <p:nvPr/>
+      </p:nvGrpSpPr>
+      <p:grpSpPr>
+        <a:xfrm>
+          <a:off x="0" y="0"/>
+          <a:ext cx="0" cy="0"/>
+          <a:chOff x="0" y="0"/>
+          <a:chExt cx="0" cy="0"/>
+        </a:xfrm>
+      </p:grpSpPr>
+      <p:sp>
+        <p:nvSpPr>
+          <p:cNvPr id="2" name="כותרת 1">
+            <a:extLst>
+              <a:ext uri="{FF2B5EF4-FFF2-40B4-BE49-F238E27FC236}">
+                <a16:creationId xmlns:a16="http://schemas.microsoft.com/office/drawing/2014/main" id="{462D341B-CEF2-8339-455E-7EE653E5B0ED}"/>
+              </a:ext>
+            </a:extLst>
+          </p:cNvPr>
+          <p:cNvSpPr>
+            <a:spLocks noGrp="1"/>
+          </p:cNvSpPr>
+          <p:nvPr>
+            <p:ph type="title"/>
+          </p:nvPr>
+        </p:nvSpPr>
+        <p:spPr>
+          <a:xfrm>
+            <a:off x="1142703" y="908720"/>
             <a:ext cx="9903418" cy="1144737"/>
           </a:xfrm>
         </p:spPr>
@@ -16269,7 +16880,7 @@
         </p:blipFill>
         <p:spPr>
           <a:xfrm>
-            <a:off x="5191968" y="4293096"/>
+            <a:off x="5191968" y="2053457"/>
             <a:ext cx="1804888" cy="1804888"/>
           </a:xfrm>
           <a:prstGeom prst="rect">
@@ -16277,6 +16888,84 @@
           </a:prstGeom>
         </p:spPr>
       </p:pic>
+      <p:sp>
+        <p:nvSpPr>
+          <p:cNvPr id="3" name="תיבת טקסט 2">
+            <a:extLst>
+              <a:ext uri="{FF2B5EF4-FFF2-40B4-BE49-F238E27FC236}">
+                <a16:creationId xmlns:a16="http://schemas.microsoft.com/office/drawing/2014/main" id="{04E43276-FB8E-86F3-3B07-CC31CD2FBC9D}"/>
+              </a:ext>
+            </a:extLst>
+          </p:cNvPr>
+          <p:cNvSpPr txBox="1"/>
+          <p:nvPr/>
+        </p:nvSpPr>
+        <p:spPr>
+          <a:xfrm>
+            <a:off x="3934172" y="4437112"/>
+            <a:ext cx="4896544" cy="2031325"/>
+          </a:xfrm>
+          <a:prstGeom prst="rect">
+            <a:avLst/>
+          </a:prstGeom>
+          <a:noFill/>
+        </p:spPr>
+        <p:txBody>
+          <a:bodyPr wrap="square" rtlCol="1">
+            <a:spAutoFit/>
+          </a:bodyPr>
+          <a:lstStyle/>
+          <a:p>
+            <a:r>
+              <a:rPr lang="en-US" dirty="0"/>
+              <a:t>Project:</a:t>
+            </a:r>
+          </a:p>
+          <a:p>
+            <a:r>
+              <a:rPr lang="en-US" dirty="0">
+                <a:hlinkClick r:id="rId3">
+                  <a:extLst>
+                    <a:ext uri="{A12FA001-AC4F-418D-AE19-62706E023703}">
+                      <ahyp:hlinkClr xmlns:ahyp="http://schemas.microsoft.com/office/drawing/2018/hyperlinkcolor" val="tx"/>
+                    </a:ext>
+                  </a:extLst>
+                </a:hlinkClick>
+              </a:rPr>
+              <a:t>https://github.com/ShaharMachluf/Join-me-2</a:t>
+            </a:r>
+            <a:endParaRPr lang="en-US" dirty="0"/>
+          </a:p>
+          <a:p>
+            <a:endParaRPr lang="en-US" dirty="0"/>
+          </a:p>
+          <a:p>
+            <a:r>
+              <a:rPr lang="en-US" dirty="0"/>
+              <a:t>Server: </a:t>
+            </a:r>
+            <a:r>
+              <a:rPr lang="en-US" dirty="0">
+                <a:hlinkClick r:id="rId4">
+                  <a:extLst>
+                    <a:ext uri="{A12FA001-AC4F-418D-AE19-62706E023703}">
+                      <ahyp:hlinkClr xmlns:ahyp="http://schemas.microsoft.com/office/drawing/2018/hyperlinkcolor" val="tx"/>
+                    </a:ext>
+                  </a:extLst>
+                </a:hlinkClick>
+              </a:rPr>
+              <a:t>https://github.com/chenshtynmetz/JoinMeServer</a:t>
+            </a:r>
+            <a:endParaRPr lang="en-US" dirty="0"/>
+          </a:p>
+          <a:p>
+            <a:endParaRPr lang="en-US" dirty="0"/>
+          </a:p>
+          <a:p>
+            <a:endParaRPr lang="he-IL" dirty="0"/>
+          </a:p>
+        </p:txBody>
+      </p:sp>
     </p:spTree>
     <p:extLst>
       <p:ext uri="{BB962C8B-B14F-4D97-AF65-F5344CB8AC3E}">
@@ -16287,13 +16976,13 @@
   <p:clrMapOvr>
     <a:masterClrMapping/>
   </p:clrMapOvr>
-  <mc:AlternateContent xmlns:mc="http://schemas.openxmlformats.org/markup-compatibility/2006">
-    <mc:Choice xmlns:p14="http://schemas.microsoft.com/office/powerpoint/2010/main" Requires="p14">
+  <mc:AlternateContent xmlns:mc="http://schemas.openxmlformats.org/markup-compatibility/2006" xmlns:p14="http://schemas.microsoft.com/office/powerpoint/2010/main">
+    <mc:Choice Requires="p14">
       <p:transition spd="med" p14:dur="700">
         <p:fade/>
       </p:transition>
     </mc:Choice>
-    <mc:Fallback>
+    <mc:Fallback xmlns="">
       <p:transition spd="med">
         <p:fade/>
       </p:transition>
@@ -16341,12 +17030,20 @@
           <a:p>
             <a:pPr algn="ctr" rtl="1"/>
             <a:r>
+              <a:rPr lang="en-US" b="1" dirty="0" err="1">
+                <a:latin typeface="Arial Rounded MT Bold" panose="020F0704030504030204" pitchFamily="34" charset="0"/>
+                <a:ea typeface="Tahoma" panose="020B0604030504040204" pitchFamily="34" charset="0"/>
+                <a:cs typeface="Tahoma" panose="020B0604030504040204" pitchFamily="34" charset="0"/>
+              </a:rPr>
+              <a:t>JoiN</a:t>
+            </a:r>
+            <a:r>
               <a:rPr lang="en-US" b="1" dirty="0">
                 <a:latin typeface="Arial Rounded MT Bold" panose="020F0704030504030204" pitchFamily="34" charset="0"/>
                 <a:ea typeface="Tahoma" panose="020B0604030504040204" pitchFamily="34" charset="0"/>
                 <a:cs typeface="Tahoma" panose="020B0604030504040204" pitchFamily="34" charset="0"/>
               </a:rPr>
-              <a:t>JION ME</a:t>
+              <a:t> ME</a:t>
             </a:r>
             <a:endParaRPr lang="he-IL" b="1" dirty="0">
               <a:latin typeface="Arial Rounded MT Bold" panose="020F0704030504030204" pitchFamily="34" charset="0"/>
@@ -16613,12 +17310,20 @@
           <a:p>
             <a:pPr algn="ctr" rtl="1"/>
             <a:r>
+              <a:rPr lang="en-US" b="1" dirty="0" err="1">
+                <a:latin typeface="Arial Rounded MT Bold" panose="020F0704030504030204" pitchFamily="34" charset="0"/>
+                <a:ea typeface="Tahoma" panose="020B0604030504040204" pitchFamily="34" charset="0"/>
+                <a:cs typeface="Tahoma" panose="020B0604030504040204" pitchFamily="34" charset="0"/>
+              </a:rPr>
+              <a:t>JoiN</a:t>
+            </a:r>
+            <a:r>
               <a:rPr lang="en-US" b="1" dirty="0">
                 <a:latin typeface="Arial Rounded MT Bold" panose="020F0704030504030204" pitchFamily="34" charset="0"/>
                 <a:ea typeface="Tahoma" panose="020B0604030504040204" pitchFamily="34" charset="0"/>
                 <a:cs typeface="Tahoma" panose="020B0604030504040204" pitchFamily="34" charset="0"/>
               </a:rPr>
-              <a:t>JION ME</a:t>
+              <a:t> ME</a:t>
             </a:r>
             <a:endParaRPr lang="he-IL" b="1" dirty="0">
               <a:latin typeface="Arial Rounded MT Bold" panose="020F0704030504030204" pitchFamily="34" charset="0"/>
@@ -16775,13 +17480,13 @@
   <p:clrMapOvr>
     <a:masterClrMapping/>
   </p:clrMapOvr>
-  <mc:AlternateContent xmlns:mc="http://schemas.openxmlformats.org/markup-compatibility/2006">
-    <mc:Choice xmlns:p14="http://schemas.microsoft.com/office/powerpoint/2010/main" Requires="p14">
+  <mc:AlternateContent xmlns:mc="http://schemas.openxmlformats.org/markup-compatibility/2006" xmlns:p14="http://schemas.microsoft.com/office/powerpoint/2010/main">
+    <mc:Choice Requires="p14">
       <p:transition spd="med" p14:dur="700">
         <p:fade/>
       </p:transition>
     </mc:Choice>
-    <mc:Fallback>
+    <mc:Fallback xmlns="">
       <p:transition spd="med">
         <p:fade/>
       </p:transition>
@@ -17206,13 +17911,13 @@
   <p:clrMapOvr>
     <a:masterClrMapping/>
   </p:clrMapOvr>
-  <mc:AlternateContent xmlns:mc="http://schemas.openxmlformats.org/markup-compatibility/2006">
-    <mc:Choice xmlns:p14="http://schemas.microsoft.com/office/powerpoint/2010/main" Requires="p14">
+  <mc:AlternateContent xmlns:mc="http://schemas.openxmlformats.org/markup-compatibility/2006" xmlns:p14="http://schemas.microsoft.com/office/powerpoint/2010/main">
+    <mc:Choice Requires="p14">
       <p:transition spd="med" p14:dur="700">
         <p:fade/>
       </p:transition>
     </mc:Choice>
-    <mc:Fallback>
+    <mc:Fallback xmlns="">
       <p:transition spd="med">
         <p:fade/>
       </p:transition>
@@ -17320,14 +18025,14 @@
           <p:nvPr>
             <p:extLst>
               <p:ext uri="{D42A27DB-BD31-4B8C-83A1-F6EECF244321}">
-                <p14:modId xmlns:p14="http://schemas.microsoft.com/office/powerpoint/2010/main" val="23810511"/>
+                <p14:modId xmlns:p14="http://schemas.microsoft.com/office/powerpoint/2010/main" val="2020715395"/>
               </p:ext>
             </p:extLst>
           </p:nvPr>
         </p:nvGraphicFramePr>
         <p:xfrm>
           <a:off x="620217" y="1556792"/>
-          <a:ext cx="10948389" cy="4952474"/>
+          <a:ext cx="10948389" cy="4457130"/>
         </p:xfrm>
         <a:graphic>
           <a:graphicData uri="http://schemas.openxmlformats.org/drawingml/2006/table">
@@ -17653,7 +18358,7 @@
                           <a:ea typeface="Tahoma" panose="020B0604030504040204" pitchFamily="34" charset="0"/>
                           <a:cs typeface="Tahoma" panose="020B0604030504040204" pitchFamily="34" charset="0"/>
                         </a:rPr>
-                        <a:t>משתמש יוכל לדווח על משתמש לא אמין</a:t>
+                        <a:t>סטטיסטיקות</a:t>
                       </a:r>
                     </a:p>
                   </a:txBody>
@@ -17663,33 +18368,6 @@
                   <a:txBody>
                     <a:bodyPr/>
                     <a:lstStyle/>
-                    <a:p>
-                      <a:pPr marL="0" marR="0" lvl="0" indent="0" algn="r" defTabSz="914126" rtl="1" eaLnBrk="1" fontAlgn="auto" latinLnBrk="0" hangingPunct="1">
-                        <a:lnSpc>
-                          <a:spcPct val="100000"/>
-                        </a:lnSpc>
-                        <a:spcBef>
-                          <a:spcPts val="0"/>
-                        </a:spcBef>
-                        <a:spcAft>
-                          <a:spcPts val="0"/>
-                        </a:spcAft>
-                        <a:buClrTx/>
-                        <a:buSzTx/>
-                        <a:buFontTx/>
-                        <a:buNone/>
-                        <a:tabLst/>
-                        <a:defRPr/>
-                      </a:pPr>
-                      <a:r>
-                        <a:rPr lang="he-IL" dirty="0">
-                          <a:latin typeface="Tahoma" panose="020B0604030504040204" pitchFamily="34" charset="0"/>
-                          <a:ea typeface="Tahoma" panose="020B0604030504040204" pitchFamily="34" charset="0"/>
-                          <a:cs typeface="Tahoma" panose="020B0604030504040204" pitchFamily="34" charset="0"/>
-                        </a:rPr>
-                        <a:t>משתמש אשר פותח קבוצות לחינם/ משתמש שפגע במשתתף אחר</a:t>
-                      </a:r>
-                    </a:p>
                     <a:p>
                       <a:pPr rtl="1"/>
                       <a:endParaRPr lang="he-IL" dirty="0">
@@ -17725,7 +18403,7 @@
                   </a:ext>
                 </a:extLst>
               </a:tr>
-              <a:tr h="418675">
+              <a:tr h="0">
                 <a:tc>
                   <a:txBody>
                     <a:bodyPr/>
@@ -17800,13 +18478,13 @@
   <p:clrMapOvr>
     <a:masterClrMapping/>
   </p:clrMapOvr>
-  <mc:AlternateContent xmlns:mc="http://schemas.openxmlformats.org/markup-compatibility/2006">
-    <mc:Choice xmlns:p14="http://schemas.microsoft.com/office/powerpoint/2010/main" Requires="p14">
+  <mc:AlternateContent xmlns:mc="http://schemas.openxmlformats.org/markup-compatibility/2006" xmlns:p14="http://schemas.microsoft.com/office/powerpoint/2010/main">
+    <mc:Choice Requires="p14">
       <p:transition spd="med" p14:dur="700">
         <p:fade/>
       </p:transition>
     </mc:Choice>
-    <mc:Fallback>
+    <mc:Fallback xmlns="">
       <p:transition spd="med">
         <p:fade/>
       </p:transition>
@@ -18418,13 +19096,13 @@
   <p:clrMapOvr>
     <a:masterClrMapping/>
   </p:clrMapOvr>
-  <mc:AlternateContent xmlns:mc="http://schemas.openxmlformats.org/markup-compatibility/2006">
-    <mc:Choice xmlns:p14="http://schemas.microsoft.com/office/powerpoint/2010/main" Requires="p14">
+  <mc:AlternateContent xmlns:mc="http://schemas.openxmlformats.org/markup-compatibility/2006" xmlns:p14="http://schemas.microsoft.com/office/powerpoint/2010/main">
+    <mc:Choice Requires="p14">
       <p:transition spd="med" p14:dur="700">
         <p:fade/>
       </p:transition>
     </mc:Choice>
-    <mc:Fallback>
+    <mc:Fallback xmlns="">
       <p:transition spd="med">
         <p:fade/>
       </p:transition>
@@ -18566,13 +19244,13 @@
   <p:clrMapOvr>
     <a:masterClrMapping/>
   </p:clrMapOvr>
-  <mc:AlternateContent xmlns:mc="http://schemas.openxmlformats.org/markup-compatibility/2006">
-    <mc:Choice xmlns:p14="http://schemas.microsoft.com/office/powerpoint/2010/main" Requires="p14">
+  <mc:AlternateContent xmlns:mc="http://schemas.openxmlformats.org/markup-compatibility/2006" xmlns:p14="http://schemas.microsoft.com/office/powerpoint/2010/main">
+    <mc:Choice Requires="p14">
       <p:transition spd="med" p14:dur="700">
         <p:fade/>
       </p:transition>
     </mc:Choice>
-    <mc:Fallback>
+    <mc:Fallback xmlns="">
       <p:transition spd="med">
         <p:fade/>
       </p:transition>
@@ -18598,6 +19276,87 @@
           <a:chExt cx="0" cy="0"/>
         </a:xfrm>
       </p:grpSpPr>
+      <p:pic>
+        <p:nvPicPr>
+          <p:cNvPr id="2054" name="Picture 6" descr="האייפון נפל למים / האייפון נרטב ? טיפים לעזרה ראשונה | גרופר">
+            <a:extLst>
+              <a:ext uri="{FF2B5EF4-FFF2-40B4-BE49-F238E27FC236}">
+                <a16:creationId xmlns:a16="http://schemas.microsoft.com/office/drawing/2014/main" id="{426F331C-F5F9-458A-BEEE-4A5167663378}"/>
+              </a:ext>
+            </a:extLst>
+          </p:cNvPr>
+          <p:cNvPicPr>
+            <a:picLocks noChangeAspect="1" noChangeArrowheads="1"/>
+          </p:cNvPicPr>
+          <p:nvPr/>
+        </p:nvPicPr>
+        <p:blipFill>
+          <a:blip r:embed="rId2" cstate="print">
+            <a:extLst>
+              <a:ext uri="{BEBA8EAE-BF5A-486C-A8C5-ECC9F3942E4B}">
+                <a14:imgProps xmlns:a14="http://schemas.microsoft.com/office/drawing/2010/main">
+                  <a14:imgLayer r:embed="rId3">
+                    <a14:imgEffect>
+                      <a14:artisticPhotocopy/>
+                    </a14:imgEffect>
+                  </a14:imgLayer>
+                </a14:imgProps>
+              </a:ext>
+              <a:ext uri="{28A0092B-C50C-407E-A947-70E740481C1C}">
+                <a14:useLocalDpi xmlns:a14="http://schemas.microsoft.com/office/drawing/2010/main" val="0"/>
+              </a:ext>
+            </a:extLst>
+          </a:blip>
+          <a:srcRect/>
+          <a:stretch>
+            <a:fillRect/>
+          </a:stretch>
+        </p:blipFill>
+        <p:spPr bwMode="auto">
+          <a:xfrm>
+            <a:off x="2552309" y="3372835"/>
+            <a:ext cx="1091529" cy="1916832"/>
+          </a:xfrm>
+          <a:prstGeom prst="roundRect">
+            <a:avLst>
+              <a:gd name="adj" fmla="val 4167"/>
+            </a:avLst>
+          </a:prstGeom>
+          <a:solidFill>
+            <a:srgbClr val="FFFFFF"/>
+          </a:solidFill>
+          <a:ln w="76200" cap="sq">
+            <a:solidFill>
+              <a:srgbClr val="292929"/>
+            </a:solidFill>
+            <a:miter lim="800000"/>
+          </a:ln>
+          <a:effectLst>
+            <a:reflection blurRad="12700" stA="28000" endPos="28000" dist="5000" dir="5400000" sy="-100000" algn="bl" rotWithShape="0"/>
+          </a:effectLst>
+          <a:scene3d>
+            <a:camera prst="orthographicFront"/>
+            <a:lightRig rig="threePt" dir="t">
+              <a:rot lat="0" lon="0" rev="2700000"/>
+            </a:lightRig>
+          </a:scene3d>
+          <a:sp3d>
+            <a:bevelT h="38100"/>
+            <a:contourClr>
+              <a:srgbClr val="C0C0C0"/>
+            </a:contourClr>
+          </a:sp3d>
+          <a:extLst>
+            <a:ext uri="{909E8E84-426E-40DD-AFC4-6F175D3DCCD1}">
+              <a14:hiddenFill xmlns:a14="http://schemas.microsoft.com/office/drawing/2010/main">
+                <a:solidFill>
+                  <a:srgbClr val="FFFFFF"/>
+                </a:solidFill>
+              </a14:hiddenFill>
+            </a:ext>
+          </a:extLst>
+        </p:spPr>
+      </p:pic>
       <p:sp>
         <p:nvSpPr>
           <p:cNvPr id="2" name="כותרת 1">
@@ -18616,7 +19375,7 @@
         </p:nvSpPr>
         <p:spPr>
           <a:xfrm>
-            <a:off x="1053852" y="606852"/>
+            <a:off x="998687" y="102488"/>
             <a:ext cx="9903418" cy="1144737"/>
           </a:xfrm>
         </p:spPr>
@@ -18631,186 +19390,13 @@
                 <a:ea typeface="Tahoma" panose="020B0604030504040204" pitchFamily="34" charset="0"/>
                 <a:cs typeface="Tahoma" panose="020B0604030504040204" pitchFamily="34" charset="0"/>
               </a:rPr>
-              <a:t>מבנה המערכת בפועל</a:t>
+              <a:t>מיפוי טכנולוגי</a:t>
             </a:r>
             <a:endParaRPr lang="he-IL" b="1" dirty="0">
               <a:latin typeface="Tahoma" panose="020B0604030504040204" pitchFamily="34" charset="0"/>
               <a:ea typeface="Tahoma" panose="020B0604030504040204" pitchFamily="34" charset="0"/>
               <a:cs typeface="Tahoma" panose="020B0604030504040204" pitchFamily="34" charset="0"/>
             </a:endParaRPr>
-          </a:p>
-        </p:txBody>
-      </p:sp>
-      <p:sp>
-        <p:nvSpPr>
-          <p:cNvPr id="3" name="מציין מיקום תוכן 2">
-            <a:extLst>
-              <a:ext uri="{FF2B5EF4-FFF2-40B4-BE49-F238E27FC236}">
-                <a16:creationId xmlns:a16="http://schemas.microsoft.com/office/drawing/2014/main" id="{7C6467A5-8000-F6F7-F33E-6584AD0A14E4}"/>
-              </a:ext>
-            </a:extLst>
-          </p:cNvPr>
-          <p:cNvSpPr>
-            <a:spLocks noGrp="1"/>
-          </p:cNvSpPr>
-          <p:nvPr>
-            <p:ph idx="1"/>
-          </p:nvPr>
-        </p:nvSpPr>
-        <p:spPr>
-          <a:xfrm>
-            <a:off x="451697" y="1751589"/>
-            <a:ext cx="10854778" cy="4837379"/>
-          </a:xfrm>
-        </p:spPr>
-        <p:txBody>
-          <a:bodyPr>
-            <a:normAutofit/>
-          </a:bodyPr>
-          <a:lstStyle/>
-          <a:p>
-            <a:pPr marL="0" indent="0">
-              <a:lnSpc>
-                <a:spcPct val="110000"/>
-              </a:lnSpc>
-              <a:buNone/>
-            </a:pPr>
-            <a:r>
-              <a:rPr lang="he-IL" b="1" dirty="0">
-                <a:latin typeface="Tahoma" panose="020B0604030504040204" pitchFamily="34" charset="0"/>
-                <a:ea typeface="Tahoma" panose="020B0604030504040204" pitchFamily="34" charset="0"/>
-                <a:cs typeface="Tahoma" panose="020B0604030504040204" pitchFamily="34" charset="0"/>
-              </a:rPr>
-              <a:t>ביזור - </a:t>
-            </a:r>
-            <a:r>
-              <a:rPr lang="he-IL" dirty="0">
-                <a:latin typeface="Tahoma" panose="020B0604030504040204" pitchFamily="34" charset="0"/>
-                <a:ea typeface="Tahoma" panose="020B0604030504040204" pitchFamily="34" charset="0"/>
-                <a:cs typeface="Tahoma" panose="020B0604030504040204" pitchFamily="34" charset="0"/>
-              </a:rPr>
-              <a:t>הרבה מחשבים שעובדים ביחד ,אפשר לעשות מקבול, ולחלק משימות.</a:t>
-            </a:r>
-          </a:p>
-          <a:p>
-            <a:pPr marL="0" indent="0">
-              <a:lnSpc>
-                <a:spcPct val="110000"/>
-              </a:lnSpc>
-              <a:buNone/>
-            </a:pPr>
-            <a:r>
-              <a:rPr lang="en-US" b="1" dirty="0">
-                <a:latin typeface="Tahoma" panose="020B0604030504040204" pitchFamily="34" charset="0"/>
-                <a:ea typeface="Tahoma" panose="020B0604030504040204" pitchFamily="34" charset="0"/>
-                <a:cs typeface="Tahoma" panose="020B0604030504040204" pitchFamily="34" charset="0"/>
-              </a:rPr>
-              <a:t> -Tier-N</a:t>
-            </a:r>
-            <a:r>
-              <a:rPr lang="he-IL" dirty="0">
-                <a:latin typeface="Tahoma" panose="020B0604030504040204" pitchFamily="34" charset="0"/>
-                <a:ea typeface="Tahoma" panose="020B0604030504040204" pitchFamily="34" charset="0"/>
-                <a:cs typeface="Tahoma" panose="020B0604030504040204" pitchFamily="34" charset="0"/>
-              </a:rPr>
-              <a:t>יש </a:t>
-            </a:r>
-            <a:r>
-              <a:rPr lang="en-US" dirty="0">
-                <a:latin typeface="Tahoma" panose="020B0604030504040204" pitchFamily="34" charset="0"/>
-                <a:ea typeface="Tahoma" panose="020B0604030504040204" pitchFamily="34" charset="0"/>
-                <a:cs typeface="Tahoma" panose="020B0604030504040204" pitchFamily="34" charset="0"/>
-              </a:rPr>
-              <a:t> n </a:t>
-            </a:r>
-            <a:r>
-              <a:rPr lang="he-IL" dirty="0">
-                <a:latin typeface="Tahoma" panose="020B0604030504040204" pitchFamily="34" charset="0"/>
-                <a:ea typeface="Tahoma" panose="020B0604030504040204" pitchFamily="34" charset="0"/>
-                <a:cs typeface="Tahoma" panose="020B0604030504040204" pitchFamily="34" charset="0"/>
-              </a:rPr>
-              <a:t>פלטפורמות שמריצות את התוכנות שלנו.</a:t>
-            </a:r>
-          </a:p>
-          <a:p>
-            <a:pPr marL="0" indent="0">
-              <a:lnSpc>
-                <a:spcPct val="110000"/>
-              </a:lnSpc>
-              <a:buNone/>
-            </a:pPr>
-            <a:r>
-              <a:rPr lang="he-IL" dirty="0">
-                <a:latin typeface="Tahoma" panose="020B0604030504040204" pitchFamily="34" charset="0"/>
-                <a:ea typeface="Tahoma" panose="020B0604030504040204" pitchFamily="34" charset="0"/>
-                <a:cs typeface="Tahoma" panose="020B0604030504040204" pitchFamily="34" charset="0"/>
-              </a:rPr>
-              <a:t>התוכנה מהונדסת כך שהיא מחולקת לוגית ופיזית ל</a:t>
-            </a:r>
-            <a:r>
-              <a:rPr lang="en-US" dirty="0">
-                <a:latin typeface="Tahoma" panose="020B0604030504040204" pitchFamily="34" charset="0"/>
-                <a:ea typeface="Tahoma" panose="020B0604030504040204" pitchFamily="34" charset="0"/>
-                <a:cs typeface="Tahoma" panose="020B0604030504040204" pitchFamily="34" charset="0"/>
-              </a:rPr>
-              <a:t> sections </a:t>
-            </a:r>
-            <a:r>
-              <a:rPr lang="he-IL" dirty="0">
-                <a:latin typeface="Tahoma" panose="020B0604030504040204" pitchFamily="34" charset="0"/>
-                <a:ea typeface="Tahoma" panose="020B0604030504040204" pitchFamily="34" charset="0"/>
-                <a:cs typeface="Tahoma" panose="020B0604030504040204" pitchFamily="34" charset="0"/>
-              </a:rPr>
-              <a:t>שונים: ניהול הנתונים, החלק הלוגי (עיבוד הנתונים) ופונקציות התצוגה.</a:t>
-            </a:r>
-          </a:p>
-          <a:p>
-            <a:pPr marL="0" indent="0">
-              <a:lnSpc>
-                <a:spcPct val="110000"/>
-              </a:lnSpc>
-              <a:buNone/>
-            </a:pPr>
-            <a:r>
-              <a:rPr lang="he-IL" dirty="0">
-                <a:latin typeface="Tahoma" panose="020B0604030504040204" pitchFamily="34" charset="0"/>
-                <a:ea typeface="Tahoma" panose="020B0604030504040204" pitchFamily="34" charset="0"/>
-                <a:cs typeface="Tahoma" panose="020B0604030504040204" pitchFamily="34" charset="0"/>
-              </a:rPr>
-              <a:t>ההפרדה הזאת למספר מכונות מבטיחה שהשירותים ניתנים בלי שיתוף המשאבים וששירותים אלו מועברים בצורה הטובה ביותר.</a:t>
-            </a:r>
-          </a:p>
-          <a:p>
-            <a:pPr marL="0" indent="0">
-              <a:lnSpc>
-                <a:spcPct val="110000"/>
-              </a:lnSpc>
-              <a:buNone/>
-            </a:pPr>
-            <a:r>
-              <a:rPr lang="he-IL" dirty="0">
-                <a:latin typeface="Tahoma" panose="020B0604030504040204" pitchFamily="34" charset="0"/>
-                <a:ea typeface="Tahoma" panose="020B0604030504040204" pitchFamily="34" charset="0"/>
-                <a:cs typeface="Tahoma" panose="020B0604030504040204" pitchFamily="34" charset="0"/>
-              </a:rPr>
-              <a:t>בצורה הזאת יותר קל לנהל אותם מכיוון שכאשר יש בעיה ב</a:t>
-            </a:r>
-            <a:r>
-              <a:rPr lang="en-US" dirty="0">
-                <a:latin typeface="Tahoma" panose="020B0604030504040204" pitchFamily="34" charset="0"/>
-                <a:ea typeface="Tahoma" panose="020B0604030504040204" pitchFamily="34" charset="0"/>
-                <a:cs typeface="Tahoma" panose="020B0604030504040204" pitchFamily="34" charset="0"/>
-              </a:rPr>
-              <a:t>section </a:t>
-            </a:r>
-            <a:r>
-              <a:rPr lang="he-IL" dirty="0">
-                <a:latin typeface="Tahoma" panose="020B0604030504040204" pitchFamily="34" charset="0"/>
-                <a:ea typeface="Tahoma" panose="020B0604030504040204" pitchFamily="34" charset="0"/>
-                <a:cs typeface="Tahoma" panose="020B0604030504040204" pitchFamily="34" charset="0"/>
-              </a:rPr>
-              <a:t> מסוים זה לא משפיע על שאר המערכת ואם יש בעיה אפשר בקלות לדעת איזה חלק אחראי עליה.</a:t>
-            </a:r>
           </a:p>
         </p:txBody>
       </p:sp>
@@ -18851,10 +19437,80 @@
       </p:sp>
       <p:pic>
         <p:nvPicPr>
-          <p:cNvPr id="5122" name="Picture 2" descr="סימן אישור – ויקיפדיה">
+          <p:cNvPr id="3084" name="Picture 12" descr="בן אדם, ציור היתולי, שמח. | CanStock">
             <a:extLst>
               <a:ext uri="{FF2B5EF4-FFF2-40B4-BE49-F238E27FC236}">
-                <a16:creationId xmlns:a16="http://schemas.microsoft.com/office/drawing/2014/main" id="{A738E713-26FB-4B48-5959-A1C3EC2AE1A5}"/>
+                <a16:creationId xmlns:a16="http://schemas.microsoft.com/office/drawing/2014/main" id="{DAEE6771-598D-93D2-8C35-92B9846A50E4}"/>
+              </a:ext>
+            </a:extLst>
+          </p:cNvPr>
+          <p:cNvPicPr>
+            <a:picLocks noChangeAspect="1" noChangeArrowheads="1"/>
+          </p:cNvPicPr>
+          <p:nvPr/>
+        </p:nvPicPr>
+        <p:blipFill rotWithShape="1">
+          <a:blip r:embed="rId4">
+            <a:extLst>
+              <a:ext uri="{28A0092B-C50C-407E-A947-70E740481C1C}">
+                <a14:useLocalDpi xmlns:a14="http://schemas.microsoft.com/office/drawing/2010/main" val="0"/>
+              </a:ext>
+            </a:extLst>
+          </a:blip>
+          <a:srcRect b="2886"/>
+          <a:stretch/>
+        </p:blipFill>
+        <p:spPr bwMode="auto">
+          <a:xfrm>
+            <a:off x="751174" y="3362618"/>
+            <a:ext cx="1296144" cy="1861521"/>
+          </a:xfrm>
+          <a:prstGeom prst="roundRect">
+            <a:avLst>
+              <a:gd name="adj" fmla="val 4167"/>
+            </a:avLst>
+          </a:prstGeom>
+          <a:solidFill>
+            <a:srgbClr val="FFFFFF"/>
+          </a:solidFill>
+          <a:ln w="76200" cap="sq">
+            <a:solidFill>
+              <a:srgbClr val="292929"/>
+            </a:solidFill>
+            <a:miter lim="800000"/>
+          </a:ln>
+          <a:effectLst>
+            <a:reflection blurRad="12700" stA="28000" endPos="28000" dist="5000" dir="5400000" sy="-100000" algn="bl" rotWithShape="0"/>
+          </a:effectLst>
+          <a:scene3d>
+            <a:camera prst="orthographicFront"/>
+            <a:lightRig rig="threePt" dir="t">
+              <a:rot lat="0" lon="0" rev="2700000"/>
+            </a:lightRig>
+          </a:scene3d>
+          <a:sp3d>
+            <a:bevelT h="38100"/>
+            <a:contourClr>
+              <a:srgbClr val="C0C0C0"/>
+            </a:contourClr>
+          </a:sp3d>
+          <a:extLst>
+            <a:ext uri="{909E8E84-426E-40DD-AFC4-6F175D3DCCD1}">
+              <a14:hiddenFill xmlns:a14="http://schemas.microsoft.com/office/drawing/2010/main">
+                <a:solidFill>
+                  <a:srgbClr val="FFFFFF"/>
+                </a:solidFill>
+              </a14:hiddenFill>
+            </a:ext>
+          </a:extLst>
+        </p:spPr>
+      </p:pic>
+      <p:pic>
+        <p:nvPicPr>
+          <p:cNvPr id="3" name="Picture 8" descr="Google Developers Blog: Firebase expands to become a unified app platform">
+            <a:extLst>
+              <a:ext uri="{FF2B5EF4-FFF2-40B4-BE49-F238E27FC236}">
+                <a16:creationId xmlns:a16="http://schemas.microsoft.com/office/drawing/2014/main" id="{10BF78BA-7E0D-A634-C3EE-2A17595386D6}"/>
               </a:ext>
             </a:extLst>
           </p:cNvPr>
@@ -18864,7 +19520,7 @@
           <p:nvPr/>
         </p:nvPicPr>
         <p:blipFill>
-          <a:blip r:embed="rId2" cstate="print">
+          <a:blip r:embed="rId5" cstate="print">
             <a:extLst>
               <a:ext uri="{28A0092B-C50C-407E-A947-70E740481C1C}">
                 <a14:useLocalDpi xmlns:a14="http://schemas.microsoft.com/office/drawing/2010/main" val="0"/>
@@ -18878,13 +19534,38 @@
         </p:blipFill>
         <p:spPr bwMode="auto">
           <a:xfrm>
-            <a:off x="11299478" y="3839090"/>
-            <a:ext cx="272815" cy="272815"/>
+            <a:off x="8577513" y="1658325"/>
+            <a:ext cx="2356568" cy="1208303"/>
           </a:xfrm>
-          <a:prstGeom prst="rect">
-            <a:avLst/>
+          <a:prstGeom prst="roundRect">
+            <a:avLst>
+              <a:gd name="adj" fmla="val 4167"/>
+            </a:avLst>
           </a:prstGeom>
-          <a:noFill/>
+          <a:solidFill>
+            <a:srgbClr val="FFFFFF"/>
+          </a:solidFill>
+          <a:ln w="76200" cap="sq">
+            <a:solidFill>
+              <a:srgbClr val="292929"/>
+            </a:solidFill>
+            <a:miter lim="800000"/>
+          </a:ln>
+          <a:effectLst>
+            <a:reflection blurRad="12700" stA="28000" endPos="28000" dist="5000" dir="5400000" sy="-100000" algn="bl" rotWithShape="0"/>
+          </a:effectLst>
+          <a:scene3d>
+            <a:camera prst="orthographicFront"/>
+            <a:lightRig rig="threePt" dir="t">
+              <a:rot lat="0" lon="0" rev="2700000"/>
+            </a:lightRig>
+          </a:scene3d>
+          <a:sp3d>
+            <a:bevelT h="38100"/>
+            <a:contourClr>
+              <a:srgbClr val="C0C0C0"/>
+            </a:contourClr>
+          </a:sp3d>
           <a:extLst>
             <a:ext uri="{909E8E84-426E-40DD-AFC4-6F175D3DCCD1}">
               <a14:hiddenFill xmlns:a14="http://schemas.microsoft.com/office/drawing/2010/main">
@@ -18898,10 +19579,10 @@
       </p:pic>
       <p:pic>
         <p:nvPicPr>
-          <p:cNvPr id="5" name="Picture 2" descr="סימן אישור – ויקיפדיה">
+          <p:cNvPr id="8" name="Picture 6" descr="Why is Android Studio still such a gruesome embarrassment? | TechCrunch">
             <a:extLst>
               <a:ext uri="{FF2B5EF4-FFF2-40B4-BE49-F238E27FC236}">
-                <a16:creationId xmlns:a16="http://schemas.microsoft.com/office/drawing/2014/main" id="{CC89ECC8-05B2-552D-CFF1-38CD9E4AFCA4}"/>
+                <a16:creationId xmlns:a16="http://schemas.microsoft.com/office/drawing/2014/main" id="{558D481B-E8CA-6BB8-5B27-395AC98FCC6F}"/>
               </a:ext>
             </a:extLst>
           </p:cNvPr>
@@ -18911,7 +19592,7 @@
           <p:nvPr/>
         </p:nvPicPr>
         <p:blipFill>
-          <a:blip r:embed="rId2" cstate="print">
+          <a:blip r:embed="rId6">
             <a:extLst>
               <a:ext uri="{28A0092B-C50C-407E-A947-70E740481C1C}">
                 <a14:useLocalDpi xmlns:a14="http://schemas.microsoft.com/office/drawing/2010/main" val="0"/>
@@ -18925,13 +19606,38 @@
         </p:blipFill>
         <p:spPr bwMode="auto">
           <a:xfrm>
-            <a:off x="11299478" y="4797152"/>
-            <a:ext cx="272815" cy="272815"/>
+            <a:off x="4545875" y="3951202"/>
+            <a:ext cx="2376264" cy="1041502"/>
           </a:xfrm>
-          <a:prstGeom prst="rect">
-            <a:avLst/>
+          <a:prstGeom prst="roundRect">
+            <a:avLst>
+              <a:gd name="adj" fmla="val 4167"/>
+            </a:avLst>
           </a:prstGeom>
-          <a:noFill/>
+          <a:solidFill>
+            <a:srgbClr val="FFFFFF"/>
+          </a:solidFill>
+          <a:ln w="76200" cap="sq">
+            <a:solidFill>
+              <a:srgbClr val="292929"/>
+            </a:solidFill>
+            <a:miter lim="800000"/>
+          </a:ln>
+          <a:effectLst>
+            <a:reflection blurRad="12700" stA="28000" endPos="28000" dist="5000" dir="5400000" sy="-100000" algn="bl" rotWithShape="0"/>
+          </a:effectLst>
+          <a:scene3d>
+            <a:camera prst="orthographicFront"/>
+            <a:lightRig rig="threePt" dir="t">
+              <a:rot lat="0" lon="0" rev="2700000"/>
+            </a:lightRig>
+          </a:scene3d>
+          <a:sp3d>
+            <a:bevelT h="38100"/>
+            <a:contourClr>
+              <a:srgbClr val="C0C0C0"/>
+            </a:contourClr>
+          </a:sp3d>
           <a:extLst>
             <a:ext uri="{909E8E84-426E-40DD-AFC4-6F175D3DCCD1}">
               <a14:hiddenFill xmlns:a14="http://schemas.microsoft.com/office/drawing/2010/main">
@@ -18943,23 +19649,635 @@
           </a:extLst>
         </p:spPr>
       </p:pic>
+      <p:pic>
+        <p:nvPicPr>
+          <p:cNvPr id="2050" name="Picture 2" descr="Node.js - Wikipedia">
+            <a:extLst>
+              <a:ext uri="{FF2B5EF4-FFF2-40B4-BE49-F238E27FC236}">
+                <a16:creationId xmlns:a16="http://schemas.microsoft.com/office/drawing/2014/main" id="{E31FBC30-04D1-1CF0-488D-37496DD4F605}"/>
+              </a:ext>
+            </a:extLst>
+          </p:cNvPr>
+          <p:cNvPicPr>
+            <a:picLocks noChangeAspect="1" noChangeArrowheads="1"/>
+          </p:cNvPicPr>
+          <p:nvPr/>
+        </p:nvPicPr>
+        <p:blipFill>
+          <a:blip r:embed="rId7">
+            <a:extLst>
+              <a:ext uri="{28A0092B-C50C-407E-A947-70E740481C1C}">
+                <a14:useLocalDpi xmlns:a14="http://schemas.microsoft.com/office/drawing/2010/main" val="0"/>
+              </a:ext>
+            </a:extLst>
+          </a:blip>
+          <a:srcRect/>
+          <a:stretch>
+            <a:fillRect/>
+          </a:stretch>
+        </p:blipFill>
+        <p:spPr bwMode="auto">
+          <a:xfrm>
+            <a:off x="8016717" y="3591339"/>
+            <a:ext cx="2733675" cy="1666875"/>
+          </a:xfrm>
+          <a:prstGeom prst="roundRect">
+            <a:avLst>
+              <a:gd name="adj" fmla="val 4167"/>
+            </a:avLst>
+          </a:prstGeom>
+          <a:solidFill>
+            <a:srgbClr val="FFFFFF"/>
+          </a:solidFill>
+          <a:ln w="76200" cap="sq">
+            <a:solidFill>
+              <a:srgbClr val="292929"/>
+            </a:solidFill>
+            <a:miter lim="800000"/>
+          </a:ln>
+          <a:effectLst>
+            <a:reflection blurRad="12700" stA="28000" endPos="28000" dist="5000" dir="5400000" sy="-100000" algn="bl" rotWithShape="0"/>
+          </a:effectLst>
+          <a:scene3d>
+            <a:camera prst="orthographicFront"/>
+            <a:lightRig rig="threePt" dir="t">
+              <a:rot lat="0" lon="0" rev="2700000"/>
+            </a:lightRig>
+          </a:scene3d>
+          <a:sp3d>
+            <a:bevelT h="38100"/>
+            <a:contourClr>
+              <a:srgbClr val="C0C0C0"/>
+            </a:contourClr>
+          </a:sp3d>
+          <a:extLst>
+            <a:ext uri="{909E8E84-426E-40DD-AFC4-6F175D3DCCD1}">
+              <a14:hiddenFill xmlns:a14="http://schemas.microsoft.com/office/drawing/2010/main">
+                <a:solidFill>
+                  <a:srgbClr val="FFFFFF"/>
+                </a:solidFill>
+              </a14:hiddenFill>
+            </a:ext>
+          </a:extLst>
+        </p:spPr>
+      </p:pic>
+      <p:pic>
+        <p:nvPicPr>
+          <p:cNvPr id="16" name="תמונה 15">
+            <a:extLst>
+              <a:ext uri="{FF2B5EF4-FFF2-40B4-BE49-F238E27FC236}">
+                <a16:creationId xmlns:a16="http://schemas.microsoft.com/office/drawing/2014/main" id="{F9506718-CB39-34DC-13E6-BC42965B5839}"/>
+              </a:ext>
+            </a:extLst>
+          </p:cNvPr>
+          <p:cNvPicPr>
+            <a:picLocks noChangeAspect="1"/>
+          </p:cNvPicPr>
+          <p:nvPr/>
+        </p:nvPicPr>
+        <p:blipFill>
+          <a:blip r:embed="rId8" cstate="print">
+            <a:extLst>
+              <a:ext uri="{28A0092B-C50C-407E-A947-70E740481C1C}">
+                <a14:useLocalDpi xmlns:a14="http://schemas.microsoft.com/office/drawing/2010/main" val="0"/>
+              </a:ext>
+            </a:extLst>
+          </a:blip>
+          <a:stretch>
+            <a:fillRect/>
+          </a:stretch>
+        </p:blipFill>
+        <p:spPr>
+          <a:xfrm>
+            <a:off x="2757008" y="3975679"/>
+            <a:ext cx="654178" cy="643696"/>
+          </a:xfrm>
+          <a:prstGeom prst="roundRect">
+            <a:avLst>
+              <a:gd name="adj" fmla="val 4167"/>
+            </a:avLst>
+          </a:prstGeom>
+          <a:solidFill>
+            <a:srgbClr val="FFFFFF"/>
+          </a:solidFill>
+          <a:ln w="76200" cap="sq">
+            <a:solidFill>
+              <a:srgbClr val="292929"/>
+            </a:solidFill>
+            <a:miter lim="800000"/>
+          </a:ln>
+          <a:effectLst>
+            <a:reflection blurRad="12700" stA="28000" endPos="28000" dist="5000" dir="5400000" sy="-100000" algn="bl" rotWithShape="0"/>
+          </a:effectLst>
+          <a:scene3d>
+            <a:camera prst="orthographicFront"/>
+            <a:lightRig rig="threePt" dir="t">
+              <a:rot lat="0" lon="0" rev="2700000"/>
+            </a:lightRig>
+          </a:scene3d>
+          <a:sp3d>
+            <a:bevelT h="38100"/>
+            <a:contourClr>
+              <a:srgbClr val="C0C0C0"/>
+            </a:contourClr>
+          </a:sp3d>
+        </p:spPr>
+      </p:pic>
+      <p:pic>
+        <p:nvPicPr>
+          <p:cNvPr id="2052" name="Picture 4" descr="יישום שרת ציור וקטורי | וקטורים לשימוש ציבורי">
+            <a:extLst>
+              <a:ext uri="{FF2B5EF4-FFF2-40B4-BE49-F238E27FC236}">
+                <a16:creationId xmlns:a16="http://schemas.microsoft.com/office/drawing/2014/main" id="{90078222-4F1A-C418-385E-7EC1330F2B76}"/>
+              </a:ext>
+            </a:extLst>
+          </p:cNvPr>
+          <p:cNvPicPr>
+            <a:picLocks noChangeAspect="1" noChangeArrowheads="1"/>
+          </p:cNvPicPr>
+          <p:nvPr/>
+        </p:nvPicPr>
+        <p:blipFill>
+          <a:blip r:embed="rId9">
+            <a:extLst>
+              <a:ext uri="{28A0092B-C50C-407E-A947-70E740481C1C}">
+                <a14:useLocalDpi xmlns:a14="http://schemas.microsoft.com/office/drawing/2010/main" val="0"/>
+              </a:ext>
+            </a:extLst>
+          </a:blip>
+          <a:srcRect/>
+          <a:stretch>
+            <a:fillRect/>
+          </a:stretch>
+        </p:blipFill>
+        <p:spPr bwMode="auto">
+          <a:xfrm>
+            <a:off x="10791417" y="3591339"/>
+            <a:ext cx="932901" cy="1666874"/>
+          </a:xfrm>
+          <a:prstGeom prst="roundRect">
+            <a:avLst>
+              <a:gd name="adj" fmla="val 4167"/>
+            </a:avLst>
+          </a:prstGeom>
+          <a:solidFill>
+            <a:srgbClr val="FFFFFF"/>
+          </a:solidFill>
+          <a:ln w="76200" cap="sq">
+            <a:solidFill>
+              <a:srgbClr val="292929"/>
+            </a:solidFill>
+            <a:miter lim="800000"/>
+          </a:ln>
+          <a:effectLst>
+            <a:reflection blurRad="12700" stA="28000" endPos="28000" dist="5000" dir="5400000" sy="-100000" algn="bl" rotWithShape="0"/>
+          </a:effectLst>
+          <a:scene3d>
+            <a:camera prst="orthographicFront"/>
+            <a:lightRig rig="threePt" dir="t">
+              <a:rot lat="0" lon="0" rev="2700000"/>
+            </a:lightRig>
+          </a:scene3d>
+          <a:sp3d>
+            <a:bevelT h="38100"/>
+            <a:contourClr>
+              <a:srgbClr val="C0C0C0"/>
+            </a:contourClr>
+          </a:sp3d>
+          <a:extLst>
+            <a:ext uri="{909E8E84-426E-40DD-AFC4-6F175D3DCCD1}">
+              <a14:hiddenFill xmlns:a14="http://schemas.microsoft.com/office/drawing/2010/main">
+                <a:solidFill>
+                  <a:srgbClr val="FFFFFF"/>
+                </a:solidFill>
+              </a14:hiddenFill>
+            </a:ext>
+          </a:extLst>
+        </p:spPr>
+      </p:pic>
+      <p:sp>
+        <p:nvSpPr>
+          <p:cNvPr id="17" name="חץ: ימינה 16">
+            <a:extLst>
+              <a:ext uri="{FF2B5EF4-FFF2-40B4-BE49-F238E27FC236}">
+                <a16:creationId xmlns:a16="http://schemas.microsoft.com/office/drawing/2014/main" id="{9EAD3E6F-EB09-5711-09D5-6F9ED9CEF381}"/>
+              </a:ext>
+            </a:extLst>
+          </p:cNvPr>
+          <p:cNvSpPr/>
+          <p:nvPr/>
+        </p:nvSpPr>
+        <p:spPr>
+          <a:xfrm>
+            <a:off x="2079213" y="4209157"/>
+            <a:ext cx="432048" cy="262796"/>
+          </a:xfrm>
+          <a:prstGeom prst="rightArrow">
+            <a:avLst/>
+          </a:prstGeom>
+        </p:spPr>
+        <p:style>
+          <a:lnRef idx="2">
+            <a:schemeClr val="accent1">
+              <a:shade val="50000"/>
+            </a:schemeClr>
+          </a:lnRef>
+          <a:fillRef idx="1">
+            <a:schemeClr val="accent1"/>
+          </a:fillRef>
+          <a:effectRef idx="0">
+            <a:schemeClr val="accent1"/>
+          </a:effectRef>
+          <a:fontRef idx="minor">
+            <a:schemeClr val="lt1"/>
+          </a:fontRef>
+        </p:style>
+        <p:txBody>
+          <a:bodyPr rtlCol="1" anchor="ctr"/>
+          <a:lstStyle/>
+          <a:p>
+            <a:pPr algn="ctr"/>
+            <a:endParaRPr lang="he-IL"/>
+          </a:p>
+        </p:txBody>
+      </p:sp>
+      <p:sp>
+        <p:nvSpPr>
+          <p:cNvPr id="23" name="חץ: ימינה 22">
+            <a:extLst>
+              <a:ext uri="{FF2B5EF4-FFF2-40B4-BE49-F238E27FC236}">
+                <a16:creationId xmlns:a16="http://schemas.microsoft.com/office/drawing/2014/main" id="{B2EA481F-8B61-D6AD-7731-E76A4410FA2C}"/>
+              </a:ext>
+            </a:extLst>
+          </p:cNvPr>
+          <p:cNvSpPr/>
+          <p:nvPr/>
+        </p:nvSpPr>
+        <p:spPr>
+          <a:xfrm>
+            <a:off x="3748334" y="4442801"/>
+            <a:ext cx="709695" cy="274419"/>
+          </a:xfrm>
+          <a:prstGeom prst="rightArrow">
+            <a:avLst/>
+          </a:prstGeom>
+        </p:spPr>
+        <p:style>
+          <a:lnRef idx="2">
+            <a:schemeClr val="accent1">
+              <a:shade val="50000"/>
+            </a:schemeClr>
+          </a:lnRef>
+          <a:fillRef idx="1">
+            <a:schemeClr val="accent1"/>
+          </a:fillRef>
+          <a:effectRef idx="0">
+            <a:schemeClr val="accent1"/>
+          </a:effectRef>
+          <a:fontRef idx="minor">
+            <a:schemeClr val="lt1"/>
+          </a:fontRef>
+        </p:style>
+        <p:txBody>
+          <a:bodyPr rtlCol="1" anchor="ctr"/>
+          <a:lstStyle/>
+          <a:p>
+            <a:pPr algn="ctr"/>
+            <a:endParaRPr lang="he-IL"/>
+          </a:p>
+        </p:txBody>
+      </p:sp>
+      <p:sp>
+        <p:nvSpPr>
+          <p:cNvPr id="24" name="חץ: שמאלה 23">
+            <a:extLst>
+              <a:ext uri="{FF2B5EF4-FFF2-40B4-BE49-F238E27FC236}">
+                <a16:creationId xmlns:a16="http://schemas.microsoft.com/office/drawing/2014/main" id="{37295B30-9308-966C-C696-AAD2150E9ED7}"/>
+              </a:ext>
+            </a:extLst>
+          </p:cNvPr>
+          <p:cNvSpPr/>
+          <p:nvPr/>
+        </p:nvSpPr>
+        <p:spPr>
+          <a:xfrm>
+            <a:off x="3713029" y="4112775"/>
+            <a:ext cx="709695" cy="274419"/>
+          </a:xfrm>
+          <a:prstGeom prst="leftArrow">
+            <a:avLst/>
+          </a:prstGeom>
+        </p:spPr>
+        <p:style>
+          <a:lnRef idx="2">
+            <a:schemeClr val="accent1">
+              <a:shade val="50000"/>
+            </a:schemeClr>
+          </a:lnRef>
+          <a:fillRef idx="1">
+            <a:schemeClr val="accent1"/>
+          </a:fillRef>
+          <a:effectRef idx="0">
+            <a:schemeClr val="accent1"/>
+          </a:effectRef>
+          <a:fontRef idx="minor">
+            <a:schemeClr val="lt1"/>
+          </a:fontRef>
+        </p:style>
+        <p:txBody>
+          <a:bodyPr rtlCol="1" anchor="ctr"/>
+          <a:lstStyle/>
+          <a:p>
+            <a:pPr algn="ctr"/>
+            <a:endParaRPr lang="he-IL"/>
+          </a:p>
+        </p:txBody>
+      </p:sp>
+      <p:sp>
+        <p:nvSpPr>
+          <p:cNvPr id="28" name="תיבת טקסט 27">
+            <a:extLst>
+              <a:ext uri="{FF2B5EF4-FFF2-40B4-BE49-F238E27FC236}">
+                <a16:creationId xmlns:a16="http://schemas.microsoft.com/office/drawing/2014/main" id="{B91AB578-16CA-34DC-D5B9-8CA8E1249D03}"/>
+              </a:ext>
+            </a:extLst>
+          </p:cNvPr>
+          <p:cNvSpPr txBox="1"/>
+          <p:nvPr/>
+        </p:nvSpPr>
+        <p:spPr>
+          <a:xfrm>
+            <a:off x="6704687" y="1254770"/>
+            <a:ext cx="6102220" cy="369332"/>
+          </a:xfrm>
+          <a:prstGeom prst="rect">
+            <a:avLst/>
+          </a:prstGeom>
+          <a:noFill/>
+        </p:spPr>
+        <p:txBody>
+          <a:bodyPr wrap="square">
+            <a:spAutoFit/>
+          </a:bodyPr>
+          <a:lstStyle/>
+          <a:p>
+            <a:pPr algn="ctr" rtl="1"/>
+            <a:r>
+              <a:rPr lang="en-US" sz="1800" b="1" dirty="0" err="1">
+                <a:latin typeface="Tahoma" panose="020B0604030504040204" pitchFamily="34" charset="0"/>
+                <a:ea typeface="Tahoma" panose="020B0604030504040204" pitchFamily="34" charset="0"/>
+                <a:cs typeface="Tahoma" panose="020B0604030504040204" pitchFamily="34" charset="0"/>
+              </a:rPr>
+              <a:t>DataBase</a:t>
+            </a:r>
+            <a:endParaRPr lang="he-IL" sz="1800" b="1" dirty="0">
+              <a:latin typeface="Tahoma" panose="020B0604030504040204" pitchFamily="34" charset="0"/>
+              <a:ea typeface="Tahoma" panose="020B0604030504040204" pitchFamily="34" charset="0"/>
+              <a:cs typeface="Tahoma" panose="020B0604030504040204" pitchFamily="34" charset="0"/>
+            </a:endParaRPr>
+          </a:p>
+        </p:txBody>
+      </p:sp>
+      <p:sp>
+        <p:nvSpPr>
+          <p:cNvPr id="30" name="תיבת טקסט 29">
+            <a:extLst>
+              <a:ext uri="{FF2B5EF4-FFF2-40B4-BE49-F238E27FC236}">
+                <a16:creationId xmlns:a16="http://schemas.microsoft.com/office/drawing/2014/main" id="{7DF3CA4F-382C-FA2B-6CA2-14D8F10CC81C}"/>
+              </a:ext>
+            </a:extLst>
+          </p:cNvPr>
+          <p:cNvSpPr txBox="1"/>
+          <p:nvPr/>
+        </p:nvSpPr>
+        <p:spPr>
+          <a:xfrm>
+            <a:off x="8892530" y="5499932"/>
+            <a:ext cx="2167843" cy="369332"/>
+          </a:xfrm>
+          <a:prstGeom prst="rect">
+            <a:avLst/>
+          </a:prstGeom>
+          <a:noFill/>
+        </p:spPr>
+        <p:txBody>
+          <a:bodyPr wrap="square">
+            <a:spAutoFit/>
+          </a:bodyPr>
+          <a:lstStyle/>
+          <a:p>
+            <a:r>
+              <a:rPr lang="he-IL" b="1" dirty="0">
+                <a:latin typeface="Tahoma" panose="020B0604030504040204" pitchFamily="34" charset="0"/>
+                <a:ea typeface="Tahoma" panose="020B0604030504040204" pitchFamily="34" charset="0"/>
+                <a:cs typeface="Tahoma" panose="020B0604030504040204" pitchFamily="34" charset="0"/>
+              </a:rPr>
+              <a:t>שרת אפליקציה</a:t>
+            </a:r>
+          </a:p>
+        </p:txBody>
+      </p:sp>
+      <p:sp>
+        <p:nvSpPr>
+          <p:cNvPr id="31" name="חץ: ימינה 30">
+            <a:extLst>
+              <a:ext uri="{FF2B5EF4-FFF2-40B4-BE49-F238E27FC236}">
+                <a16:creationId xmlns:a16="http://schemas.microsoft.com/office/drawing/2014/main" id="{54E800AC-8990-5C4D-A868-99D338F45C25}"/>
+              </a:ext>
+            </a:extLst>
+          </p:cNvPr>
+          <p:cNvSpPr/>
+          <p:nvPr/>
+        </p:nvSpPr>
+        <p:spPr>
+          <a:xfrm rot="16200000">
+            <a:off x="9371653" y="3138749"/>
+            <a:ext cx="499673" cy="268614"/>
+          </a:xfrm>
+          <a:prstGeom prst="rightArrow">
+            <a:avLst/>
+          </a:prstGeom>
+        </p:spPr>
+        <p:style>
+          <a:lnRef idx="2">
+            <a:schemeClr val="accent1">
+              <a:shade val="50000"/>
+            </a:schemeClr>
+          </a:lnRef>
+          <a:fillRef idx="1">
+            <a:schemeClr val="accent1"/>
+          </a:fillRef>
+          <a:effectRef idx="0">
+            <a:schemeClr val="accent1"/>
+          </a:effectRef>
+          <a:fontRef idx="minor">
+            <a:schemeClr val="lt1"/>
+          </a:fontRef>
+        </p:style>
+        <p:txBody>
+          <a:bodyPr rtlCol="1" anchor="ctr"/>
+          <a:lstStyle/>
+          <a:p>
+            <a:pPr algn="ctr"/>
+            <a:endParaRPr lang="he-IL"/>
+          </a:p>
+        </p:txBody>
+      </p:sp>
+      <p:sp>
+        <p:nvSpPr>
+          <p:cNvPr id="2049" name="חץ: שמאלה 2048">
+            <a:extLst>
+              <a:ext uri="{FF2B5EF4-FFF2-40B4-BE49-F238E27FC236}">
+                <a16:creationId xmlns:a16="http://schemas.microsoft.com/office/drawing/2014/main" id="{254A4C24-FB58-A59E-2E03-04CE3F7C718A}"/>
+              </a:ext>
+            </a:extLst>
+          </p:cNvPr>
+          <p:cNvSpPr/>
+          <p:nvPr/>
+        </p:nvSpPr>
+        <p:spPr>
+          <a:xfrm>
+            <a:off x="7009985" y="4160317"/>
+            <a:ext cx="709695" cy="274419"/>
+          </a:xfrm>
+          <a:prstGeom prst="leftArrow">
+            <a:avLst/>
+          </a:prstGeom>
+        </p:spPr>
+        <p:style>
+          <a:lnRef idx="2">
+            <a:schemeClr val="accent1">
+              <a:shade val="50000"/>
+            </a:schemeClr>
+          </a:lnRef>
+          <a:fillRef idx="1">
+            <a:schemeClr val="accent1"/>
+          </a:fillRef>
+          <a:effectRef idx="0">
+            <a:schemeClr val="accent1"/>
+          </a:effectRef>
+          <a:fontRef idx="minor">
+            <a:schemeClr val="lt1"/>
+          </a:fontRef>
+        </p:style>
+        <p:txBody>
+          <a:bodyPr rtlCol="1" anchor="ctr"/>
+          <a:lstStyle/>
+          <a:p>
+            <a:pPr algn="ctr"/>
+            <a:endParaRPr lang="he-IL"/>
+          </a:p>
+        </p:txBody>
+      </p:sp>
+      <p:sp>
+        <p:nvSpPr>
+          <p:cNvPr id="2051" name="חץ: ימינה 2050">
+            <a:extLst>
+              <a:ext uri="{FF2B5EF4-FFF2-40B4-BE49-F238E27FC236}">
+                <a16:creationId xmlns:a16="http://schemas.microsoft.com/office/drawing/2014/main" id="{F29174CD-D82A-C7AD-943E-BA80729802A5}"/>
+              </a:ext>
+            </a:extLst>
+          </p:cNvPr>
+          <p:cNvSpPr/>
+          <p:nvPr/>
+        </p:nvSpPr>
+        <p:spPr>
+          <a:xfrm>
+            <a:off x="7035853" y="4464424"/>
+            <a:ext cx="709695" cy="274419"/>
+          </a:xfrm>
+          <a:prstGeom prst="rightArrow">
+            <a:avLst/>
+          </a:prstGeom>
+        </p:spPr>
+        <p:style>
+          <a:lnRef idx="2">
+            <a:schemeClr val="accent1">
+              <a:shade val="50000"/>
+            </a:schemeClr>
+          </a:lnRef>
+          <a:fillRef idx="1">
+            <a:schemeClr val="accent1"/>
+          </a:fillRef>
+          <a:effectRef idx="0">
+            <a:schemeClr val="accent1"/>
+          </a:effectRef>
+          <a:fontRef idx="minor">
+            <a:schemeClr val="lt1"/>
+          </a:fontRef>
+        </p:style>
+        <p:txBody>
+          <a:bodyPr rtlCol="1" anchor="ctr"/>
+          <a:lstStyle/>
+          <a:p>
+            <a:pPr algn="ctr"/>
+            <a:endParaRPr lang="he-IL"/>
+          </a:p>
+        </p:txBody>
+      </p:sp>
+      <p:sp>
+        <p:nvSpPr>
+          <p:cNvPr id="2053" name="חץ: שמאלה 2052">
+            <a:extLst>
+              <a:ext uri="{FF2B5EF4-FFF2-40B4-BE49-F238E27FC236}">
+                <a16:creationId xmlns:a16="http://schemas.microsoft.com/office/drawing/2014/main" id="{E15483D8-E9B5-1E5C-7E53-0AD367228598}"/>
+              </a:ext>
+            </a:extLst>
+          </p:cNvPr>
+          <p:cNvSpPr/>
+          <p:nvPr/>
+        </p:nvSpPr>
+        <p:spPr>
+          <a:xfrm rot="16200000">
+            <a:off x="9835852" y="3156263"/>
+            <a:ext cx="488189" cy="268881"/>
+          </a:xfrm>
+          <a:prstGeom prst="leftArrow">
+            <a:avLst/>
+          </a:prstGeom>
+        </p:spPr>
+        <p:style>
+          <a:lnRef idx="2">
+            <a:schemeClr val="accent1">
+              <a:shade val="50000"/>
+            </a:schemeClr>
+          </a:lnRef>
+          <a:fillRef idx="1">
+            <a:schemeClr val="accent1"/>
+          </a:fillRef>
+          <a:effectRef idx="0">
+            <a:schemeClr val="accent1"/>
+          </a:effectRef>
+          <a:fontRef idx="minor">
+            <a:schemeClr val="lt1"/>
+          </a:fontRef>
+        </p:style>
+        <p:txBody>
+          <a:bodyPr rtlCol="1" anchor="ctr"/>
+          <a:lstStyle/>
+          <a:p>
+            <a:pPr algn="ctr"/>
+            <a:endParaRPr lang="he-IL"/>
+          </a:p>
+        </p:txBody>
+      </p:sp>
     </p:spTree>
     <p:extLst>
       <p:ext uri="{BB962C8B-B14F-4D97-AF65-F5344CB8AC3E}">
-        <p14:creationId xmlns:p14="http://schemas.microsoft.com/office/powerpoint/2010/main" val="2009862806"/>
+        <p14:creationId xmlns:p14="http://schemas.microsoft.com/office/powerpoint/2010/main" val="46641125"/>
       </p:ext>
     </p:extLst>
   </p:cSld>
   <p:clrMapOvr>
     <a:masterClrMapping/>
   </p:clrMapOvr>
-  <mc:AlternateContent xmlns:mc="http://schemas.openxmlformats.org/markup-compatibility/2006">
-    <mc:Choice xmlns:p14="http://schemas.microsoft.com/office/powerpoint/2010/main" Requires="p14">
+  <mc:AlternateContent xmlns:mc="http://schemas.openxmlformats.org/markup-compatibility/2006" xmlns:p14="http://schemas.microsoft.com/office/powerpoint/2010/main">
+    <mc:Choice Requires="p14">
       <p:transition spd="med" p14:dur="700">
         <p:fade/>
       </p:transition>
     </mc:Choice>
-    <mc:Fallback>
+    <mc:Fallback xmlns="">
       <p:transition spd="med">
         <p:fade/>
       </p:transition>
@@ -19003,12 +20321,14 @@
         </p:nvSpPr>
         <p:spPr>
           <a:xfrm>
-            <a:off x="998687" y="102488"/>
-            <a:ext cx="9903418" cy="1144737"/>
+            <a:off x="935493" y="575018"/>
+            <a:ext cx="9903418" cy="864096"/>
           </a:xfrm>
         </p:spPr>
         <p:txBody>
-          <a:bodyPr/>
+          <a:bodyPr>
+            <a:normAutofit fontScale="90000"/>
+          </a:bodyPr>
           <a:lstStyle/>
           <a:p>
             <a:pPr algn="ctr"/>
@@ -19018,9 +20338,195 @@
                 <a:ea typeface="Tahoma" panose="020B0604030504040204" pitchFamily="34" charset="0"/>
                 <a:cs typeface="Tahoma" panose="020B0604030504040204" pitchFamily="34" charset="0"/>
               </a:rPr>
-              <a:t>מיפוי טכנולוגי</a:t>
+              <a:t>תבנית עיצוב</a:t>
             </a:r>
+            <a:br>
+              <a:rPr lang="he-IL" b="1" dirty="0">
+                <a:latin typeface="Arial Rounded MT Bold" panose="020F0704030504030204" pitchFamily="34" charset="0"/>
+                <a:ea typeface="Tahoma" panose="020B0604030504040204" pitchFamily="34" charset="0"/>
+                <a:cs typeface="Tahoma" panose="020B0604030504040204" pitchFamily="34" charset="0"/>
+              </a:rPr>
+            </a:br>
+            <a:br>
+              <a:rPr lang="en-US" b="1" dirty="0">
+                <a:latin typeface="Arial Rounded MT Bold" panose="020F0704030504030204" pitchFamily="34" charset="0"/>
+                <a:ea typeface="Tahoma" panose="020B0604030504040204" pitchFamily="34" charset="0"/>
+                <a:cs typeface="Tahoma" panose="020B0604030504040204" pitchFamily="34" charset="0"/>
+              </a:rPr>
+            </a:br>
             <a:endParaRPr lang="he-IL" b="1" dirty="0">
+              <a:latin typeface="Tahoma" panose="020B0604030504040204" pitchFamily="34" charset="0"/>
+              <a:ea typeface="Tahoma" panose="020B0604030504040204" pitchFamily="34" charset="0"/>
+              <a:cs typeface="Tahoma" panose="020B0604030504040204" pitchFamily="34" charset="0"/>
+            </a:endParaRPr>
+          </a:p>
+        </p:txBody>
+      </p:sp>
+      <p:sp>
+        <p:nvSpPr>
+          <p:cNvPr id="3" name="מציין מיקום תוכן 2">
+            <a:extLst>
+              <a:ext uri="{FF2B5EF4-FFF2-40B4-BE49-F238E27FC236}">
+                <a16:creationId xmlns:a16="http://schemas.microsoft.com/office/drawing/2014/main" id="{7C6467A5-8000-F6F7-F33E-6584AD0A14E4}"/>
+              </a:ext>
+            </a:extLst>
+          </p:cNvPr>
+          <p:cNvSpPr>
+            <a:spLocks noGrp="1"/>
+          </p:cNvSpPr>
+          <p:nvPr>
+            <p:ph idx="1"/>
+          </p:nvPr>
+        </p:nvSpPr>
+        <p:spPr>
+          <a:xfrm>
+            <a:off x="459813" y="2746812"/>
+            <a:ext cx="10854778" cy="3625506"/>
+          </a:xfrm>
+        </p:spPr>
+        <p:txBody>
+          <a:bodyPr>
+            <a:normAutofit/>
+          </a:bodyPr>
+          <a:lstStyle/>
+          <a:p>
+            <a:pPr marL="0" indent="0">
+              <a:lnSpc>
+                <a:spcPct val="110000"/>
+              </a:lnSpc>
+              <a:buNone/>
+            </a:pPr>
+            <a:endParaRPr lang="en-US" dirty="0">
+              <a:latin typeface="Tahoma" panose="020B0604030504040204" pitchFamily="34" charset="0"/>
+              <a:ea typeface="Tahoma" panose="020B0604030504040204" pitchFamily="34" charset="0"/>
+              <a:cs typeface="Tahoma" panose="020B0604030504040204" pitchFamily="34" charset="0"/>
+            </a:endParaRPr>
+          </a:p>
+          <a:p>
+            <a:pPr marL="0" indent="0">
+              <a:lnSpc>
+                <a:spcPct val="110000"/>
+              </a:lnSpc>
+              <a:buNone/>
+            </a:pPr>
+            <a:endParaRPr lang="en-US" dirty="0">
+              <a:latin typeface="Tahoma" panose="020B0604030504040204" pitchFamily="34" charset="0"/>
+              <a:ea typeface="Tahoma" panose="020B0604030504040204" pitchFamily="34" charset="0"/>
+              <a:cs typeface="Tahoma" panose="020B0604030504040204" pitchFamily="34" charset="0"/>
+            </a:endParaRPr>
+          </a:p>
+          <a:p>
+            <a:pPr marL="0" indent="0">
+              <a:lnSpc>
+                <a:spcPct val="110000"/>
+              </a:lnSpc>
+              <a:buNone/>
+            </a:pPr>
+            <a:endParaRPr lang="en-US" dirty="0">
+              <a:latin typeface="Tahoma" panose="020B0604030504040204" pitchFamily="34" charset="0"/>
+              <a:ea typeface="Tahoma" panose="020B0604030504040204" pitchFamily="34" charset="0"/>
+              <a:cs typeface="Tahoma" panose="020B0604030504040204" pitchFamily="34" charset="0"/>
+            </a:endParaRPr>
+          </a:p>
+          <a:p>
+            <a:pPr marL="0" indent="0">
+              <a:lnSpc>
+                <a:spcPct val="110000"/>
+              </a:lnSpc>
+              <a:buNone/>
+            </a:pPr>
+            <a:endParaRPr lang="en-US" dirty="0">
+              <a:latin typeface="Tahoma" panose="020B0604030504040204" pitchFamily="34" charset="0"/>
+              <a:ea typeface="Tahoma" panose="020B0604030504040204" pitchFamily="34" charset="0"/>
+              <a:cs typeface="Tahoma" panose="020B0604030504040204" pitchFamily="34" charset="0"/>
+            </a:endParaRPr>
+          </a:p>
+          <a:p>
+            <a:pPr marL="0" indent="0">
+              <a:lnSpc>
+                <a:spcPct val="110000"/>
+              </a:lnSpc>
+              <a:buNone/>
+            </a:pPr>
+            <a:endParaRPr lang="en-US" dirty="0">
+              <a:latin typeface="Tahoma" panose="020B0604030504040204" pitchFamily="34" charset="0"/>
+              <a:ea typeface="Tahoma" panose="020B0604030504040204" pitchFamily="34" charset="0"/>
+              <a:cs typeface="Tahoma" panose="020B0604030504040204" pitchFamily="34" charset="0"/>
+            </a:endParaRPr>
+          </a:p>
+          <a:p>
+            <a:pPr marL="0" indent="0">
+              <a:lnSpc>
+                <a:spcPct val="110000"/>
+              </a:lnSpc>
+              <a:buNone/>
+            </a:pPr>
+            <a:endParaRPr lang="en-US" dirty="0">
+              <a:latin typeface="Tahoma" panose="020B0604030504040204" pitchFamily="34" charset="0"/>
+              <a:ea typeface="Tahoma" panose="020B0604030504040204" pitchFamily="34" charset="0"/>
+              <a:cs typeface="Tahoma" panose="020B0604030504040204" pitchFamily="34" charset="0"/>
+            </a:endParaRPr>
+          </a:p>
+          <a:p>
+            <a:pPr marL="0" indent="0">
+              <a:lnSpc>
+                <a:spcPct val="110000"/>
+              </a:lnSpc>
+              <a:buNone/>
+            </a:pPr>
+            <a:endParaRPr lang="en-US" dirty="0">
+              <a:latin typeface="Tahoma" panose="020B0604030504040204" pitchFamily="34" charset="0"/>
+              <a:ea typeface="Tahoma" panose="020B0604030504040204" pitchFamily="34" charset="0"/>
+              <a:cs typeface="Tahoma" panose="020B0604030504040204" pitchFamily="34" charset="0"/>
+            </a:endParaRPr>
+          </a:p>
+          <a:p>
+            <a:pPr marL="0" indent="0">
+              <a:lnSpc>
+                <a:spcPct val="110000"/>
+              </a:lnSpc>
+              <a:buNone/>
+            </a:pPr>
+            <a:endParaRPr lang="en-US" dirty="0">
+              <a:latin typeface="Tahoma" panose="020B0604030504040204" pitchFamily="34" charset="0"/>
+              <a:ea typeface="Tahoma" panose="020B0604030504040204" pitchFamily="34" charset="0"/>
+              <a:cs typeface="Tahoma" panose="020B0604030504040204" pitchFamily="34" charset="0"/>
+            </a:endParaRPr>
+          </a:p>
+          <a:p>
+            <a:pPr marL="0" indent="0">
+              <a:lnSpc>
+                <a:spcPct val="110000"/>
+              </a:lnSpc>
+              <a:buNone/>
+            </a:pPr>
+            <a:endParaRPr lang="en-US" dirty="0">
+              <a:latin typeface="Tahoma" panose="020B0604030504040204" pitchFamily="34" charset="0"/>
+              <a:ea typeface="Tahoma" panose="020B0604030504040204" pitchFamily="34" charset="0"/>
+              <a:cs typeface="Tahoma" panose="020B0604030504040204" pitchFamily="34" charset="0"/>
+            </a:endParaRPr>
+          </a:p>
+          <a:p>
+            <a:pPr marL="0" indent="0">
+              <a:lnSpc>
+                <a:spcPct val="110000"/>
+              </a:lnSpc>
+              <a:buNone/>
+            </a:pPr>
+            <a:endParaRPr lang="he-IL" dirty="0">
+              <a:latin typeface="Tahoma" panose="020B0604030504040204" pitchFamily="34" charset="0"/>
+              <a:ea typeface="Tahoma" panose="020B0604030504040204" pitchFamily="34" charset="0"/>
+              <a:cs typeface="Tahoma" panose="020B0604030504040204" pitchFamily="34" charset="0"/>
+            </a:endParaRPr>
+          </a:p>
+          <a:p>
+            <a:pPr marL="0" indent="0">
+              <a:lnSpc>
+                <a:spcPct val="110000"/>
+              </a:lnSpc>
+              <a:buNone/>
+            </a:pPr>
+            <a:endParaRPr lang="he-IL" dirty="0">
               <a:latin typeface="Tahoma" panose="020B0604030504040204" pitchFamily="34" charset="0"/>
               <a:ea typeface="Tahoma" panose="020B0604030504040204" pitchFamily="34" charset="0"/>
               <a:cs typeface="Tahoma" panose="020B0604030504040204" pitchFamily="34" charset="0"/>
@@ -19065,274 +20571,10 @@
       </p:sp>
       <p:pic>
         <p:nvPicPr>
-          <p:cNvPr id="3090" name="Picture 18" descr="University Projects">
+          <p:cNvPr id="1026" name="Picture 2" descr="MVVM – ויקיפדיה">
             <a:extLst>
               <a:ext uri="{FF2B5EF4-FFF2-40B4-BE49-F238E27FC236}">
-                <a16:creationId xmlns:a16="http://schemas.microsoft.com/office/drawing/2014/main" id="{5CD60C50-17EC-7B03-CCEE-A9EEDFEDCCC7}"/>
-              </a:ext>
-            </a:extLst>
-          </p:cNvPr>
-          <p:cNvPicPr>
-            <a:picLocks noChangeAspect="1" noChangeArrowheads="1"/>
-          </p:cNvPicPr>
-          <p:nvPr/>
-        </p:nvPicPr>
-        <p:blipFill>
-          <a:blip r:embed="rId2">
-            <a:extLst>
-              <a:ext uri="{28A0092B-C50C-407E-A947-70E740481C1C}">
-                <a14:useLocalDpi xmlns:a14="http://schemas.microsoft.com/office/drawing/2010/main" val="0"/>
-              </a:ext>
-            </a:extLst>
-          </a:blip>
-          <a:srcRect/>
-          <a:stretch>
-            <a:fillRect/>
-          </a:stretch>
-        </p:blipFill>
-        <p:spPr bwMode="auto">
-          <a:xfrm>
-            <a:off x="1485900" y="1080681"/>
-            <a:ext cx="9913883" cy="5508287"/>
-          </a:xfrm>
-          <a:prstGeom prst="rect">
-            <a:avLst/>
-          </a:prstGeom>
-          <a:noFill/>
-          <a:extLst>
-            <a:ext uri="{909E8E84-426E-40DD-AFC4-6F175D3DCCD1}">
-              <a14:hiddenFill xmlns:a14="http://schemas.microsoft.com/office/drawing/2010/main">
-                <a:solidFill>
-                  <a:srgbClr val="FFFFFF"/>
-                </a:solidFill>
-              </a14:hiddenFill>
-            </a:ext>
-          </a:extLst>
-        </p:spPr>
-      </p:pic>
-      <p:pic>
-        <p:nvPicPr>
-          <p:cNvPr id="3084" name="Picture 12" descr="בן אדם, ציור היתולי, שמח. | CanStock">
-            <a:extLst>
-              <a:ext uri="{FF2B5EF4-FFF2-40B4-BE49-F238E27FC236}">
-                <a16:creationId xmlns:a16="http://schemas.microsoft.com/office/drawing/2014/main" id="{DAEE6771-598D-93D2-8C35-92B9846A50E4}"/>
-              </a:ext>
-            </a:extLst>
-          </p:cNvPr>
-          <p:cNvPicPr>
-            <a:picLocks noChangeAspect="1" noChangeArrowheads="1"/>
-          </p:cNvPicPr>
-          <p:nvPr/>
-        </p:nvPicPr>
-        <p:blipFill>
-          <a:blip r:embed="rId3">
-            <a:extLst>
-              <a:ext uri="{28A0092B-C50C-407E-A947-70E740481C1C}">
-                <a14:useLocalDpi xmlns:a14="http://schemas.microsoft.com/office/drawing/2010/main" val="0"/>
-              </a:ext>
-            </a:extLst>
-          </a:blip>
-          <a:srcRect/>
-          <a:stretch>
-            <a:fillRect/>
-          </a:stretch>
-        </p:blipFill>
-        <p:spPr bwMode="auto">
-          <a:xfrm>
-            <a:off x="1629916" y="1700808"/>
-            <a:ext cx="1296144" cy="1158411"/>
-          </a:xfrm>
-          <a:prstGeom prst="rect">
-            <a:avLst/>
-          </a:prstGeom>
-          <a:noFill/>
-          <a:extLst>
-            <a:ext uri="{909E8E84-426E-40DD-AFC4-6F175D3DCCD1}">
-              <a14:hiddenFill xmlns:a14="http://schemas.microsoft.com/office/drawing/2010/main">
-                <a:solidFill>
-                  <a:srgbClr val="FFFFFF"/>
-                </a:solidFill>
-              </a14:hiddenFill>
-            </a:ext>
-          </a:extLst>
-        </p:spPr>
-      </p:pic>
-      <p:pic>
-        <p:nvPicPr>
-          <p:cNvPr id="3" name="Picture 8" descr="Google Developers Blog: Firebase expands to become a unified app platform">
-            <a:extLst>
-              <a:ext uri="{FF2B5EF4-FFF2-40B4-BE49-F238E27FC236}">
-                <a16:creationId xmlns:a16="http://schemas.microsoft.com/office/drawing/2014/main" id="{10BF78BA-7E0D-A634-C3EE-2A17595386D6}"/>
-              </a:ext>
-            </a:extLst>
-          </p:cNvPr>
-          <p:cNvPicPr>
-            <a:picLocks noChangeAspect="1" noChangeArrowheads="1"/>
-          </p:cNvPicPr>
-          <p:nvPr/>
-        </p:nvPicPr>
-        <p:blipFill>
-          <a:blip r:embed="rId4" cstate="print">
-            <a:extLst>
-              <a:ext uri="{28A0092B-C50C-407E-A947-70E740481C1C}">
-                <a14:useLocalDpi xmlns:a14="http://schemas.microsoft.com/office/drawing/2010/main" val="0"/>
-              </a:ext>
-            </a:extLst>
-          </a:blip>
-          <a:srcRect/>
-          <a:stretch>
-            <a:fillRect/>
-          </a:stretch>
-        </p:blipFill>
-        <p:spPr bwMode="auto">
-          <a:xfrm>
-            <a:off x="9846331" y="2708920"/>
-            <a:ext cx="1281140" cy="656890"/>
-          </a:xfrm>
-          <a:prstGeom prst="rect">
-            <a:avLst/>
-          </a:prstGeom>
-          <a:noFill/>
-          <a:extLst>
-            <a:ext uri="{909E8E84-426E-40DD-AFC4-6F175D3DCCD1}">
-              <a14:hiddenFill xmlns:a14="http://schemas.microsoft.com/office/drawing/2010/main">
-                <a:solidFill>
-                  <a:srgbClr val="FFFFFF"/>
-                </a:solidFill>
-              </a14:hiddenFill>
-            </a:ext>
-          </a:extLst>
-        </p:spPr>
-      </p:pic>
-      <p:sp>
-        <p:nvSpPr>
-          <p:cNvPr id="6" name="תיבת טקסט 5">
-            <a:extLst>
-              <a:ext uri="{FF2B5EF4-FFF2-40B4-BE49-F238E27FC236}">
-                <a16:creationId xmlns:a16="http://schemas.microsoft.com/office/drawing/2014/main" id="{5E1D23BF-0B63-9FB0-FAD7-39A65F1F8293}"/>
-              </a:ext>
-            </a:extLst>
-          </p:cNvPr>
-          <p:cNvSpPr txBox="1"/>
-          <p:nvPr/>
-        </p:nvSpPr>
-        <p:spPr>
-          <a:xfrm>
-            <a:off x="9694812" y="4848837"/>
-            <a:ext cx="1901429" cy="738664"/>
-          </a:xfrm>
-          <a:prstGeom prst="rect">
-            <a:avLst/>
-          </a:prstGeom>
-          <a:noFill/>
-        </p:spPr>
-        <p:txBody>
-          <a:bodyPr wrap="square">
-            <a:spAutoFit/>
-          </a:bodyPr>
-          <a:lstStyle/>
-          <a:p>
-            <a:pPr algn="ctr" rtl="1"/>
-            <a:r>
-              <a:rPr lang="he-IL" sz="1400" dirty="0">
-                <a:solidFill>
-                  <a:schemeClr val="bg1"/>
-                </a:solidFill>
-                <a:latin typeface="Tahoma" panose="020B0604030504040204" pitchFamily="34" charset="0"/>
-                <a:ea typeface="Tahoma" panose="020B0604030504040204" pitchFamily="34" charset="0"/>
-                <a:cs typeface="Tahoma" panose="020B0604030504040204" pitchFamily="34" charset="0"/>
-              </a:rPr>
-              <a:t>שכבת הגישה לנתונים</a:t>
-            </a:r>
-          </a:p>
-          <a:p>
-            <a:pPr algn="ctr" rtl="1"/>
-            <a:r>
-              <a:rPr lang="en-US" sz="1400" dirty="0">
-                <a:solidFill>
-                  <a:schemeClr val="bg1"/>
-                </a:solidFill>
-                <a:latin typeface="Tahoma" panose="020B0604030504040204" pitchFamily="34" charset="0"/>
-                <a:ea typeface="Tahoma" panose="020B0604030504040204" pitchFamily="34" charset="0"/>
-                <a:cs typeface="Tahoma" panose="020B0604030504040204" pitchFamily="34" charset="0"/>
-              </a:rPr>
-              <a:t> </a:t>
-            </a:r>
-            <a:r>
-              <a:rPr lang="en-US" sz="1400" dirty="0" err="1">
-                <a:solidFill>
-                  <a:schemeClr val="bg1"/>
-                </a:solidFill>
-                <a:latin typeface="Tahoma" panose="020B0604030504040204" pitchFamily="34" charset="0"/>
-                <a:ea typeface="Tahoma" panose="020B0604030504040204" pitchFamily="34" charset="0"/>
-                <a:cs typeface="Tahoma" panose="020B0604030504040204" pitchFamily="34" charset="0"/>
-              </a:rPr>
-              <a:t>DataBase</a:t>
-            </a:r>
-            <a:endParaRPr lang="he-IL" sz="1400" dirty="0">
-              <a:solidFill>
-                <a:schemeClr val="bg1"/>
-              </a:solidFill>
-              <a:latin typeface="Tahoma" panose="020B0604030504040204" pitchFamily="34" charset="0"/>
-              <a:ea typeface="Tahoma" panose="020B0604030504040204" pitchFamily="34" charset="0"/>
-              <a:cs typeface="Tahoma" panose="020B0604030504040204" pitchFamily="34" charset="0"/>
-            </a:endParaRPr>
-          </a:p>
-        </p:txBody>
-      </p:sp>
-      <p:pic>
-        <p:nvPicPr>
-          <p:cNvPr id="8" name="Picture 6" descr="Why is Android Studio still such a gruesome embarrassment? | TechCrunch">
-            <a:extLst>
-              <a:ext uri="{FF2B5EF4-FFF2-40B4-BE49-F238E27FC236}">
-                <a16:creationId xmlns:a16="http://schemas.microsoft.com/office/drawing/2014/main" id="{558D481B-E8CA-6BB8-5B27-395AC98FCC6F}"/>
-              </a:ext>
-            </a:extLst>
-          </p:cNvPr>
-          <p:cNvPicPr>
-            <a:picLocks noChangeAspect="1" noChangeArrowheads="1"/>
-          </p:cNvPicPr>
-          <p:nvPr/>
-        </p:nvPicPr>
-        <p:blipFill>
-          <a:blip r:embed="rId5">
-            <a:extLst>
-              <a:ext uri="{28A0092B-C50C-407E-A947-70E740481C1C}">
-                <a14:useLocalDpi xmlns:a14="http://schemas.microsoft.com/office/drawing/2010/main" val="0"/>
-              </a:ext>
-            </a:extLst>
-          </a:blip>
-          <a:srcRect/>
-          <a:stretch>
-            <a:fillRect/>
-          </a:stretch>
-        </p:blipFill>
-        <p:spPr bwMode="auto">
-          <a:xfrm>
-            <a:off x="4294112" y="4707641"/>
-            <a:ext cx="2376264" cy="1041502"/>
-          </a:xfrm>
-          <a:prstGeom prst="rect">
-            <a:avLst/>
-          </a:prstGeom>
-          <a:noFill/>
-          <a:extLst>
-            <a:ext uri="{909E8E84-426E-40DD-AFC4-6F175D3DCCD1}">
-              <a14:hiddenFill xmlns:a14="http://schemas.microsoft.com/office/drawing/2010/main">
-                <a:solidFill>
-                  <a:srgbClr val="FFFFFF"/>
-                </a:solidFill>
-              </a14:hiddenFill>
-            </a:ext>
-          </a:extLst>
-        </p:spPr>
-      </p:pic>
-      <p:pic>
-        <p:nvPicPr>
-          <p:cNvPr id="10" name="Picture 10" descr="Getting Started with Firebase Firestore | by Jason Byrne | FloSports  Engineering">
-            <a:extLst>
-              <a:ext uri="{FF2B5EF4-FFF2-40B4-BE49-F238E27FC236}">
-                <a16:creationId xmlns:a16="http://schemas.microsoft.com/office/drawing/2014/main" id="{0B05FF5B-E203-20C9-D43F-FD059A4EC4B8}"/>
+                <a16:creationId xmlns:a16="http://schemas.microsoft.com/office/drawing/2014/main" id="{4888D79A-7BA7-0AA5-6CEF-5105B1DC84C9}"/>
               </a:ext>
             </a:extLst>
           </p:cNvPr>
@@ -19342,109 +20584,27 @@
           <p:nvPr/>
         </p:nvPicPr>
         <p:blipFill rotWithShape="1">
-          <a:blip r:embed="rId6">
+          <a:blip r:embed="rId2">
+            <a:duotone>
+              <a:schemeClr val="accent6">
+                <a:shade val="45000"/>
+                <a:satMod val="135000"/>
+              </a:schemeClr>
+              <a:prstClr val="white"/>
+            </a:duotone>
             <a:extLst>
               <a:ext uri="{28A0092B-C50C-407E-A947-70E740481C1C}">
                 <a14:useLocalDpi xmlns:a14="http://schemas.microsoft.com/office/drawing/2010/main" val="0"/>
               </a:ext>
             </a:extLst>
           </a:blip>
-          <a:srcRect t="5005" b="8707"/>
+          <a:srcRect t="1249" b="15192"/>
           <a:stretch/>
         </p:blipFill>
         <p:spPr bwMode="auto">
           <a:xfrm>
-            <a:off x="6670426" y="3487565"/>
-            <a:ext cx="2376314" cy="946042"/>
-          </a:xfrm>
-          <a:prstGeom prst="rect">
-            <a:avLst/>
-          </a:prstGeom>
-          <a:noFill/>
-          <a:extLst>
-            <a:ext uri="{909E8E84-426E-40DD-AFC4-6F175D3DCCD1}">
-              <a14:hiddenFill xmlns:a14="http://schemas.microsoft.com/office/drawing/2010/main">
-                <a:solidFill>
-                  <a:srgbClr val="FFFFFF"/>
-                </a:solidFill>
-              </a14:hiddenFill>
-            </a:ext>
-          </a:extLst>
-        </p:spPr>
-      </p:pic>
-      <p:sp>
-        <p:nvSpPr>
-          <p:cNvPr id="13" name="תיבת טקסט 12">
-            <a:extLst>
-              <a:ext uri="{FF2B5EF4-FFF2-40B4-BE49-F238E27FC236}">
-                <a16:creationId xmlns:a16="http://schemas.microsoft.com/office/drawing/2014/main" id="{C50183F5-6D33-3B59-895A-4F7CC875B634}"/>
-              </a:ext>
-            </a:extLst>
-          </p:cNvPr>
-          <p:cNvSpPr txBox="1"/>
-          <p:nvPr/>
-        </p:nvSpPr>
-        <p:spPr>
-          <a:xfrm>
-            <a:off x="6670476" y="4367194"/>
-            <a:ext cx="2376264" cy="523220"/>
-          </a:xfrm>
-          <a:prstGeom prst="rect">
-            <a:avLst/>
-          </a:prstGeom>
-          <a:noFill/>
-        </p:spPr>
-        <p:txBody>
-          <a:bodyPr wrap="square">
-            <a:spAutoFit/>
-          </a:bodyPr>
-          <a:lstStyle/>
-          <a:p>
-            <a:pPr algn="ctr"/>
-            <a:r>
-              <a:rPr lang="he-IL" sz="1400" dirty="0">
-                <a:solidFill>
-                  <a:schemeClr val="bg1"/>
-                </a:solidFill>
-                <a:latin typeface="Tahoma" panose="020B0604030504040204" pitchFamily="34" charset="0"/>
-                <a:ea typeface="Tahoma" panose="020B0604030504040204" pitchFamily="34" charset="0"/>
-                <a:cs typeface="Tahoma" panose="020B0604030504040204" pitchFamily="34" charset="0"/>
-              </a:rPr>
-              <a:t>שכבת לוגיקה עסקית-שרת אפליקציה</a:t>
-            </a:r>
-          </a:p>
-        </p:txBody>
-      </p:sp>
-      <p:pic>
-        <p:nvPicPr>
-          <p:cNvPr id="16" name="תמונה 15">
-            <a:extLst>
-              <a:ext uri="{FF2B5EF4-FFF2-40B4-BE49-F238E27FC236}">
-                <a16:creationId xmlns:a16="http://schemas.microsoft.com/office/drawing/2014/main" id="{F9506718-CB39-34DC-13E6-BC42965B5839}"/>
-              </a:ext>
-            </a:extLst>
-          </p:cNvPr>
-          <p:cNvPicPr>
-            <a:picLocks noChangeAspect="1"/>
-          </p:cNvPicPr>
-          <p:nvPr/>
-        </p:nvPicPr>
-        <p:blipFill>
-          <a:blip r:embed="rId7" cstate="print">
-            <a:extLst>
-              <a:ext uri="{28A0092B-C50C-407E-A947-70E740481C1C}">
-                <a14:useLocalDpi xmlns:a14="http://schemas.microsoft.com/office/drawing/2010/main" val="0"/>
-              </a:ext>
-            </a:extLst>
-          </a:blip>
-          <a:stretch>
-            <a:fillRect/>
-          </a:stretch>
-        </p:blipFill>
-        <p:spPr>
-          <a:xfrm>
-            <a:off x="4329914" y="2150359"/>
-            <a:ext cx="2340462" cy="1041502"/>
+            <a:off x="391414" y="1007066"/>
+            <a:ext cx="7911956" cy="1983330"/>
           </a:xfrm>
           <a:prstGeom prst="roundRect">
             <a:avLst>
@@ -19475,14 +20635,23 @@
               <a:srgbClr val="C0C0C0"/>
             </a:contourClr>
           </a:sp3d>
+          <a:extLst>
+            <a:ext uri="{909E8E84-426E-40DD-AFC4-6F175D3DCCD1}">
+              <a14:hiddenFill xmlns:a14="http://schemas.microsoft.com/office/drawing/2010/main">
+                <a:solidFill>
+                  <a:srgbClr val="FFFFFF"/>
+                </a:solidFill>
+              </a14:hiddenFill>
+            </a:ext>
+          </a:extLst>
         </p:spPr>
       </p:pic>
       <p:sp>
         <p:nvSpPr>
-          <p:cNvPr id="18" name="תיבת טקסט 17">
+          <p:cNvPr id="6" name="תיבת טקסט 5">
             <a:extLst>
               <a:ext uri="{FF2B5EF4-FFF2-40B4-BE49-F238E27FC236}">
-                <a16:creationId xmlns:a16="http://schemas.microsoft.com/office/drawing/2014/main" id="{B3AEB590-6EF4-92B1-AB7E-1A1E8668811B}"/>
+                <a16:creationId xmlns:a16="http://schemas.microsoft.com/office/drawing/2014/main" id="{2A37BE1B-901B-AEA3-BFAE-876DEC30D6E0}"/>
               </a:ext>
             </a:extLst>
           </p:cNvPr>
@@ -19491,8 +20660,196 @@
         </p:nvSpPr>
         <p:spPr>
           <a:xfrm>
-            <a:off x="5866777" y="2150359"/>
-            <a:ext cx="1152128" cy="646331"/>
+            <a:off x="380998" y="3131796"/>
+            <a:ext cx="1728192" cy="646331"/>
+          </a:xfrm>
+          <a:prstGeom prst="rect">
+            <a:avLst/>
+          </a:prstGeom>
+          <a:noFill/>
+        </p:spPr>
+        <p:txBody>
+          <a:bodyPr wrap="square" rtlCol="1">
+            <a:spAutoFit/>
+          </a:bodyPr>
+          <a:lstStyle/>
+          <a:p>
+            <a:pPr marL="285750" indent="-285750" algn="r" rtl="1">
+              <a:buFont typeface="Arial" panose="020B0604020202020204" pitchFamily="34" charset="0"/>
+              <a:buChar char="•"/>
+            </a:pPr>
+            <a:r>
+              <a:rPr lang="en-US" dirty="0">
+                <a:latin typeface="Tahoma" panose="020B0604030504040204" pitchFamily="34" charset="0"/>
+                <a:ea typeface="Tahoma" panose="020B0604030504040204" pitchFamily="34" charset="0"/>
+                <a:cs typeface="Tahoma" panose="020B0604030504040204" pitchFamily="34" charset="0"/>
+              </a:rPr>
+              <a:t>XML</a:t>
+            </a:r>
+          </a:p>
+          <a:p>
+            <a:pPr marL="285750" indent="-285750" algn="r" rtl="1">
+              <a:buFont typeface="Arial" panose="020B0604020202020204" pitchFamily="34" charset="0"/>
+              <a:buChar char="•"/>
+            </a:pPr>
+            <a:endParaRPr lang="he-IL" dirty="0"/>
+          </a:p>
+        </p:txBody>
+      </p:sp>
+      <p:sp>
+        <p:nvSpPr>
+          <p:cNvPr id="7" name="תיבת טקסט 6">
+            <a:extLst>
+              <a:ext uri="{FF2B5EF4-FFF2-40B4-BE49-F238E27FC236}">
+                <a16:creationId xmlns:a16="http://schemas.microsoft.com/office/drawing/2014/main" id="{181929C9-738D-96A9-49D9-29657C9D4A32}"/>
+              </a:ext>
+            </a:extLst>
+          </p:cNvPr>
+          <p:cNvSpPr txBox="1"/>
+          <p:nvPr/>
+        </p:nvSpPr>
+        <p:spPr>
+          <a:xfrm>
+            <a:off x="1773932" y="3131796"/>
+            <a:ext cx="3690209" cy="646331"/>
+          </a:xfrm>
+          <a:prstGeom prst="rect">
+            <a:avLst/>
+          </a:prstGeom>
+          <a:noFill/>
+        </p:spPr>
+        <p:txBody>
+          <a:bodyPr wrap="square" rtlCol="1">
+            <a:spAutoFit/>
+          </a:bodyPr>
+          <a:lstStyle/>
+          <a:p>
+            <a:pPr marL="285750" indent="-285750" algn="r" rtl="1">
+              <a:buFont typeface="Arial" panose="020B0604020202020204" pitchFamily="34" charset="0"/>
+              <a:buChar char="•"/>
+            </a:pPr>
+            <a:r>
+              <a:rPr lang="en-US" dirty="0">
+                <a:latin typeface="Tahoma" panose="020B0604030504040204" pitchFamily="34" charset="0"/>
+                <a:ea typeface="Tahoma" panose="020B0604030504040204" pitchFamily="34" charset="0"/>
+                <a:cs typeface="Tahoma" panose="020B0604030504040204" pitchFamily="34" charset="0"/>
+              </a:rPr>
+              <a:t>ACTIVITY</a:t>
+            </a:r>
+          </a:p>
+          <a:p>
+            <a:pPr marL="285750" indent="-285750" algn="r" rtl="1">
+              <a:buFont typeface="Arial" panose="020B0604020202020204" pitchFamily="34" charset="0"/>
+              <a:buChar char="•"/>
+            </a:pPr>
+            <a:r>
+              <a:rPr lang="he-IL" dirty="0">
+                <a:latin typeface="Tahoma" panose="020B0604030504040204" pitchFamily="34" charset="0"/>
+                <a:ea typeface="Tahoma" panose="020B0604030504040204" pitchFamily="34" charset="0"/>
+                <a:cs typeface="Tahoma" panose="020B0604030504040204" pitchFamily="34" charset="0"/>
+              </a:rPr>
+              <a:t>קישור בין הלוגיקה לתצוגה</a:t>
+            </a:r>
+          </a:p>
+        </p:txBody>
+      </p:sp>
+      <p:sp>
+        <p:nvSpPr>
+          <p:cNvPr id="8" name="תיבת טקסט 7">
+            <a:extLst>
+              <a:ext uri="{FF2B5EF4-FFF2-40B4-BE49-F238E27FC236}">
+                <a16:creationId xmlns:a16="http://schemas.microsoft.com/office/drawing/2014/main" id="{F3311A5E-B4E0-14C4-F04E-B52215F3B1A9}"/>
+              </a:ext>
+            </a:extLst>
+          </p:cNvPr>
+          <p:cNvSpPr txBox="1"/>
+          <p:nvPr/>
+        </p:nvSpPr>
+        <p:spPr>
+          <a:xfrm>
+            <a:off x="5298154" y="3061681"/>
+            <a:ext cx="3175780" cy="923330"/>
+          </a:xfrm>
+          <a:prstGeom prst="rect">
+            <a:avLst/>
+          </a:prstGeom>
+          <a:noFill/>
+        </p:spPr>
+        <p:txBody>
+          <a:bodyPr wrap="square" rtlCol="1">
+            <a:spAutoFit/>
+          </a:bodyPr>
+          <a:lstStyle/>
+          <a:p>
+            <a:pPr marL="285750" indent="-285750" algn="r" rtl="1">
+              <a:buFont typeface="Arial" panose="020B0604020202020204" pitchFamily="34" charset="0"/>
+              <a:buChar char="•"/>
+            </a:pPr>
+            <a:r>
+              <a:rPr lang="en-US" dirty="0">
+                <a:latin typeface="Tahoma" panose="020B0604030504040204" pitchFamily="34" charset="0"/>
+                <a:ea typeface="Tahoma" panose="020B0604030504040204" pitchFamily="34" charset="0"/>
+                <a:cs typeface="Tahoma" panose="020B0604030504040204" pitchFamily="34" charset="0"/>
+              </a:rPr>
+              <a:t>Classes</a:t>
+            </a:r>
+          </a:p>
+          <a:p>
+            <a:pPr marL="285750" indent="-285750" algn="r" rtl="1">
+              <a:buFont typeface="Arial" panose="020B0604020202020204" pitchFamily="34" charset="0"/>
+              <a:buChar char="•"/>
+            </a:pPr>
+            <a:r>
+              <a:rPr lang="en-US" dirty="0">
+                <a:latin typeface="Tahoma" panose="020B0604030504040204" pitchFamily="34" charset="0"/>
+                <a:ea typeface="Tahoma" panose="020B0604030504040204" pitchFamily="34" charset="0"/>
+                <a:cs typeface="Tahoma" panose="020B0604030504040204" pitchFamily="34" charset="0"/>
+              </a:rPr>
+              <a:t>API</a:t>
+            </a:r>
+            <a:r>
+              <a:rPr lang="he-IL" dirty="0">
+                <a:latin typeface="Tahoma" panose="020B0604030504040204" pitchFamily="34" charset="0"/>
+                <a:ea typeface="Tahoma" panose="020B0604030504040204" pitchFamily="34" charset="0"/>
+                <a:cs typeface="Tahoma" panose="020B0604030504040204" pitchFamily="34" charset="0"/>
+              </a:rPr>
+              <a:t> של ההתחברות לשרת</a:t>
+            </a:r>
+            <a:endParaRPr lang="en-US" dirty="0">
+              <a:latin typeface="Tahoma" panose="020B0604030504040204" pitchFamily="34" charset="0"/>
+              <a:ea typeface="Tahoma" panose="020B0604030504040204" pitchFamily="34" charset="0"/>
+              <a:cs typeface="Tahoma" panose="020B0604030504040204" pitchFamily="34" charset="0"/>
+            </a:endParaRPr>
+          </a:p>
+          <a:p>
+            <a:pPr marL="285750" indent="-285750" algn="r" rtl="1">
+              <a:buFont typeface="Arial" panose="020B0604020202020204" pitchFamily="34" charset="0"/>
+              <a:buChar char="•"/>
+            </a:pPr>
+            <a:endParaRPr lang="he-IL" dirty="0">
+              <a:latin typeface="Tahoma" panose="020B0604030504040204" pitchFamily="34" charset="0"/>
+              <a:ea typeface="Tahoma" panose="020B0604030504040204" pitchFamily="34" charset="0"/>
+              <a:cs typeface="Tahoma" panose="020B0604030504040204" pitchFamily="34" charset="0"/>
+            </a:endParaRPr>
+          </a:p>
+        </p:txBody>
+      </p:sp>
+      <p:sp>
+        <p:nvSpPr>
+          <p:cNvPr id="10" name="תיבת טקסט 9">
+            <a:extLst>
+              <a:ext uri="{FF2B5EF4-FFF2-40B4-BE49-F238E27FC236}">
+                <a16:creationId xmlns:a16="http://schemas.microsoft.com/office/drawing/2014/main" id="{F825FDFE-083D-94D4-F56D-9DCBE038126C}"/>
+              </a:ext>
+            </a:extLst>
+          </p:cNvPr>
+          <p:cNvSpPr txBox="1"/>
+          <p:nvPr/>
+        </p:nvSpPr>
+        <p:spPr>
+          <a:xfrm>
+            <a:off x="9550796" y="1454758"/>
+            <a:ext cx="1984131" cy="369332"/>
           </a:xfrm>
           <a:prstGeom prst="rect">
             <a:avLst/>
@@ -19506,36 +20863,317 @@
           <a:lstStyle/>
           <a:p>
             <a:r>
-              <a:rPr lang="he-IL" dirty="0">
+              <a:rPr lang="en-US" b="1" dirty="0">
+                <a:latin typeface="Arial Rounded MT Bold" panose="020F0704030504030204" pitchFamily="34" charset="0"/>
+                <a:ea typeface="Tahoma" panose="020B0604030504040204" pitchFamily="34" charset="0"/>
+                <a:cs typeface="Tahoma" panose="020B0604030504040204" pitchFamily="34" charset="0"/>
+              </a:rPr>
+              <a:t>MVVM</a:t>
+            </a:r>
+            <a:r>
+              <a:rPr lang="he-IL" b="1" dirty="0">
+                <a:latin typeface="Arial Rounded MT Bold" panose="020F0704030504030204" pitchFamily="34" charset="0"/>
+                <a:ea typeface="Tahoma" panose="020B0604030504040204" pitchFamily="34" charset="0"/>
+                <a:cs typeface="Tahoma" panose="020B0604030504040204" pitchFamily="34" charset="0"/>
+              </a:rPr>
+              <a:t> צד לקוח </a:t>
+            </a:r>
+            <a:r>
+              <a:rPr lang="en-US" b="1" dirty="0">
+                <a:latin typeface="Arial Rounded MT Bold" panose="020F0704030504030204" pitchFamily="34" charset="0"/>
+                <a:ea typeface="Tahoma" panose="020B0604030504040204" pitchFamily="34" charset="0"/>
+                <a:cs typeface="Tahoma" panose="020B0604030504040204" pitchFamily="34" charset="0"/>
+              </a:rPr>
+              <a:t> </a:t>
+            </a:r>
+            <a:endParaRPr lang="he-IL" dirty="0"/>
+          </a:p>
+        </p:txBody>
+      </p:sp>
+      <p:sp>
+        <p:nvSpPr>
+          <p:cNvPr id="12" name="תיבת טקסט 11">
+            <a:extLst>
+              <a:ext uri="{FF2B5EF4-FFF2-40B4-BE49-F238E27FC236}">
+                <a16:creationId xmlns:a16="http://schemas.microsoft.com/office/drawing/2014/main" id="{5410DA21-1DDF-B772-F294-47CD2A6216DA}"/>
+              </a:ext>
+            </a:extLst>
+          </p:cNvPr>
+          <p:cNvSpPr txBox="1"/>
+          <p:nvPr/>
+        </p:nvSpPr>
+        <p:spPr>
+          <a:xfrm>
+            <a:off x="9873210" y="5013176"/>
+            <a:ext cx="1837827" cy="369332"/>
+          </a:xfrm>
+          <a:prstGeom prst="rect">
+            <a:avLst/>
+          </a:prstGeom>
+          <a:noFill/>
+        </p:spPr>
+        <p:txBody>
+          <a:bodyPr wrap="square">
+            <a:spAutoFit/>
+          </a:bodyPr>
+          <a:lstStyle/>
+          <a:p>
+            <a:r>
+              <a:rPr lang="en-US" b="1" dirty="0">
+                <a:latin typeface="Arial Rounded MT Bold" panose="020F0704030504030204" pitchFamily="34" charset="0"/>
+                <a:ea typeface="Tahoma" panose="020B0604030504040204" pitchFamily="34" charset="0"/>
+                <a:cs typeface="Tahoma" panose="020B0604030504040204" pitchFamily="34" charset="0"/>
+              </a:rPr>
+              <a:t>MVC</a:t>
+            </a:r>
+            <a:r>
+              <a:rPr lang="he-IL" b="1" dirty="0">
+                <a:latin typeface="Arial Rounded MT Bold" panose="020F0704030504030204" pitchFamily="34" charset="0"/>
+                <a:ea typeface="Tahoma" panose="020B0604030504040204" pitchFamily="34" charset="0"/>
+                <a:cs typeface="Tahoma" panose="020B0604030504040204" pitchFamily="34" charset="0"/>
+              </a:rPr>
+              <a:t> צד שרת </a:t>
+            </a:r>
+            <a:r>
+              <a:rPr lang="en-US" b="1" dirty="0">
+                <a:latin typeface="Arial Rounded MT Bold" panose="020F0704030504030204" pitchFamily="34" charset="0"/>
+                <a:ea typeface="Tahoma" panose="020B0604030504040204" pitchFamily="34" charset="0"/>
+                <a:cs typeface="Tahoma" panose="020B0604030504040204" pitchFamily="34" charset="0"/>
+              </a:rPr>
+              <a:t> </a:t>
+            </a:r>
+            <a:endParaRPr lang="he-IL" dirty="0"/>
+          </a:p>
+        </p:txBody>
+      </p:sp>
+      <p:pic>
+        <p:nvPicPr>
+          <p:cNvPr id="1032" name="Picture 8" descr="Model View Controller – ויקיפדיה">
+            <a:extLst>
+              <a:ext uri="{FF2B5EF4-FFF2-40B4-BE49-F238E27FC236}">
+                <a16:creationId xmlns:a16="http://schemas.microsoft.com/office/drawing/2014/main" id="{914AB7C6-B510-1B6C-0C1F-14151A2D5806}"/>
+              </a:ext>
+            </a:extLst>
+          </p:cNvPr>
+          <p:cNvPicPr>
+            <a:picLocks noChangeAspect="1" noChangeArrowheads="1"/>
+          </p:cNvPicPr>
+          <p:nvPr/>
+        </p:nvPicPr>
+        <p:blipFill>
+          <a:blip r:embed="rId3">
+            <a:duotone>
+              <a:prstClr val="black"/>
+              <a:schemeClr val="accent2">
+                <a:tint val="45000"/>
+                <a:satMod val="400000"/>
+              </a:schemeClr>
+            </a:duotone>
+            <a:extLst>
+              <a:ext uri="{28A0092B-C50C-407E-A947-70E740481C1C}">
+                <a14:useLocalDpi xmlns:a14="http://schemas.microsoft.com/office/drawing/2010/main" val="0"/>
+              </a:ext>
+            </a:extLst>
+          </a:blip>
+          <a:srcRect/>
+          <a:stretch>
+            <a:fillRect/>
+          </a:stretch>
+        </p:blipFill>
+        <p:spPr bwMode="auto">
+          <a:xfrm>
+            <a:off x="1881716" y="3985011"/>
+            <a:ext cx="5328592" cy="2397329"/>
+          </a:xfrm>
+          <a:prstGeom prst="roundRect">
+            <a:avLst>
+              <a:gd name="adj" fmla="val 4167"/>
+            </a:avLst>
+          </a:prstGeom>
+          <a:solidFill>
+            <a:srgbClr val="FFFFFF"/>
+          </a:solidFill>
+          <a:ln w="76200" cap="sq">
+            <a:solidFill>
+              <a:srgbClr val="292929"/>
+            </a:solidFill>
+            <a:miter lim="800000"/>
+          </a:ln>
+          <a:effectLst>
+            <a:reflection blurRad="12700" stA="28000" endPos="28000" dist="5000" dir="5400000" sy="-100000" algn="bl" rotWithShape="0"/>
+          </a:effectLst>
+          <a:scene3d>
+            <a:camera prst="orthographicFront"/>
+            <a:lightRig rig="threePt" dir="t">
+              <a:rot lat="0" lon="0" rev="2700000"/>
+            </a:lightRig>
+          </a:scene3d>
+          <a:sp3d>
+            <a:bevelT h="38100"/>
+            <a:contourClr>
+              <a:srgbClr val="C0C0C0"/>
+            </a:contourClr>
+          </a:sp3d>
+          <a:extLst>
+            <a:ext uri="{909E8E84-426E-40DD-AFC4-6F175D3DCCD1}">
+              <a14:hiddenFill xmlns:a14="http://schemas.microsoft.com/office/drawing/2010/main">
+                <a:solidFill>
+                  <a:srgbClr val="FFFFFF"/>
+                </a:solidFill>
+              </a14:hiddenFill>
+            </a:ext>
+          </a:extLst>
+        </p:spPr>
+      </p:pic>
+      <p:sp>
+        <p:nvSpPr>
+          <p:cNvPr id="13" name="תיבת טקסט 12">
+            <a:extLst>
+              <a:ext uri="{FF2B5EF4-FFF2-40B4-BE49-F238E27FC236}">
+                <a16:creationId xmlns:a16="http://schemas.microsoft.com/office/drawing/2014/main" id="{55C8E678-FF43-1444-CAA5-8F1E01F5CC90}"/>
+              </a:ext>
+            </a:extLst>
+          </p:cNvPr>
+          <p:cNvSpPr txBox="1"/>
+          <p:nvPr/>
+        </p:nvSpPr>
+        <p:spPr>
+          <a:xfrm>
+            <a:off x="2109190" y="5994443"/>
+            <a:ext cx="936104" cy="369332"/>
+          </a:xfrm>
+          <a:prstGeom prst="rect">
+            <a:avLst/>
+          </a:prstGeom>
+          <a:noFill/>
+        </p:spPr>
+        <p:txBody>
+          <a:bodyPr wrap="square" rtlCol="1">
+            <a:spAutoFit/>
+          </a:bodyPr>
+          <a:lstStyle/>
+          <a:p>
+            <a:r>
+              <a:rPr lang="en-US" dirty="0">
                 <a:solidFill>
                   <a:schemeClr val="bg1"/>
                 </a:solidFill>
-                <a:latin typeface="Tahoma" panose="020B0604030504040204" pitchFamily="34" charset="0"/>
-                <a:ea typeface="Tahoma" panose="020B0604030504040204" pitchFamily="34" charset="0"/>
-                <a:cs typeface="Tahoma" panose="020B0604030504040204" pitchFamily="34" charset="0"/>
               </a:rPr>
-              <a:t>שכבת התצוגה</a:t>
+              <a:t>app.js </a:t>
             </a:r>
+            <a:endParaRPr lang="he-IL" dirty="0">
+              <a:solidFill>
+                <a:schemeClr val="bg1"/>
+              </a:solidFill>
+            </a:endParaRPr>
+          </a:p>
+        </p:txBody>
+      </p:sp>
+      <p:sp>
+        <p:nvSpPr>
+          <p:cNvPr id="14" name="תיבת טקסט 13">
+            <a:extLst>
+              <a:ext uri="{FF2B5EF4-FFF2-40B4-BE49-F238E27FC236}">
+                <a16:creationId xmlns:a16="http://schemas.microsoft.com/office/drawing/2014/main" id="{C1A35FF9-6A33-FA97-18F1-532CAF32F1AB}"/>
+              </a:ext>
+            </a:extLst>
+          </p:cNvPr>
+          <p:cNvSpPr txBox="1"/>
+          <p:nvPr/>
+        </p:nvSpPr>
+        <p:spPr>
+          <a:xfrm>
+            <a:off x="6274204" y="6013008"/>
+            <a:ext cx="936104" cy="369332"/>
+          </a:xfrm>
+          <a:prstGeom prst="rect">
+            <a:avLst/>
+          </a:prstGeom>
+          <a:noFill/>
+        </p:spPr>
+        <p:txBody>
+          <a:bodyPr wrap="square" rtlCol="1">
+            <a:spAutoFit/>
+          </a:bodyPr>
+          <a:lstStyle/>
+          <a:p>
+            <a:r>
+              <a:rPr lang="en-US" dirty="0">
+                <a:solidFill>
+                  <a:schemeClr val="bg1"/>
+                </a:solidFill>
+              </a:rPr>
+              <a:t>model </a:t>
+            </a:r>
+            <a:endParaRPr lang="he-IL" dirty="0">
+              <a:solidFill>
+                <a:schemeClr val="bg1"/>
+              </a:solidFill>
+            </a:endParaRPr>
+          </a:p>
+        </p:txBody>
+      </p:sp>
+      <p:sp>
+        <p:nvSpPr>
+          <p:cNvPr id="15" name="תיבת טקסט 14">
+            <a:extLst>
+              <a:ext uri="{FF2B5EF4-FFF2-40B4-BE49-F238E27FC236}">
+                <a16:creationId xmlns:a16="http://schemas.microsoft.com/office/drawing/2014/main" id="{19DB0DC2-0DC1-B560-1F53-FD3654839AA3}"/>
+              </a:ext>
+            </a:extLst>
+          </p:cNvPr>
+          <p:cNvSpPr txBox="1"/>
+          <p:nvPr/>
+        </p:nvSpPr>
+        <p:spPr>
+          <a:xfrm>
+            <a:off x="4077960" y="4374899"/>
+            <a:ext cx="936104" cy="369332"/>
+          </a:xfrm>
+          <a:prstGeom prst="rect">
+            <a:avLst/>
+          </a:prstGeom>
+          <a:noFill/>
+        </p:spPr>
+        <p:txBody>
+          <a:bodyPr wrap="square" rtlCol="1">
+            <a:spAutoFit/>
+          </a:bodyPr>
+          <a:lstStyle/>
+          <a:p>
+            <a:r>
+              <a:rPr lang="en-US" dirty="0">
+                <a:solidFill>
+                  <a:schemeClr val="bg1"/>
+                </a:solidFill>
+              </a:rPr>
+              <a:t>routers</a:t>
+            </a:r>
+            <a:endParaRPr lang="he-IL" dirty="0">
+              <a:solidFill>
+                <a:schemeClr val="bg1"/>
+              </a:solidFill>
+            </a:endParaRPr>
           </a:p>
         </p:txBody>
       </p:sp>
     </p:spTree>
     <p:extLst>
       <p:ext uri="{BB962C8B-B14F-4D97-AF65-F5344CB8AC3E}">
-        <p14:creationId xmlns:p14="http://schemas.microsoft.com/office/powerpoint/2010/main" val="46641125"/>
+        <p14:creationId xmlns:p14="http://schemas.microsoft.com/office/powerpoint/2010/main" val="2009862806"/>
       </p:ext>
     </p:extLst>
   </p:cSld>
   <p:clrMapOvr>
     <a:masterClrMapping/>
   </p:clrMapOvr>
-  <mc:AlternateContent xmlns:mc="http://schemas.openxmlformats.org/markup-compatibility/2006">
-    <mc:Choice xmlns:p14="http://schemas.microsoft.com/office/powerpoint/2010/main" Requires="p14">
+  <mc:AlternateContent xmlns:mc="http://schemas.openxmlformats.org/markup-compatibility/2006" xmlns:p14="http://schemas.microsoft.com/office/powerpoint/2010/main">
+    <mc:Choice Requires="p14">
       <p:transition spd="med" p14:dur="700">
         <p:fade/>
       </p:transition>
     </mc:Choice>
-    <mc:Fallback>
+    <mc:Fallback xmlns="">
       <p:transition spd="med">
         <p:fade/>
       </p:transition>
@@ -20386,6 +22024,151 @@
 </file>
 
 <file path=customXml/item1.xml><?xml version="1.0" encoding="utf-8"?>
+<?mso-contentType ?>
+<FormTemplates xmlns="http://schemas.microsoft.com/sharepoint/v3/contenttype/forms">
+  <Display>DocumentLibraryForm</Display>
+  <Edit>AssetEditForm</Edit>
+  <New>DocumentLibraryForm</New>
+</FormTemplates>
+</file>
+
+<file path=customXml/item2.xml><?xml version="1.0" encoding="utf-8"?>
+<p:properties xmlns:p="http://schemas.microsoft.com/office/2006/metadata/properties" xmlns:xsi="http://www.w3.org/2001/XMLSchema-instance" xmlns:pc="http://schemas.microsoft.com/office/infopath/2007/PartnerControls">
+  <documentManagement>
+    <LocPublishedLinkedAssetsLookup xmlns="4873beb7-5857-4685-be1f-d57550cc96cc" xsi:nil="true"/>
+    <ApprovalStatus xmlns="4873beb7-5857-4685-be1f-d57550cc96cc">InProgress</ApprovalStatus>
+    <MarketSpecific xmlns="4873beb7-5857-4685-be1f-d57550cc96cc">false</MarketSpecific>
+    <LocComments xmlns="4873beb7-5857-4685-be1f-d57550cc96cc" xsi:nil="true"/>
+    <LocLastLocAttemptVersionTypeLookup xmlns="4873beb7-5857-4685-be1f-d57550cc96cc" xsi:nil="true"/>
+    <DirectSourceMarket xmlns="4873beb7-5857-4685-be1f-d57550cc96cc" xsi:nil="true"/>
+    <ThumbnailAssetId xmlns="4873beb7-5857-4685-be1f-d57550cc96cc" xsi:nil="true"/>
+    <PrimaryImageGen xmlns="4873beb7-5857-4685-be1f-d57550cc96cc">false</PrimaryImageGen>
+    <LocNewPublishedVersionLookup xmlns="4873beb7-5857-4685-be1f-d57550cc96cc" xsi:nil="true"/>
+    <LegacyData xmlns="4873beb7-5857-4685-be1f-d57550cc96cc" xsi:nil="true"/>
+    <LocRecommendedHandoff xmlns="4873beb7-5857-4685-be1f-d57550cc96cc" xsi:nil="true"/>
+    <BusinessGroup xmlns="4873beb7-5857-4685-be1f-d57550cc96cc" xsi:nil="true"/>
+    <BlockPublish xmlns="4873beb7-5857-4685-be1f-d57550cc96cc">false</BlockPublish>
+    <TPFriendlyName xmlns="4873beb7-5857-4685-be1f-d57550cc96cc" xsi:nil="true"/>
+    <LocOverallPublishStatusLookup xmlns="4873beb7-5857-4685-be1f-d57550cc96cc" xsi:nil="true"/>
+    <NumericId xmlns="4873beb7-5857-4685-be1f-d57550cc96cc" xsi:nil="true"/>
+    <APEditor xmlns="4873beb7-5857-4685-be1f-d57550cc96cc">
+      <UserInfo>
+        <DisplayName/>
+        <AccountId xsi:nil="true"/>
+        <AccountType/>
+      </UserInfo>
+    </APEditor>
+    <SourceTitle xmlns="4873beb7-5857-4685-be1f-d57550cc96cc" xsi:nil="true"/>
+    <OpenTemplate xmlns="4873beb7-5857-4685-be1f-d57550cc96cc">true</OpenTemplate>
+    <LocOverallLocStatusLookup xmlns="4873beb7-5857-4685-be1f-d57550cc96cc" xsi:nil="true"/>
+    <UALocComments xmlns="4873beb7-5857-4685-be1f-d57550cc96cc" xsi:nil="true"/>
+    <ParentAssetId xmlns="4873beb7-5857-4685-be1f-d57550cc96cc" xsi:nil="true"/>
+    <IntlLangReviewDate xmlns="4873beb7-5857-4685-be1f-d57550cc96cc" xsi:nil="true"/>
+    <FeatureTagsTaxHTField0 xmlns="4873beb7-5857-4685-be1f-d57550cc96cc">
+      <Terms xmlns="http://schemas.microsoft.com/office/infopath/2007/PartnerControls"/>
+    </FeatureTagsTaxHTField0>
+    <PublishStatusLookup xmlns="4873beb7-5857-4685-be1f-d57550cc96cc">
+      <Value>1345093</Value>
+    </PublishStatusLookup>
+    <Providers xmlns="4873beb7-5857-4685-be1f-d57550cc96cc" xsi:nil="true"/>
+    <MachineTranslated xmlns="4873beb7-5857-4685-be1f-d57550cc96cc">false</MachineTranslated>
+    <OriginalSourceMarket xmlns="4873beb7-5857-4685-be1f-d57550cc96cc" xsi:nil="true"/>
+    <APDescription xmlns="4873beb7-5857-4685-be1f-d57550cc96cc">This simple template design works for technology and  businesses, but it's versatile enough to use in other contexts.  It features multiple slide layouts designed for widescreen (16x9 resolution) and includes a sample SmartArt list and chart that are easily editable.</APDescription>
+    <ClipArtFilename xmlns="4873beb7-5857-4685-be1f-d57550cc96cc" xsi:nil="true"/>
+    <ContentItem xmlns="4873beb7-5857-4685-be1f-d57550cc96cc" xsi:nil="true"/>
+    <TPInstallLocation xmlns="4873beb7-5857-4685-be1f-d57550cc96cc" xsi:nil="true"/>
+    <PublishTargets xmlns="4873beb7-5857-4685-be1f-d57550cc96cc">OfficeOnlineVNext</PublishTargets>
+    <TimesCloned xmlns="4873beb7-5857-4685-be1f-d57550cc96cc" xsi:nil="true"/>
+    <AssetStart xmlns="4873beb7-5857-4685-be1f-d57550cc96cc">2011-11-26T00:30:00+00:00</AssetStart>
+    <Provider xmlns="4873beb7-5857-4685-be1f-d57550cc96cc" xsi:nil="true"/>
+    <AcquiredFrom xmlns="4873beb7-5857-4685-be1f-d57550cc96cc">Internal MS</AcquiredFrom>
+    <FriendlyTitle xmlns="4873beb7-5857-4685-be1f-d57550cc96cc" xsi:nil="true"/>
+    <LastHandOff xmlns="4873beb7-5857-4685-be1f-d57550cc96cc" xsi:nil="true"/>
+    <TPClientViewer xmlns="4873beb7-5857-4685-be1f-d57550cc96cc" xsi:nil="true"/>
+    <TemplateStatus xmlns="4873beb7-5857-4685-be1f-d57550cc96cc">Complete</TemplateStatus>
+    <Downloads xmlns="4873beb7-5857-4685-be1f-d57550cc96cc">0</Downloads>
+    <OOCacheId xmlns="4873beb7-5857-4685-be1f-d57550cc96cc" xsi:nil="true"/>
+    <IsDeleted xmlns="4873beb7-5857-4685-be1f-d57550cc96cc">false</IsDeleted>
+    <LocPublishedDependentAssetsLookup xmlns="4873beb7-5857-4685-be1f-d57550cc96cc" xsi:nil="true"/>
+    <TPExecutable xmlns="4873beb7-5857-4685-be1f-d57550cc96cc" xsi:nil="true"/>
+    <EditorialTags xmlns="4873beb7-5857-4685-be1f-d57550cc96cc" xsi:nil="true"/>
+    <SubmitterId xmlns="4873beb7-5857-4685-be1f-d57550cc96cc" xsi:nil="true"/>
+    <ApprovalLog xmlns="4873beb7-5857-4685-be1f-d57550cc96cc" xsi:nil="true"/>
+    <AssetType xmlns="4873beb7-5857-4685-be1f-d57550cc96cc">TP</AssetType>
+    <BugNumber xmlns="4873beb7-5857-4685-be1f-d57550cc96cc" xsi:nil="true"/>
+    <CSXSubmissionDate xmlns="4873beb7-5857-4685-be1f-d57550cc96cc" xsi:nil="true"/>
+    <CSXUpdate xmlns="4873beb7-5857-4685-be1f-d57550cc96cc">false</CSXUpdate>
+    <Milestone xmlns="4873beb7-5857-4685-be1f-d57550cc96cc" xsi:nil="true"/>
+    <RecommendationsModifier xmlns="4873beb7-5857-4685-be1f-d57550cc96cc" xsi:nil="true"/>
+    <OriginAsset xmlns="4873beb7-5857-4685-be1f-d57550cc96cc" xsi:nil="true"/>
+    <TPComponent xmlns="4873beb7-5857-4685-be1f-d57550cc96cc" xsi:nil="true"/>
+    <AssetId xmlns="4873beb7-5857-4685-be1f-d57550cc96cc">TP102787989</AssetId>
+    <IntlLocPriority xmlns="4873beb7-5857-4685-be1f-d57550cc96cc" xsi:nil="true"/>
+    <PolicheckWords xmlns="4873beb7-5857-4685-be1f-d57550cc96cc" xsi:nil="true"/>
+    <TPLaunchHelpLink xmlns="4873beb7-5857-4685-be1f-d57550cc96cc" xsi:nil="true"/>
+    <TPApplication xmlns="4873beb7-5857-4685-be1f-d57550cc96cc" xsi:nil="true"/>
+    <CrawlForDependencies xmlns="4873beb7-5857-4685-be1f-d57550cc96cc">false</CrawlForDependencies>
+    <HandoffToMSDN xmlns="4873beb7-5857-4685-be1f-d57550cc96cc" xsi:nil="true"/>
+    <PlannedPubDate xmlns="4873beb7-5857-4685-be1f-d57550cc96cc" xsi:nil="true"/>
+    <IntlLangReviewer xmlns="4873beb7-5857-4685-be1f-d57550cc96cc" xsi:nil="true"/>
+    <TrustLevel xmlns="4873beb7-5857-4685-be1f-d57550cc96cc">1 Microsoft Managed Content</TrustLevel>
+    <LocLastLocAttemptVersionLookup xmlns="4873beb7-5857-4685-be1f-d57550cc96cc">694266</LocLastLocAttemptVersionLookup>
+    <LocProcessedForHandoffsLookup xmlns="4873beb7-5857-4685-be1f-d57550cc96cc" xsi:nil="true"/>
+    <IsSearchable xmlns="4873beb7-5857-4685-be1f-d57550cc96cc">true</IsSearchable>
+    <TemplateTemplateType xmlns="4873beb7-5857-4685-be1f-d57550cc96cc">PowerPoint Presentation Template</TemplateTemplateType>
+    <CampaignTagsTaxHTField0 xmlns="4873beb7-5857-4685-be1f-d57550cc96cc">
+      <Terms xmlns="http://schemas.microsoft.com/office/infopath/2007/PartnerControls"/>
+    </CampaignTagsTaxHTField0>
+    <TPNamespace xmlns="4873beb7-5857-4685-be1f-d57550cc96cc" xsi:nil="true"/>
+    <LocOverallPreviewStatusLookup xmlns="4873beb7-5857-4685-be1f-d57550cc96cc" xsi:nil="true"/>
+    <TaxCatchAll xmlns="4873beb7-5857-4685-be1f-d57550cc96cc"/>
+    <Markets xmlns="4873beb7-5857-4685-be1f-d57550cc96cc"/>
+    <UAProjectedTotalWords xmlns="4873beb7-5857-4685-be1f-d57550cc96cc" xsi:nil="true"/>
+    <IntlLangReview xmlns="4873beb7-5857-4685-be1f-d57550cc96cc" xsi:nil="true"/>
+    <OutputCachingOn xmlns="4873beb7-5857-4685-be1f-d57550cc96cc">false</OutputCachingOn>
+    <AverageRating xmlns="4873beb7-5857-4685-be1f-d57550cc96cc" xsi:nil="true"/>
+    <APAuthor xmlns="4873beb7-5857-4685-be1f-d57550cc96cc">
+      <UserInfo>
+        <DisplayName>REDMOND\kristaa</DisplayName>
+        <AccountId>136</AccountId>
+        <AccountType/>
+      </UserInfo>
+    </APAuthor>
+    <LocManualTestRequired xmlns="4873beb7-5857-4685-be1f-d57550cc96cc">false</LocManualTestRequired>
+    <TPCommandLine xmlns="4873beb7-5857-4685-be1f-d57550cc96cc" xsi:nil="true"/>
+    <TPAppVersion xmlns="4873beb7-5857-4685-be1f-d57550cc96cc" xsi:nil="true"/>
+    <EditorialStatus xmlns="4873beb7-5857-4685-be1f-d57550cc96cc">Complete</EditorialStatus>
+    <LastModifiedDateTime xmlns="4873beb7-5857-4685-be1f-d57550cc96cc" xsi:nil="true"/>
+    <ScenarioTagsTaxHTField0 xmlns="4873beb7-5857-4685-be1f-d57550cc96cc">
+      <Terms xmlns="http://schemas.microsoft.com/office/infopath/2007/PartnerControls"/>
+    </ScenarioTagsTaxHTField0>
+    <LocProcessedForMarketsLookup xmlns="4873beb7-5857-4685-be1f-d57550cc96cc" xsi:nil="true"/>
+    <TPLaunchHelpLinkType xmlns="4873beb7-5857-4685-be1f-d57550cc96cc">Template</TPLaunchHelpLinkType>
+    <OriginalRelease xmlns="4873beb7-5857-4685-be1f-d57550cc96cc">15</OriginalRelease>
+    <LocalizationTagsTaxHTField0 xmlns="4873beb7-5857-4685-be1f-d57550cc96cc">
+      <Terms xmlns="http://schemas.microsoft.com/office/infopath/2007/PartnerControls"/>
+    </LocalizationTagsTaxHTField0>
+    <UACurrentWords xmlns="4873beb7-5857-4685-be1f-d57550cc96cc" xsi:nil="true"/>
+    <ArtSampleDocs xmlns="4873beb7-5857-4685-be1f-d57550cc96cc" xsi:nil="true"/>
+    <UALocRecommendation xmlns="4873beb7-5857-4685-be1f-d57550cc96cc">Localize</UALocRecommendation>
+    <Manager xmlns="4873beb7-5857-4685-be1f-d57550cc96cc" xsi:nil="true"/>
+    <LocOverallHandbackStatusLookup xmlns="4873beb7-5857-4685-be1f-d57550cc96cc" xsi:nil="true"/>
+    <ShowIn xmlns="4873beb7-5857-4685-be1f-d57550cc96cc">Show everywhere</ShowIn>
+    <UANotes xmlns="4873beb7-5857-4685-be1f-d57550cc96cc" xsi:nil="true"/>
+    <InternalTagsTaxHTField0 xmlns="4873beb7-5857-4685-be1f-d57550cc96cc">
+      <Terms xmlns="http://schemas.microsoft.com/office/infopath/2007/PartnerControls"/>
+    </InternalTagsTaxHTField0>
+    <CSXHash xmlns="4873beb7-5857-4685-be1f-d57550cc96cc" xsi:nil="true"/>
+    <VoteCount xmlns="4873beb7-5857-4685-be1f-d57550cc96cc" xsi:nil="true"/>
+    <AssetExpire xmlns="4873beb7-5857-4685-be1f-d57550cc96cc">2029-05-12T07:00:00+00:00</AssetExpire>
+    <DSATActionTaken xmlns="4873beb7-5857-4685-be1f-d57550cc96cc" xsi:nil="true"/>
+    <CSXSubmissionMarket xmlns="4873beb7-5857-4685-be1f-d57550cc96cc" xsi:nil="true"/>
+    <LocMarketGroupTiers2 xmlns="4873beb7-5857-4685-be1f-d57550cc96cc" xsi:nil="true"/>
+  </documentManagement>
+</p:properties>
+</file>
+
+<file path=customXml/item3.xml><?xml version="1.0" encoding="utf-8"?>
 <ct:contentTypeSchema xmlns:ct="http://schemas.microsoft.com/office/2006/metadata/contentType" xmlns:ma="http://schemas.microsoft.com/office/2006/metadata/properties/metaAttributes" ct:_="" ma:_="" ma:contentTypeName="TemplateFile" ma:contentTypeID="0x0101006EDDDB5EE6D98C44930B742096920B300400F5B6D36B3EF94B4E9A635CDF2A18F5B8" ma:contentTypeVersion="72" ma:contentTypeDescription="Create a new document." ma:contentTypeScope="" ma:versionID="a23e56308344d904b51738559c3d67c9">
   <xsd:schema xmlns:xsd="http://www.w3.org/2001/XMLSchema" xmlns:xs="http://www.w3.org/2001/XMLSchema" xmlns:p="http://schemas.microsoft.com/office/2006/metadata/properties" xmlns:ns2="4873beb7-5857-4685-be1f-d57550cc96cc" targetNamespace="http://schemas.microsoft.com/office/2006/metadata/properties" ma:root="true" ma:fieldsID="cd0908cc4600e77bf5da051303e00c8d" ns2:_="">
     <xsd:import namespace="4873beb7-5857-4685-be1f-d57550cc96cc"/>
@@ -21425,165 +23208,10 @@
 </ct:contentTypeSchema>
 </file>
 
-<file path=customXml/item2.xml><?xml version="1.0" encoding="utf-8"?>
-<p:properties xmlns:p="http://schemas.microsoft.com/office/2006/metadata/properties" xmlns:xsi="http://www.w3.org/2001/XMLSchema-instance" xmlns:pc="http://schemas.microsoft.com/office/infopath/2007/PartnerControls">
-  <documentManagement>
-    <LocPublishedLinkedAssetsLookup xmlns="4873beb7-5857-4685-be1f-d57550cc96cc" xsi:nil="true"/>
-    <ApprovalStatus xmlns="4873beb7-5857-4685-be1f-d57550cc96cc">InProgress</ApprovalStatus>
-    <MarketSpecific xmlns="4873beb7-5857-4685-be1f-d57550cc96cc">false</MarketSpecific>
-    <LocComments xmlns="4873beb7-5857-4685-be1f-d57550cc96cc" xsi:nil="true"/>
-    <LocLastLocAttemptVersionTypeLookup xmlns="4873beb7-5857-4685-be1f-d57550cc96cc" xsi:nil="true"/>
-    <DirectSourceMarket xmlns="4873beb7-5857-4685-be1f-d57550cc96cc" xsi:nil="true"/>
-    <ThumbnailAssetId xmlns="4873beb7-5857-4685-be1f-d57550cc96cc" xsi:nil="true"/>
-    <PrimaryImageGen xmlns="4873beb7-5857-4685-be1f-d57550cc96cc">false</PrimaryImageGen>
-    <LocNewPublishedVersionLookup xmlns="4873beb7-5857-4685-be1f-d57550cc96cc" xsi:nil="true"/>
-    <LegacyData xmlns="4873beb7-5857-4685-be1f-d57550cc96cc" xsi:nil="true"/>
-    <LocRecommendedHandoff xmlns="4873beb7-5857-4685-be1f-d57550cc96cc" xsi:nil="true"/>
-    <BusinessGroup xmlns="4873beb7-5857-4685-be1f-d57550cc96cc" xsi:nil="true"/>
-    <BlockPublish xmlns="4873beb7-5857-4685-be1f-d57550cc96cc">false</BlockPublish>
-    <TPFriendlyName xmlns="4873beb7-5857-4685-be1f-d57550cc96cc" xsi:nil="true"/>
-    <LocOverallPublishStatusLookup xmlns="4873beb7-5857-4685-be1f-d57550cc96cc" xsi:nil="true"/>
-    <NumericId xmlns="4873beb7-5857-4685-be1f-d57550cc96cc" xsi:nil="true"/>
-    <APEditor xmlns="4873beb7-5857-4685-be1f-d57550cc96cc">
-      <UserInfo>
-        <DisplayName/>
-        <AccountId xsi:nil="true"/>
-        <AccountType/>
-      </UserInfo>
-    </APEditor>
-    <SourceTitle xmlns="4873beb7-5857-4685-be1f-d57550cc96cc" xsi:nil="true"/>
-    <OpenTemplate xmlns="4873beb7-5857-4685-be1f-d57550cc96cc">true</OpenTemplate>
-    <LocOverallLocStatusLookup xmlns="4873beb7-5857-4685-be1f-d57550cc96cc" xsi:nil="true"/>
-    <UALocComments xmlns="4873beb7-5857-4685-be1f-d57550cc96cc" xsi:nil="true"/>
-    <ParentAssetId xmlns="4873beb7-5857-4685-be1f-d57550cc96cc" xsi:nil="true"/>
-    <IntlLangReviewDate xmlns="4873beb7-5857-4685-be1f-d57550cc96cc" xsi:nil="true"/>
-    <FeatureTagsTaxHTField0 xmlns="4873beb7-5857-4685-be1f-d57550cc96cc">
-      <Terms xmlns="http://schemas.microsoft.com/office/infopath/2007/PartnerControls"/>
-    </FeatureTagsTaxHTField0>
-    <PublishStatusLookup xmlns="4873beb7-5857-4685-be1f-d57550cc96cc">
-      <Value>1345093</Value>
-    </PublishStatusLookup>
-    <Providers xmlns="4873beb7-5857-4685-be1f-d57550cc96cc" xsi:nil="true"/>
-    <MachineTranslated xmlns="4873beb7-5857-4685-be1f-d57550cc96cc">false</MachineTranslated>
-    <OriginalSourceMarket xmlns="4873beb7-5857-4685-be1f-d57550cc96cc" xsi:nil="true"/>
-    <APDescription xmlns="4873beb7-5857-4685-be1f-d57550cc96cc">This simple template design works for technology and  businesses, but it's versatile enough to use in other contexts.  It features multiple slide layouts designed for widescreen (16x9 resolution) and includes a sample SmartArt list and chart that are easily editable.</APDescription>
-    <ClipArtFilename xmlns="4873beb7-5857-4685-be1f-d57550cc96cc" xsi:nil="true"/>
-    <ContentItem xmlns="4873beb7-5857-4685-be1f-d57550cc96cc" xsi:nil="true"/>
-    <TPInstallLocation xmlns="4873beb7-5857-4685-be1f-d57550cc96cc" xsi:nil="true"/>
-    <PublishTargets xmlns="4873beb7-5857-4685-be1f-d57550cc96cc">OfficeOnlineVNext</PublishTargets>
-    <TimesCloned xmlns="4873beb7-5857-4685-be1f-d57550cc96cc" xsi:nil="true"/>
-    <AssetStart xmlns="4873beb7-5857-4685-be1f-d57550cc96cc">2011-11-26T00:30:00+00:00</AssetStart>
-    <Provider xmlns="4873beb7-5857-4685-be1f-d57550cc96cc" xsi:nil="true"/>
-    <AcquiredFrom xmlns="4873beb7-5857-4685-be1f-d57550cc96cc">Internal MS</AcquiredFrom>
-    <FriendlyTitle xmlns="4873beb7-5857-4685-be1f-d57550cc96cc" xsi:nil="true"/>
-    <LastHandOff xmlns="4873beb7-5857-4685-be1f-d57550cc96cc" xsi:nil="true"/>
-    <TPClientViewer xmlns="4873beb7-5857-4685-be1f-d57550cc96cc" xsi:nil="true"/>
-    <TemplateStatus xmlns="4873beb7-5857-4685-be1f-d57550cc96cc">Complete</TemplateStatus>
-    <Downloads xmlns="4873beb7-5857-4685-be1f-d57550cc96cc">0</Downloads>
-    <OOCacheId xmlns="4873beb7-5857-4685-be1f-d57550cc96cc" xsi:nil="true"/>
-    <IsDeleted xmlns="4873beb7-5857-4685-be1f-d57550cc96cc">false</IsDeleted>
-    <LocPublishedDependentAssetsLookup xmlns="4873beb7-5857-4685-be1f-d57550cc96cc" xsi:nil="true"/>
-    <TPExecutable xmlns="4873beb7-5857-4685-be1f-d57550cc96cc" xsi:nil="true"/>
-    <EditorialTags xmlns="4873beb7-5857-4685-be1f-d57550cc96cc" xsi:nil="true"/>
-    <SubmitterId xmlns="4873beb7-5857-4685-be1f-d57550cc96cc" xsi:nil="true"/>
-    <ApprovalLog xmlns="4873beb7-5857-4685-be1f-d57550cc96cc" xsi:nil="true"/>
-    <AssetType xmlns="4873beb7-5857-4685-be1f-d57550cc96cc">TP</AssetType>
-    <BugNumber xmlns="4873beb7-5857-4685-be1f-d57550cc96cc" xsi:nil="true"/>
-    <CSXSubmissionDate xmlns="4873beb7-5857-4685-be1f-d57550cc96cc" xsi:nil="true"/>
-    <CSXUpdate xmlns="4873beb7-5857-4685-be1f-d57550cc96cc">false</CSXUpdate>
-    <Milestone xmlns="4873beb7-5857-4685-be1f-d57550cc96cc" xsi:nil="true"/>
-    <RecommendationsModifier xmlns="4873beb7-5857-4685-be1f-d57550cc96cc" xsi:nil="true"/>
-    <OriginAsset xmlns="4873beb7-5857-4685-be1f-d57550cc96cc" xsi:nil="true"/>
-    <TPComponent xmlns="4873beb7-5857-4685-be1f-d57550cc96cc" xsi:nil="true"/>
-    <AssetId xmlns="4873beb7-5857-4685-be1f-d57550cc96cc">TP102787989</AssetId>
-    <IntlLocPriority xmlns="4873beb7-5857-4685-be1f-d57550cc96cc" xsi:nil="true"/>
-    <PolicheckWords xmlns="4873beb7-5857-4685-be1f-d57550cc96cc" xsi:nil="true"/>
-    <TPLaunchHelpLink xmlns="4873beb7-5857-4685-be1f-d57550cc96cc" xsi:nil="true"/>
-    <TPApplication xmlns="4873beb7-5857-4685-be1f-d57550cc96cc" xsi:nil="true"/>
-    <CrawlForDependencies xmlns="4873beb7-5857-4685-be1f-d57550cc96cc">false</CrawlForDependencies>
-    <HandoffToMSDN xmlns="4873beb7-5857-4685-be1f-d57550cc96cc" xsi:nil="true"/>
-    <PlannedPubDate xmlns="4873beb7-5857-4685-be1f-d57550cc96cc" xsi:nil="true"/>
-    <IntlLangReviewer xmlns="4873beb7-5857-4685-be1f-d57550cc96cc" xsi:nil="true"/>
-    <TrustLevel xmlns="4873beb7-5857-4685-be1f-d57550cc96cc">1 Microsoft Managed Content</TrustLevel>
-    <LocLastLocAttemptVersionLookup xmlns="4873beb7-5857-4685-be1f-d57550cc96cc">694266</LocLastLocAttemptVersionLookup>
-    <LocProcessedForHandoffsLookup xmlns="4873beb7-5857-4685-be1f-d57550cc96cc" xsi:nil="true"/>
-    <IsSearchable xmlns="4873beb7-5857-4685-be1f-d57550cc96cc">true</IsSearchable>
-    <TemplateTemplateType xmlns="4873beb7-5857-4685-be1f-d57550cc96cc">PowerPoint Presentation Template</TemplateTemplateType>
-    <CampaignTagsTaxHTField0 xmlns="4873beb7-5857-4685-be1f-d57550cc96cc">
-      <Terms xmlns="http://schemas.microsoft.com/office/infopath/2007/PartnerControls"/>
-    </CampaignTagsTaxHTField0>
-    <TPNamespace xmlns="4873beb7-5857-4685-be1f-d57550cc96cc" xsi:nil="true"/>
-    <LocOverallPreviewStatusLookup xmlns="4873beb7-5857-4685-be1f-d57550cc96cc" xsi:nil="true"/>
-    <TaxCatchAll xmlns="4873beb7-5857-4685-be1f-d57550cc96cc"/>
-    <Markets xmlns="4873beb7-5857-4685-be1f-d57550cc96cc"/>
-    <UAProjectedTotalWords xmlns="4873beb7-5857-4685-be1f-d57550cc96cc" xsi:nil="true"/>
-    <IntlLangReview xmlns="4873beb7-5857-4685-be1f-d57550cc96cc" xsi:nil="true"/>
-    <OutputCachingOn xmlns="4873beb7-5857-4685-be1f-d57550cc96cc">false</OutputCachingOn>
-    <AverageRating xmlns="4873beb7-5857-4685-be1f-d57550cc96cc" xsi:nil="true"/>
-    <APAuthor xmlns="4873beb7-5857-4685-be1f-d57550cc96cc">
-      <UserInfo>
-        <DisplayName>REDMOND\kristaa</DisplayName>
-        <AccountId>136</AccountId>
-        <AccountType/>
-      </UserInfo>
-    </APAuthor>
-    <LocManualTestRequired xmlns="4873beb7-5857-4685-be1f-d57550cc96cc">false</LocManualTestRequired>
-    <TPCommandLine xmlns="4873beb7-5857-4685-be1f-d57550cc96cc" xsi:nil="true"/>
-    <TPAppVersion xmlns="4873beb7-5857-4685-be1f-d57550cc96cc" xsi:nil="true"/>
-    <EditorialStatus xmlns="4873beb7-5857-4685-be1f-d57550cc96cc">Complete</EditorialStatus>
-    <LastModifiedDateTime xmlns="4873beb7-5857-4685-be1f-d57550cc96cc" xsi:nil="true"/>
-    <ScenarioTagsTaxHTField0 xmlns="4873beb7-5857-4685-be1f-d57550cc96cc">
-      <Terms xmlns="http://schemas.microsoft.com/office/infopath/2007/PartnerControls"/>
-    </ScenarioTagsTaxHTField0>
-    <LocProcessedForMarketsLookup xmlns="4873beb7-5857-4685-be1f-d57550cc96cc" xsi:nil="true"/>
-    <TPLaunchHelpLinkType xmlns="4873beb7-5857-4685-be1f-d57550cc96cc">Template</TPLaunchHelpLinkType>
-    <OriginalRelease xmlns="4873beb7-5857-4685-be1f-d57550cc96cc">15</OriginalRelease>
-    <LocalizationTagsTaxHTField0 xmlns="4873beb7-5857-4685-be1f-d57550cc96cc">
-      <Terms xmlns="http://schemas.microsoft.com/office/infopath/2007/PartnerControls"/>
-    </LocalizationTagsTaxHTField0>
-    <UACurrentWords xmlns="4873beb7-5857-4685-be1f-d57550cc96cc" xsi:nil="true"/>
-    <ArtSampleDocs xmlns="4873beb7-5857-4685-be1f-d57550cc96cc" xsi:nil="true"/>
-    <UALocRecommendation xmlns="4873beb7-5857-4685-be1f-d57550cc96cc">Localize</UALocRecommendation>
-    <Manager xmlns="4873beb7-5857-4685-be1f-d57550cc96cc" xsi:nil="true"/>
-    <LocOverallHandbackStatusLookup xmlns="4873beb7-5857-4685-be1f-d57550cc96cc" xsi:nil="true"/>
-    <ShowIn xmlns="4873beb7-5857-4685-be1f-d57550cc96cc">Show everywhere</ShowIn>
-    <UANotes xmlns="4873beb7-5857-4685-be1f-d57550cc96cc" xsi:nil="true"/>
-    <InternalTagsTaxHTField0 xmlns="4873beb7-5857-4685-be1f-d57550cc96cc">
-      <Terms xmlns="http://schemas.microsoft.com/office/infopath/2007/PartnerControls"/>
-    </InternalTagsTaxHTField0>
-    <CSXHash xmlns="4873beb7-5857-4685-be1f-d57550cc96cc" xsi:nil="true"/>
-    <VoteCount xmlns="4873beb7-5857-4685-be1f-d57550cc96cc" xsi:nil="true"/>
-    <AssetExpire xmlns="4873beb7-5857-4685-be1f-d57550cc96cc">2029-05-12T07:00:00+00:00</AssetExpire>
-    <DSATActionTaken xmlns="4873beb7-5857-4685-be1f-d57550cc96cc" xsi:nil="true"/>
-    <CSXSubmissionMarket xmlns="4873beb7-5857-4685-be1f-d57550cc96cc" xsi:nil="true"/>
-    <LocMarketGroupTiers2 xmlns="4873beb7-5857-4685-be1f-d57550cc96cc" xsi:nil="true"/>
-  </documentManagement>
-</p:properties>
-</file>
-
-<file path=customXml/item3.xml><?xml version="1.0" encoding="utf-8"?>
-<?mso-contentType ?>
-<FormTemplates xmlns="http://schemas.microsoft.com/sharepoint/v3/contenttype/forms">
-  <Display>DocumentLibraryForm</Display>
-  <Edit>AssetEditForm</Edit>
-  <New>DocumentLibraryForm</New>
-</FormTemplates>
-</file>
-
 <file path=customXml/itemProps1.xml><?xml version="1.0" encoding="utf-8"?>
-<ds:datastoreItem xmlns:ds="http://schemas.openxmlformats.org/officeDocument/2006/customXml" ds:itemID="{A09BF4D4-EF60-4196-BFC3-9462D607978C}">
+<ds:datastoreItem xmlns:ds="http://schemas.openxmlformats.org/officeDocument/2006/customXml" ds:itemID="{3836F65B-1B07-41EE-A0E8-BC6EF3855225}">
   <ds:schemaRefs>
-    <ds:schemaRef ds:uri="http://schemas.microsoft.com/office/2006/metadata/contentType"/>
-    <ds:schemaRef ds:uri="http://schemas.microsoft.com/office/2006/metadata/properties/metaAttributes"/>
-    <ds:schemaRef ds:uri="http://www.w3.org/2001/XMLSchema"/>
-    <ds:schemaRef ds:uri="http://schemas.microsoft.com/office/2006/metadata/properties"/>
-    <ds:schemaRef ds:uri="4873beb7-5857-4685-be1f-d57550cc96cc"/>
-    <ds:schemaRef ds:uri="http://schemas.microsoft.com/office/2006/documentManagement/types"/>
-    <ds:schemaRef ds:uri="http://schemas.microsoft.com/office/infopath/2007/PartnerControls"/>
-    <ds:schemaRef ds:uri="http://schemas.openxmlformats.org/package/2006/metadata/core-properties"/>
-    <ds:schemaRef ds:uri="http://purl.org/dc/elements/1.1/"/>
-    <ds:schemaRef ds:uri="http://purl.org/dc/terms/"/>
-    <ds:schemaRef ds:uri="http://schemas.microsoft.com/internal/obd"/>
+    <ds:schemaRef ds:uri="http://schemas.microsoft.com/sharepoint/v3/contenttype/forms"/>
   </ds:schemaRefs>
 </ds:datastoreItem>
 </file>
@@ -21605,9 +23233,19 @@
 </file>
 
 <file path=customXml/itemProps3.xml><?xml version="1.0" encoding="utf-8"?>
-<ds:datastoreItem xmlns:ds="http://schemas.openxmlformats.org/officeDocument/2006/customXml" ds:itemID="{3836F65B-1B07-41EE-A0E8-BC6EF3855225}">
+<ds:datastoreItem xmlns:ds="http://schemas.openxmlformats.org/officeDocument/2006/customXml" ds:itemID="{A09BF4D4-EF60-4196-BFC3-9462D607978C}">
   <ds:schemaRefs>
-    <ds:schemaRef ds:uri="http://schemas.microsoft.com/sharepoint/v3/contenttype/forms"/>
+    <ds:schemaRef ds:uri="http://schemas.microsoft.com/office/2006/metadata/contentType"/>
+    <ds:schemaRef ds:uri="http://schemas.microsoft.com/office/2006/metadata/properties/metaAttributes"/>
+    <ds:schemaRef ds:uri="http://www.w3.org/2001/XMLSchema"/>
+    <ds:schemaRef ds:uri="http://schemas.microsoft.com/office/2006/metadata/properties"/>
+    <ds:schemaRef ds:uri="4873beb7-5857-4685-be1f-d57550cc96cc"/>
+    <ds:schemaRef ds:uri="http://schemas.microsoft.com/office/2006/documentManagement/types"/>
+    <ds:schemaRef ds:uri="http://schemas.microsoft.com/office/infopath/2007/PartnerControls"/>
+    <ds:schemaRef ds:uri="http://schemas.openxmlformats.org/package/2006/metadata/core-properties"/>
+    <ds:schemaRef ds:uri="http://purl.org/dc/elements/1.1/"/>
+    <ds:schemaRef ds:uri="http://purl.org/dc/terms/"/>
+    <ds:schemaRef ds:uri="http://schemas.microsoft.com/internal/obd"/>
   </ds:schemaRefs>
 </ds:datastoreItem>
 </file>